--- a/Hasibullah_Mohmand_Hattack.ai_Presentation .pptx
+++ b/Hasibullah_Mohmand_Hattack.ai_Presentation .pptx
@@ -8,31 +8,30 @@
     <p:sldMasterId id="2147483717" r:id="rId7"/>
   </p:sldMasterIdLst>
   <p:notesMasterIdLst>
-    <p:notesMasterId r:id="rId30"/>
+    <p:notesMasterId r:id="rId29"/>
   </p:notesMasterIdLst>
   <p:sldIdLst>
     <p:sldId id="450" r:id="rId8"/>
-    <p:sldId id="410" r:id="rId9"/>
-    <p:sldId id="451" r:id="rId10"/>
-    <p:sldId id="452" r:id="rId11"/>
-    <p:sldId id="456" r:id="rId12"/>
-    <p:sldId id="415" r:id="rId13"/>
-    <p:sldId id="426" r:id="rId14"/>
-    <p:sldId id="448" r:id="rId15"/>
-    <p:sldId id="417" r:id="rId16"/>
-    <p:sldId id="434" r:id="rId17"/>
-    <p:sldId id="457" r:id="rId18"/>
-    <p:sldId id="458" r:id="rId19"/>
-    <p:sldId id="453" r:id="rId20"/>
-    <p:sldId id="429" r:id="rId21"/>
-    <p:sldId id="435" r:id="rId22"/>
-    <p:sldId id="436" r:id="rId23"/>
-    <p:sldId id="455" r:id="rId24"/>
-    <p:sldId id="440" r:id="rId25"/>
-    <p:sldId id="454" r:id="rId26"/>
-    <p:sldId id="446" r:id="rId27"/>
-    <p:sldId id="447" r:id="rId28"/>
-    <p:sldId id="406" r:id="rId29"/>
+    <p:sldId id="451" r:id="rId9"/>
+    <p:sldId id="452" r:id="rId10"/>
+    <p:sldId id="456" r:id="rId11"/>
+    <p:sldId id="415" r:id="rId12"/>
+    <p:sldId id="426" r:id="rId13"/>
+    <p:sldId id="448" r:id="rId14"/>
+    <p:sldId id="417" r:id="rId15"/>
+    <p:sldId id="434" r:id="rId16"/>
+    <p:sldId id="457" r:id="rId17"/>
+    <p:sldId id="458" r:id="rId18"/>
+    <p:sldId id="453" r:id="rId19"/>
+    <p:sldId id="429" r:id="rId20"/>
+    <p:sldId id="435" r:id="rId21"/>
+    <p:sldId id="436" r:id="rId22"/>
+    <p:sldId id="455" r:id="rId23"/>
+    <p:sldId id="440" r:id="rId24"/>
+    <p:sldId id="454" r:id="rId25"/>
+    <p:sldId id="446" r:id="rId26"/>
+    <p:sldId id="447" r:id="rId27"/>
+    <p:sldId id="406" r:id="rId28"/>
   </p:sldIdLst>
   <p:sldSz cx="12192000" cy="6858000"/>
   <p:notesSz cx="6858000" cy="9144000"/>
@@ -237,7 +236,7 @@
           </a:lstStyle>
           <a:p>
             <a:fld id="{E14C8F11-D0DF-4008-860B-4A7D93BC166E}" type="datetimeFigureOut">
-              <a:t>7/14/2024</a:t>
+              <a:t>7/15/2024</a:t>
             </a:fld>
             <a:endParaRPr lang="en-US"/>
           </a:p>
@@ -579,91 +578,7 @@
     </p:spTree>
     <p:extLst>
       <p:ext uri="{BB962C8B-B14F-4D97-AF65-F5344CB8AC3E}">
-        <p14:creationId xmlns:p14="http://schemas.microsoft.com/office/powerpoint/2010/main" val="1092769510"/>
-      </p:ext>
-    </p:extLst>
-  </p:cSld>
-  <p:clrMapOvr>
-    <a:masterClrMapping/>
-  </p:clrMapOvr>
-</p:notes>
-</file>
-
-<file path=ppt/notesSlides/notesSlide10.xml><?xml version="1.0" encoding="utf-8"?>
-<p:notes xmlns:a="http://schemas.openxmlformats.org/drawingml/2006/main" xmlns:r="http://schemas.openxmlformats.org/officeDocument/2006/relationships" xmlns:p="http://schemas.openxmlformats.org/presentationml/2006/main">
-  <p:cSld>
-    <p:spTree>
-      <p:nvGrpSpPr>
-        <p:cNvPr id="1" name=""/>
-        <p:cNvGrpSpPr/>
-        <p:nvPr/>
-      </p:nvGrpSpPr>
-      <p:grpSpPr>
-        <a:xfrm>
-          <a:off x="0" y="0"/>
-          <a:ext cx="0" cy="0"/>
-          <a:chOff x="0" y="0"/>
-          <a:chExt cx="0" cy="0"/>
-        </a:xfrm>
-      </p:grpSpPr>
-      <p:sp>
-        <p:nvSpPr>
-          <p:cNvPr id="2" name="Slide Image Placeholder 1"/>
-          <p:cNvSpPr>
-            <a:spLocks noGrp="1" noRot="1" noChangeAspect="1"/>
-          </p:cNvSpPr>
-          <p:nvPr>
-            <p:ph type="sldImg"/>
-          </p:nvPr>
-        </p:nvSpPr>
-        <p:spPr/>
-      </p:sp>
-      <p:sp>
-        <p:nvSpPr>
-          <p:cNvPr id="3" name="Notes Placeholder 2"/>
-          <p:cNvSpPr>
-            <a:spLocks noGrp="1"/>
-          </p:cNvSpPr>
-          <p:nvPr>
-            <p:ph type="body" idx="1"/>
-          </p:nvPr>
-        </p:nvSpPr>
-        <p:spPr/>
-        <p:txBody>
-          <a:bodyPr/>
-          <a:lstStyle/>
-          <a:p>
-            <a:endParaRPr lang="en-US"/>
-          </a:p>
-        </p:txBody>
-      </p:sp>
-      <p:sp>
-        <p:nvSpPr>
-          <p:cNvPr id="4" name="Slide Number Placeholder 3"/>
-          <p:cNvSpPr>
-            <a:spLocks noGrp="1"/>
-          </p:cNvSpPr>
-          <p:nvPr>
-            <p:ph type="sldNum" sz="quarter" idx="5"/>
-          </p:nvPr>
-        </p:nvSpPr>
-        <p:spPr/>
-        <p:txBody>
-          <a:bodyPr/>
-          <a:lstStyle/>
-          <a:p>
-            <a:fld id="{72E1486C-A7A5-4436-8111-6FB9AC8714F1}" type="slidenum">
-              <a:rPr lang="ko-KR" altLang="en-US" smtClean="0"/>
-              <a:t>22</a:t>
-            </a:fld>
-            <a:endParaRPr lang="ko-KR" altLang="en-US"/>
-          </a:p>
-        </p:txBody>
-      </p:sp>
-    </p:spTree>
-    <p:extLst>
-      <p:ext uri="{BB962C8B-B14F-4D97-AF65-F5344CB8AC3E}">
-        <p14:creationId xmlns:p14="http://schemas.microsoft.com/office/powerpoint/2010/main" val="2811280476"/>
+        <p14:creationId xmlns:p14="http://schemas.microsoft.com/office/powerpoint/2010/main" val="515713550"/>
       </p:ext>
     </p:extLst>
   </p:cSld>
@@ -740,7 +655,7 @@
           <a:p>
             <a:fld id="{158BD55D-E2EB-4EFC-86FE-667FCB25C641}" type="slidenum">
               <a:rPr lang="en-US" smtClean="0"/>
-              <a:t>3</a:t>
+              <a:t>4</a:t>
             </a:fld>
             <a:endParaRPr lang="en-US"/>
           </a:p>
@@ -749,7 +664,7 @@
     </p:spTree>
     <p:extLst>
       <p:ext uri="{BB962C8B-B14F-4D97-AF65-F5344CB8AC3E}">
-        <p14:creationId xmlns:p14="http://schemas.microsoft.com/office/powerpoint/2010/main" val="515713550"/>
+        <p14:creationId xmlns:p14="http://schemas.microsoft.com/office/powerpoint/2010/main" val="624713571"/>
       </p:ext>
     </p:extLst>
   </p:cSld>
@@ -807,6 +722,11 @@
               <a:cs typeface="Calibri"/>
             </a:endParaRPr>
           </a:p>
+          <a:p>
+            <a:endParaRPr lang="en-US">
+              <a:cs typeface="Calibri"/>
+            </a:endParaRPr>
+          </a:p>
         </p:txBody>
       </p:sp>
       <p:sp>
@@ -835,7 +755,7 @@
     </p:spTree>
     <p:extLst>
       <p:ext uri="{BB962C8B-B14F-4D97-AF65-F5344CB8AC3E}">
-        <p14:creationId xmlns:p14="http://schemas.microsoft.com/office/powerpoint/2010/main" val="624713571"/>
+        <p14:creationId xmlns:p14="http://schemas.microsoft.com/office/powerpoint/2010/main" val="2629157222"/>
       </p:ext>
     </p:extLst>
   </p:cSld>
@@ -889,14 +809,7 @@
           <a:bodyPr/>
           <a:lstStyle/>
           <a:p>
-            <a:endParaRPr lang="en-US">
-              <a:cs typeface="Calibri"/>
-            </a:endParaRPr>
-          </a:p>
-          <a:p>
-            <a:endParaRPr lang="en-US">
-              <a:cs typeface="Calibri"/>
-            </a:endParaRPr>
+            <a:endParaRPr lang="en-TR"/>
           </a:p>
         </p:txBody>
       </p:sp>
@@ -915,18 +828,18 @@
           <a:bodyPr/>
           <a:lstStyle/>
           <a:p>
-            <a:fld id="{158BD55D-E2EB-4EFC-86FE-667FCB25C641}" type="slidenum">
-              <a:rPr lang="en-US" smtClean="0"/>
+            <a:fld id="{7E2C2A8A-8D13-4B94-B9F1-C53F69A20F96}" type="slidenum">
+              <a:rPr lang="en-TR" smtClean="0"/>
               <a:t>6</a:t>
             </a:fld>
-            <a:endParaRPr lang="en-US"/>
+            <a:endParaRPr lang="en-TR"/>
           </a:p>
         </p:txBody>
       </p:sp>
     </p:spTree>
     <p:extLst>
       <p:ext uri="{BB962C8B-B14F-4D97-AF65-F5344CB8AC3E}">
-        <p14:creationId xmlns:p14="http://schemas.microsoft.com/office/powerpoint/2010/main" val="2629157222"/>
+        <p14:creationId xmlns:p14="http://schemas.microsoft.com/office/powerpoint/2010/main" val="4077221835"/>
       </p:ext>
     </p:extLst>
   </p:cSld>
@@ -1001,7 +914,7 @@
           <a:p>
             <a:fld id="{7E2C2A8A-8D13-4B94-B9F1-C53F69A20F96}" type="slidenum">
               <a:rPr lang="en-TR" smtClean="0"/>
-              <a:t>7</a:t>
+              <a:t>8</a:t>
             </a:fld>
             <a:endParaRPr lang="en-TR"/>
           </a:p>
@@ -1010,7 +923,7 @@
     </p:spTree>
     <p:extLst>
       <p:ext uri="{BB962C8B-B14F-4D97-AF65-F5344CB8AC3E}">
-        <p14:creationId xmlns:p14="http://schemas.microsoft.com/office/powerpoint/2010/main" val="4077221835"/>
+        <p14:creationId xmlns:p14="http://schemas.microsoft.com/office/powerpoint/2010/main" val="3822320237"/>
       </p:ext>
     </p:extLst>
   </p:cSld>
@@ -1094,7 +1007,7 @@
     </p:spTree>
     <p:extLst>
       <p:ext uri="{BB962C8B-B14F-4D97-AF65-F5344CB8AC3E}">
-        <p14:creationId xmlns:p14="http://schemas.microsoft.com/office/powerpoint/2010/main" val="3822320237"/>
+        <p14:creationId xmlns:p14="http://schemas.microsoft.com/office/powerpoint/2010/main" val="112872984"/>
       </p:ext>
     </p:extLst>
   </p:cSld>
@@ -1178,7 +1091,7 @@
     </p:spTree>
     <p:extLst>
       <p:ext uri="{BB962C8B-B14F-4D97-AF65-F5344CB8AC3E}">
-        <p14:creationId xmlns:p14="http://schemas.microsoft.com/office/powerpoint/2010/main" val="112872984"/>
+        <p14:creationId xmlns:p14="http://schemas.microsoft.com/office/powerpoint/2010/main" val="1640117179"/>
       </p:ext>
     </p:extLst>
   </p:cSld>
@@ -1262,7 +1175,7 @@
     </p:spTree>
     <p:extLst>
       <p:ext uri="{BB962C8B-B14F-4D97-AF65-F5344CB8AC3E}">
-        <p14:creationId xmlns:p14="http://schemas.microsoft.com/office/powerpoint/2010/main" val="1640117179"/>
+        <p14:creationId xmlns:p14="http://schemas.microsoft.com/office/powerpoint/2010/main" val="3672027458"/>
       </p:ext>
     </p:extLst>
   </p:cSld>
@@ -1316,7 +1229,7 @@
           <a:bodyPr/>
           <a:lstStyle/>
           <a:p>
-            <a:endParaRPr lang="en-TR"/>
+            <a:endParaRPr lang="en-US"/>
           </a:p>
         </p:txBody>
       </p:sp>
@@ -1335,18 +1248,18 @@
           <a:bodyPr/>
           <a:lstStyle/>
           <a:p>
-            <a:fld id="{7E2C2A8A-8D13-4B94-B9F1-C53F69A20F96}" type="slidenum">
-              <a:rPr lang="en-TR" smtClean="0"/>
-              <a:t>12</a:t>
+            <a:fld id="{72E1486C-A7A5-4436-8111-6FB9AC8714F1}" type="slidenum">
+              <a:rPr lang="ko-KR" altLang="en-US" smtClean="0"/>
+              <a:t>21</a:t>
             </a:fld>
-            <a:endParaRPr lang="en-TR"/>
+            <a:endParaRPr lang="ko-KR" altLang="en-US"/>
           </a:p>
         </p:txBody>
       </p:sp>
     </p:spTree>
     <p:extLst>
       <p:ext uri="{BB962C8B-B14F-4D97-AF65-F5344CB8AC3E}">
-        <p14:creationId xmlns:p14="http://schemas.microsoft.com/office/powerpoint/2010/main" val="3672027458"/>
+        <p14:creationId xmlns:p14="http://schemas.microsoft.com/office/powerpoint/2010/main" val="2811280476"/>
       </p:ext>
     </p:extLst>
   </p:cSld>
@@ -15079,147 +14992,40 @@
           <a:chExt cx="0" cy="0"/>
         </a:xfrm>
       </p:grpSpPr>
-      <p:sp>
-        <p:nvSpPr>
-          <p:cNvPr id="2" name="Title 1">
-            <a:extLst>
-              <a:ext uri="{FF2B5EF4-FFF2-40B4-BE49-F238E27FC236}">
-                <a16:creationId xmlns:a16="http://schemas.microsoft.com/office/drawing/2014/main" id="{F6601C89-436E-AD3C-AF5A-DEC59B995445}"/>
-              </a:ext>
-            </a:extLst>
-          </p:cNvPr>
-          <p:cNvSpPr>
-            <a:spLocks noGrp="1"/>
-          </p:cNvSpPr>
-          <p:nvPr>
-            <p:ph type="title"/>
-          </p:nvPr>
-        </p:nvSpPr>
-        <p:spPr/>
-        <p:txBody>
-          <a:bodyPr>
-            <a:normAutofit fontScale="90000"/>
-          </a:bodyPr>
-          <a:lstStyle/>
-          <a:p>
-            <a:r>
-              <a:rPr lang="en-US" b="1" dirty="0"/>
-              <a:t>Exploratory Data Analysis (EDA)</a:t>
-            </a:r>
-            <a:r>
-              <a:rPr lang="tr-TR" b="1" dirty="0"/>
-              <a:t> </a:t>
-            </a:r>
-            <a:r>
-              <a:rPr lang="tr-TR" b="1" dirty="0" err="1"/>
-              <a:t>and</a:t>
-            </a:r>
-            <a:r>
-              <a:rPr lang="tr-TR" b="1" dirty="0"/>
-              <a:t> </a:t>
-            </a:r>
-            <a:r>
-              <a:rPr lang="en-US" b="1" dirty="0"/>
-              <a:t>Feature Engineering</a:t>
-            </a:r>
-            <a:endParaRPr lang="tr-TR" dirty="0"/>
-          </a:p>
-        </p:txBody>
-      </p:sp>
-      <p:sp>
-        <p:nvSpPr>
-          <p:cNvPr id="3" name="Content Placeholder 2">
-            <a:extLst>
-              <a:ext uri="{FF2B5EF4-FFF2-40B4-BE49-F238E27FC236}">
-                <a16:creationId xmlns:a16="http://schemas.microsoft.com/office/drawing/2014/main" id="{9527CBB5-FCE1-A315-951E-ACBCC104C4CE}"/>
-              </a:ext>
-            </a:extLst>
-          </p:cNvPr>
-          <p:cNvSpPr>
-            <a:spLocks noGrp="1"/>
-          </p:cNvSpPr>
+      <p:pic>
+        <p:nvPicPr>
+          <p:cNvPr id="6" name="Content Placeholder 5">
+            <a:extLst>
+              <a:ext uri="{FF2B5EF4-FFF2-40B4-BE49-F238E27FC236}">
+                <a16:creationId xmlns:a16="http://schemas.microsoft.com/office/drawing/2014/main" id="{AD915654-DD05-93D5-CC89-E446ECD0D2B8}"/>
+              </a:ext>
+            </a:extLst>
+          </p:cNvPr>
+          <p:cNvPicPr>
+            <a:picLocks noGrp="1" noChangeAspect="1"/>
+          </p:cNvPicPr>
           <p:nvPr>
             <p:ph idx="1"/>
           </p:nvPr>
-        </p:nvSpPr>
-        <p:spPr/>
-        <p:txBody>
-          <a:bodyPr>
-            <a:noAutofit/>
-          </a:bodyPr>
-          <a:lstStyle/>
-          <a:p>
-            <a:pPr marL="0" indent="0">
-              <a:buNone/>
-            </a:pPr>
-            <a:endParaRPr lang="en-US" sz="2400" b="1" i="0" u="none" strike="noStrike" kern="1200" noProof="0" dirty="0">
-              <a:solidFill>
-                <a:srgbClr val="FFFFFF"/>
-              </a:solidFill>
-              <a:cs typeface="Arial" panose="020B0604020202020204" pitchFamily="34" charset="0"/>
-            </a:endParaRPr>
-          </a:p>
-          <a:p>
-            <a:pPr>
-              <a:buFont typeface="Arial" panose="020B0604020202020204" pitchFamily="34" charset="0"/>
-              <a:buChar char="•"/>
-            </a:pPr>
-            <a:r>
-              <a:rPr lang="en-US" sz="2400" dirty="0">
-                <a:cs typeface="Arial" panose="020B0604020202020204" pitchFamily="34" charset="0"/>
-              </a:rPr>
-              <a:t>Visualize feature distributions and target variable.</a:t>
-            </a:r>
-          </a:p>
-          <a:p>
-            <a:pPr>
-              <a:buFont typeface="Arial" panose="020B0604020202020204" pitchFamily="34" charset="0"/>
-              <a:buChar char="•"/>
-            </a:pPr>
-            <a:endParaRPr lang="en-US" sz="2400" dirty="0">
-              <a:cs typeface="Arial" panose="020B0604020202020204" pitchFamily="34" charset="0"/>
-            </a:endParaRPr>
-          </a:p>
-          <a:p>
-            <a:pPr>
-              <a:buFont typeface="Arial" panose="020B0604020202020204" pitchFamily="34" charset="0"/>
-              <a:buChar char="•"/>
-            </a:pPr>
-            <a:r>
-              <a:rPr lang="en-US" sz="2400" dirty="0">
-                <a:cs typeface="Arial" panose="020B0604020202020204" pitchFamily="34" charset="0"/>
-              </a:rPr>
-              <a:t>Identify correlations between features and the target.</a:t>
-            </a:r>
-          </a:p>
-          <a:p>
-            <a:pPr>
-              <a:buFont typeface="Arial" panose="020B0604020202020204" pitchFamily="34" charset="0"/>
-              <a:buChar char="•"/>
-            </a:pPr>
-            <a:endParaRPr lang="en-US" sz="2400" dirty="0">
-              <a:cs typeface="Arial" panose="020B0604020202020204" pitchFamily="34" charset="0"/>
-            </a:endParaRPr>
-          </a:p>
-          <a:p>
-            <a:pPr>
-              <a:buFont typeface="Arial" panose="020B0604020202020204" pitchFamily="34" charset="0"/>
-              <a:buChar char="•"/>
-            </a:pPr>
-            <a:r>
-              <a:rPr lang="en-US" sz="2400" dirty="0">
-                <a:cs typeface="Arial" panose="020B0604020202020204" pitchFamily="34" charset="0"/>
-              </a:rPr>
-              <a:t>Insights: Older individuals have higher heart attack risks; chest pain type and maximum heart rate are significant indicators.</a:t>
-            </a:r>
-          </a:p>
-          <a:p>
-            <a:endParaRPr lang="tr-TR" sz="2400" dirty="0">
-              <a:cs typeface="Arial" panose="020B0604020202020204" pitchFamily="34" charset="0"/>
-            </a:endParaRPr>
-          </a:p>
-        </p:txBody>
-      </p:sp>
+        </p:nvPicPr>
+        <p:blipFill>
+          <a:blip r:embed="rId3">
+            <a:extLst>
+              <a:ext uri="{28A0092B-C50C-407E-A947-70E740481C1C}">
+                <a14:useLocalDpi xmlns:a14="http://schemas.microsoft.com/office/drawing/2010/main" val="0"/>
+              </a:ext>
+            </a:extLst>
+          </a:blip>
+          <a:srcRect/>
+          <a:stretch/>
+        </p:blipFill>
+        <p:spPr>
+          <a:xfrm>
+            <a:off x="838325" y="1127760"/>
+            <a:ext cx="10515350" cy="5410200"/>
+          </a:xfrm>
+        </p:spPr>
+      </p:pic>
       <p:sp>
         <p:nvSpPr>
           <p:cNvPr id="5" name="TextBox 4">
@@ -15276,7 +15082,7 @@
     </p:spTree>
     <p:extLst>
       <p:ext uri="{BB962C8B-B14F-4D97-AF65-F5344CB8AC3E}">
-        <p14:creationId xmlns:p14="http://schemas.microsoft.com/office/powerpoint/2010/main" val="3784368180"/>
+        <p14:creationId xmlns:p14="http://schemas.microsoft.com/office/powerpoint/2010/main" val="486654173"/>
       </p:ext>
     </p:extLst>
   </p:cSld>
@@ -15327,8 +15133,9 @@
               </a:ext>
             </a:extLst>
           </a:blip>
-          <a:srcRect/>
-          <a:stretch/>
+          <a:stretch>
+            <a:fillRect/>
+          </a:stretch>
         </p:blipFill>
         <p:spPr>
           <a:xfrm>
@@ -15393,7 +15200,7 @@
     </p:spTree>
     <p:extLst>
       <p:ext uri="{BB962C8B-B14F-4D97-AF65-F5344CB8AC3E}">
-        <p14:creationId xmlns:p14="http://schemas.microsoft.com/office/powerpoint/2010/main" val="486654173"/>
+        <p14:creationId xmlns:p14="http://schemas.microsoft.com/office/powerpoint/2010/main" val="871928557"/>
       </p:ext>
     </p:extLst>
   </p:cSld>
@@ -15420,47 +15227,46 @@
           <a:chExt cx="0" cy="0"/>
         </a:xfrm>
       </p:grpSpPr>
-      <p:pic>
-        <p:nvPicPr>
-          <p:cNvPr id="6" name="Content Placeholder 5">
-            <a:extLst>
-              <a:ext uri="{FF2B5EF4-FFF2-40B4-BE49-F238E27FC236}">
-                <a16:creationId xmlns:a16="http://schemas.microsoft.com/office/drawing/2014/main" id="{AD915654-DD05-93D5-CC89-E446ECD0D2B8}"/>
-              </a:ext>
-            </a:extLst>
-          </p:cNvPr>
-          <p:cNvPicPr>
-            <a:picLocks noGrp="1" noChangeAspect="1"/>
-          </p:cNvPicPr>
-          <p:nvPr>
-            <p:ph idx="1"/>
-          </p:nvPr>
-        </p:nvPicPr>
-        <p:blipFill>
-          <a:blip r:embed="rId3">
-            <a:extLst>
-              <a:ext uri="{28A0092B-C50C-407E-A947-70E740481C1C}">
-                <a14:useLocalDpi xmlns:a14="http://schemas.microsoft.com/office/drawing/2010/main" val="0"/>
-              </a:ext>
-            </a:extLst>
-          </a:blip>
-          <a:stretch>
-            <a:fillRect/>
-          </a:stretch>
-        </p:blipFill>
-        <p:spPr>
-          <a:xfrm>
-            <a:off x="838325" y="1127760"/>
-            <a:ext cx="10515350" cy="5410200"/>
-          </a:xfrm>
-        </p:spPr>
-      </p:pic>
-      <p:sp>
-        <p:nvSpPr>
-          <p:cNvPr id="5" name="TextBox 4">
-            <a:extLst>
-              <a:ext uri="{FF2B5EF4-FFF2-40B4-BE49-F238E27FC236}">
-                <a16:creationId xmlns:a16="http://schemas.microsoft.com/office/drawing/2014/main" id="{394F1C97-E3C4-F82E-D583-F3B8A955674C}"/>
+      <p:sp>
+        <p:nvSpPr>
+          <p:cNvPr id="2" name="Title 1">
+            <a:extLst>
+              <a:ext uri="{FF2B5EF4-FFF2-40B4-BE49-F238E27FC236}">
+                <a16:creationId xmlns:a16="http://schemas.microsoft.com/office/drawing/2014/main" id="{E382CF62-297C-8D0F-E3E5-1BA3EBDCD815}"/>
+              </a:ext>
+            </a:extLst>
+          </p:cNvPr>
+          <p:cNvSpPr>
+            <a:spLocks noGrp="1"/>
+          </p:cNvSpPr>
+          <p:nvPr>
+            <p:ph type="title"/>
+          </p:nvPr>
+        </p:nvSpPr>
+        <p:spPr/>
+        <p:txBody>
+          <a:bodyPr>
+            <a:normAutofit/>
+          </a:bodyPr>
+          <a:lstStyle/>
+          <a:p>
+            <a:r>
+              <a:rPr lang="en-US" dirty="0">
+                <a:ea typeface="+mj-lt"/>
+                <a:cs typeface="+mj-lt"/>
+              </a:rPr>
+              <a:t>Model</a:t>
+            </a:r>
+            <a:endParaRPr lang="en-US" dirty="0"/>
+          </a:p>
+        </p:txBody>
+      </p:sp>
+      <p:sp>
+        <p:nvSpPr>
+          <p:cNvPr id="4" name="TextBox 3">
+            <a:extLst>
+              <a:ext uri="{FF2B5EF4-FFF2-40B4-BE49-F238E27FC236}">
+                <a16:creationId xmlns:a16="http://schemas.microsoft.com/office/drawing/2014/main" id="{3831E698-AC64-A6F4-2958-27D7E92C645A}"/>
               </a:ext>
             </a:extLst>
           </p:cNvPr>
@@ -15511,7 +15317,7 @@
     </p:spTree>
     <p:extLst>
       <p:ext uri="{BB962C8B-B14F-4D97-AF65-F5344CB8AC3E}">
-        <p14:creationId xmlns:p14="http://schemas.microsoft.com/office/powerpoint/2010/main" val="871928557"/>
+        <p14:creationId xmlns:p14="http://schemas.microsoft.com/office/powerpoint/2010/main" val="1266301036"/>
       </p:ext>
     </p:extLst>
   </p:cSld>
@@ -15543,7 +15349,7 @@
           <p:cNvPr id="2" name="Title 1">
             <a:extLst>
               <a:ext uri="{FF2B5EF4-FFF2-40B4-BE49-F238E27FC236}">
-                <a16:creationId xmlns:a16="http://schemas.microsoft.com/office/drawing/2014/main" id="{E382CF62-297C-8D0F-E3E5-1BA3EBDCD815}"/>
+                <a16:creationId xmlns:a16="http://schemas.microsoft.com/office/drawing/2014/main" id="{F6601C89-436E-AD3C-AF5A-DEC59B995445}"/>
               </a:ext>
             </a:extLst>
           </p:cNvPr>
@@ -15552,6 +15358,47 @@
           </p:cNvSpPr>
           <p:nvPr>
             <p:ph type="title"/>
+          </p:nvPr>
+        </p:nvSpPr>
+        <p:spPr/>
+        <p:txBody>
+          <a:bodyPr/>
+          <a:lstStyle/>
+          <a:p>
+            <a:r>
+              <a:rPr lang="en-US" b="1"/>
+              <a:t>Model Selection</a:t>
+            </a:r>
+            <a:r>
+              <a:rPr lang="tr-TR" b="1"/>
+              <a:t> </a:t>
+            </a:r>
+            <a:r>
+              <a:rPr lang="tr-TR" b="1" err="1"/>
+              <a:t>and</a:t>
+            </a:r>
+            <a:r>
+              <a:rPr lang="tr-TR" b="1"/>
+              <a:t> Training</a:t>
+            </a:r>
+            <a:endParaRPr lang="tr-TR"/>
+          </a:p>
+        </p:txBody>
+      </p:sp>
+      <p:sp>
+        <p:nvSpPr>
+          <p:cNvPr id="3" name="Content Placeholder 2">
+            <a:extLst>
+              <a:ext uri="{FF2B5EF4-FFF2-40B4-BE49-F238E27FC236}">
+                <a16:creationId xmlns:a16="http://schemas.microsoft.com/office/drawing/2014/main" id="{9527CBB5-FCE1-A315-951E-ACBCC104C4CE}"/>
+              </a:ext>
+            </a:extLst>
+          </p:cNvPr>
+          <p:cNvSpPr>
+            <a:spLocks noGrp="1"/>
+          </p:cNvSpPr>
+          <p:nvPr>
+            <p:ph idx="1"/>
           </p:nvPr>
         </p:nvSpPr>
         <p:spPr/>
@@ -15561,23 +15408,143 @@
           </a:bodyPr>
           <a:lstStyle/>
           <a:p>
-            <a:r>
-              <a:rPr lang="en-US" dirty="0">
-                <a:ea typeface="+mj-lt"/>
-                <a:cs typeface="+mj-lt"/>
+            <a:pPr marL="274320">
+              <a:spcBef>
+                <a:spcPts val="600"/>
+              </a:spcBef>
+            </a:pPr>
+            <a:r>
+              <a:rPr lang="en-US" sz="2000" i="0" u="none" strike="noStrike" kern="1200" noProof="0" dirty="0">
+                <a:solidFill>
+                  <a:srgbClr val="FFFFFF"/>
+                </a:solidFill>
+                <a:cs typeface="Arial" panose="020B0604020202020204" pitchFamily="34" charset="0"/>
               </a:rPr>
-              <a:t>Model</a:t>
-            </a:r>
-            <a:endParaRPr lang="en-US" dirty="0"/>
-          </a:p>
-        </p:txBody>
-      </p:sp>
-      <p:sp>
-        <p:nvSpPr>
-          <p:cNvPr id="4" name="TextBox 3">
-            <a:extLst>
-              <a:ext uri="{FF2B5EF4-FFF2-40B4-BE49-F238E27FC236}">
-                <a16:creationId xmlns:a16="http://schemas.microsoft.com/office/drawing/2014/main" id="{3831E698-AC64-A6F4-2958-27D7E92C645A}"/>
+              <a:t>Criteria: The model was evaluated based on performance metrics such as accuracy, precision, and recall. Interpretability and scalability were also considered to ensure the model's applicability in healthcare and its ability to handle larger datasets in the future.</a:t>
+            </a:r>
+          </a:p>
+          <a:p>
+            <a:pPr marL="274320">
+              <a:spcBef>
+                <a:spcPts val="600"/>
+              </a:spcBef>
+            </a:pPr>
+            <a:endParaRPr lang="en-US" sz="2000" i="0" u="none" strike="noStrike" kern="1200" noProof="0" dirty="0">
+              <a:solidFill>
+                <a:srgbClr val="FFFFFF"/>
+              </a:solidFill>
+              <a:cs typeface="Arial" panose="020B0604020202020204" pitchFamily="34" charset="0"/>
+            </a:endParaRPr>
+          </a:p>
+          <a:p>
+            <a:pPr marL="274320">
+              <a:spcBef>
+                <a:spcPts val="600"/>
+              </a:spcBef>
+            </a:pPr>
+            <a:r>
+              <a:rPr lang="en-US" sz="2000" i="0" u="none" strike="noStrike" kern="1200" noProof="0" dirty="0">
+                <a:solidFill>
+                  <a:srgbClr val="FFFFFF"/>
+                </a:solidFill>
+                <a:cs typeface="Arial" panose="020B0604020202020204" pitchFamily="34" charset="0"/>
+              </a:rPr>
+              <a:t>Model Selection: Logistic regression was chosen as a baseline model because it is simple, interpretable, and effective. The </a:t>
+            </a:r>
+            <a:r>
+              <a:rPr lang="en-US" sz="2000" i="0" u="none" strike="noStrike" kern="1200" noProof="0" dirty="0" err="1">
+                <a:solidFill>
+                  <a:srgbClr val="FFFFFF"/>
+                </a:solidFill>
+                <a:cs typeface="Arial" panose="020B0604020202020204" pitchFamily="34" charset="0"/>
+              </a:rPr>
+              <a:t>sklearn</a:t>
+            </a:r>
+            <a:r>
+              <a:rPr lang="en-US" sz="2000" i="0" u="none" strike="noStrike" kern="1200" noProof="0" dirty="0">
+                <a:solidFill>
+                  <a:srgbClr val="FFFFFF"/>
+                </a:solidFill>
+                <a:cs typeface="Arial" panose="020B0604020202020204" pitchFamily="34" charset="0"/>
+              </a:rPr>
+              <a:t> library was used.</a:t>
+            </a:r>
+          </a:p>
+          <a:p>
+            <a:pPr marL="274320">
+              <a:spcBef>
+                <a:spcPts val="600"/>
+              </a:spcBef>
+            </a:pPr>
+            <a:endParaRPr lang="en-US" sz="2000" i="0" u="none" strike="noStrike" kern="1200" noProof="0" dirty="0">
+              <a:solidFill>
+                <a:srgbClr val="FFFFFF"/>
+              </a:solidFill>
+              <a:cs typeface="Arial" panose="020B0604020202020204" pitchFamily="34" charset="0"/>
+            </a:endParaRPr>
+          </a:p>
+          <a:p>
+            <a:pPr marL="274320">
+              <a:spcBef>
+                <a:spcPts val="600"/>
+              </a:spcBef>
+            </a:pPr>
+            <a:r>
+              <a:rPr lang="en-US" sz="2000" i="0" u="none" strike="noStrike" kern="1200" noProof="0" dirty="0">
+                <a:solidFill>
+                  <a:srgbClr val="FFFFFF"/>
+                </a:solidFill>
+                <a:cs typeface="Arial" panose="020B0604020202020204" pitchFamily="34" charset="0"/>
+              </a:rPr>
+              <a:t>Data Splitting: The dataset was divided into training, cross-validation (CV), and test sets.</a:t>
+            </a:r>
+            <a:br>
+              <a:rPr lang="en-US" sz="2000" i="0" u="none" strike="noStrike" kern="1200" noProof="0" dirty="0">
+                <a:solidFill>
+                  <a:srgbClr val="FFFFFF"/>
+                </a:solidFill>
+                <a:cs typeface="Arial" panose="020B0604020202020204" pitchFamily="34" charset="0"/>
+              </a:rPr>
+            </a:br>
+            <a:endParaRPr lang="en-US" sz="2000" i="0" u="none" strike="noStrike" kern="1200" noProof="0" dirty="0">
+              <a:solidFill>
+                <a:srgbClr val="FFFFFF"/>
+              </a:solidFill>
+              <a:cs typeface="Arial" panose="020B0604020202020204" pitchFamily="34" charset="0"/>
+            </a:endParaRPr>
+          </a:p>
+          <a:p>
+            <a:r>
+              <a:rPr lang="en-US" sz="2000" i="0" u="none" strike="noStrike" kern="1200" noProof="0" dirty="0">
+                <a:solidFill>
+                  <a:srgbClr val="FFFFFF"/>
+                </a:solidFill>
+                <a:cs typeface="Arial" panose="020B0604020202020204" pitchFamily="34" charset="0"/>
+              </a:rPr>
+              <a:t>Model Training: The logistic regression model was trained on the training set, and cross-validation was used to fine-tune hyperparameters and prevent overfitting.</a:t>
+            </a:r>
+          </a:p>
+          <a:p>
+            <a:pPr marL="914400" lvl="2" indent="0">
+              <a:buNone/>
+            </a:pPr>
+            <a:endParaRPr lang="en-US" dirty="0">
+              <a:cs typeface="Arial" panose="020B0604020202020204" pitchFamily="34" charset="0"/>
+            </a:endParaRPr>
+          </a:p>
+          <a:p>
+            <a:endParaRPr lang="tr-TR" sz="2000" dirty="0">
+              <a:cs typeface="Arial" panose="020B0604020202020204" pitchFamily="34" charset="0"/>
+            </a:endParaRPr>
+          </a:p>
+        </p:txBody>
+      </p:sp>
+      <p:sp>
+        <p:nvSpPr>
+          <p:cNvPr id="5" name="TextBox 4">
+            <a:extLst>
+              <a:ext uri="{FF2B5EF4-FFF2-40B4-BE49-F238E27FC236}">
+                <a16:creationId xmlns:a16="http://schemas.microsoft.com/office/drawing/2014/main" id="{3CAD5C7D-FA3D-F9C1-793E-1F0546CB8684}"/>
               </a:ext>
             </a:extLst>
           </p:cNvPr>
@@ -15628,7 +15595,7 @@
     </p:spTree>
     <p:extLst>
       <p:ext uri="{BB962C8B-B14F-4D97-AF65-F5344CB8AC3E}">
-        <p14:creationId xmlns:p14="http://schemas.microsoft.com/office/powerpoint/2010/main" val="1266301036"/>
+        <p14:creationId xmlns:p14="http://schemas.microsoft.com/office/powerpoint/2010/main" val="929681317"/>
       </p:ext>
     </p:extLst>
   </p:cSld>
@@ -15673,12 +15640,14 @@
         </p:nvSpPr>
         <p:spPr/>
         <p:txBody>
-          <a:bodyPr/>
+          <a:bodyPr>
+            <a:normAutofit fontScale="90000"/>
+          </a:bodyPr>
           <a:lstStyle/>
           <a:p>
             <a:r>
               <a:rPr lang="en-US" b="1"/>
-              <a:t>Model Selection</a:t>
+              <a:t>Model Evaluation</a:t>
             </a:r>
             <a:r>
               <a:rPr lang="tr-TR" b="1"/>
@@ -15690,7 +15659,11 @@
             </a:r>
             <a:r>
               <a:rPr lang="tr-TR" b="1"/>
-              <a:t> Training</a:t>
+              <a:t> </a:t>
+            </a:r>
+            <a:r>
+              <a:rPr lang="en-US" b="1"/>
+              <a:t>Hyperparameter Tuning</a:t>
             </a:r>
             <a:endParaRPr lang="tr-TR"/>
           </a:p>
@@ -15719,9 +15692,9 @@
           </a:bodyPr>
           <a:lstStyle/>
           <a:p>
-            <a:pPr marL="274320">
+            <a:pPr>
               <a:spcBef>
-                <a:spcPts val="600"/>
+                <a:spcPts val="0"/>
               </a:spcBef>
             </a:pPr>
             <a:r>
@@ -15731,13 +15704,13 @@
                 </a:solidFill>
                 <a:cs typeface="Arial" panose="020B0604020202020204" pitchFamily="34" charset="0"/>
               </a:rPr>
-              <a:t>Criteria: The model was evaluated based on performance metrics such as accuracy, precision, and recall. Interpretability and scalability were also considered to ensure the model's applicability in healthcare and its ability to handle larger datasets in the future.</a:t>
-            </a:r>
-          </a:p>
-          <a:p>
-            <a:pPr marL="274320">
+              <a:t>Model Evaluation: The model's performance was assessed using metrics such as accuracy, precision, recall, and F1 score. It was 0.86 precise on the CV set and 0.80 precise on the test set. </a:t>
+            </a:r>
+          </a:p>
+          <a:p>
+            <a:pPr>
               <a:spcBef>
-                <a:spcPts val="600"/>
+                <a:spcPts val="0"/>
               </a:spcBef>
             </a:pPr>
             <a:endParaRPr lang="en-US" sz="2000" i="0" u="none" strike="noStrike" kern="1200" noProof="0" dirty="0">
@@ -15748,9 +15721,9 @@
             </a:endParaRPr>
           </a:p>
           <a:p>
-            <a:pPr marL="274320">
+            <a:pPr>
               <a:spcBef>
-                <a:spcPts val="600"/>
+                <a:spcPts val="0"/>
               </a:spcBef>
             </a:pPr>
             <a:r>
@@ -15760,31 +15733,13 @@
                 </a:solidFill>
                 <a:cs typeface="Arial" panose="020B0604020202020204" pitchFamily="34" charset="0"/>
               </a:rPr>
-              <a:t>Model Selection: Logistic regression was chosen as a baseline model because it is simple, interpretable, and effective. The </a:t>
-            </a:r>
-            <a:r>
-              <a:rPr lang="en-US" sz="2000" i="0" u="none" strike="noStrike" kern="1200" noProof="0" dirty="0" err="1">
-                <a:solidFill>
-                  <a:srgbClr val="FFFFFF"/>
-                </a:solidFill>
-                <a:cs typeface="Arial" panose="020B0604020202020204" pitchFamily="34" charset="0"/>
-              </a:rPr>
-              <a:t>sklearn</a:t>
-            </a:r>
-            <a:r>
-              <a:rPr lang="en-US" sz="2000" i="0" u="none" strike="noStrike" kern="1200" noProof="0" dirty="0">
-                <a:solidFill>
-                  <a:srgbClr val="FFFFFF"/>
-                </a:solidFill>
-                <a:cs typeface="Arial" panose="020B0604020202020204" pitchFamily="34" charset="0"/>
-              </a:rPr>
-              <a:t> library was used.</a:t>
-            </a:r>
-          </a:p>
-          <a:p>
-            <a:pPr marL="274320">
+              <a:t>Hyperparameter Tuning Techniques: Techniques like random search were employed to explore and optimize hyperparameter values.</a:t>
+            </a:r>
+          </a:p>
+          <a:p>
+            <a:pPr>
               <a:spcBef>
-                <a:spcPts val="600"/>
+                <a:spcPts val="0"/>
               </a:spcBef>
             </a:pPr>
             <a:endParaRPr lang="en-US" sz="2000" i="0" u="none" strike="noStrike" kern="1200" noProof="0" dirty="0">
@@ -15795,9 +15750,9 @@
             </a:endParaRPr>
           </a:p>
           <a:p>
-            <a:pPr marL="274320">
+            <a:pPr>
               <a:spcBef>
-                <a:spcPts val="600"/>
+                <a:spcPts val="0"/>
               </a:spcBef>
             </a:pPr>
             <a:r>
@@ -15807,43 +15762,44 @@
                 </a:solidFill>
                 <a:cs typeface="Arial" panose="020B0604020202020204" pitchFamily="34" charset="0"/>
               </a:rPr>
-              <a:t>Data Splitting: The dataset was divided into training, cross-validation (CV), and test sets.</a:t>
-            </a:r>
-            <a:br>
+              <a:t>Improvements: Optimized hyperparameters were identified to enhance the model's performance. Which improved the precision to 0.88 on the cv set and 0.82 on the test set. </a:t>
+            </a:r>
+          </a:p>
+          <a:p>
+            <a:pPr>
+              <a:spcBef>
+                <a:spcPts val="0"/>
+              </a:spcBef>
+            </a:pPr>
+            <a:endParaRPr lang="en-US" sz="2000" i="0" u="none" strike="noStrike" kern="1200" noProof="0" dirty="0">
+              <a:solidFill>
+                <a:srgbClr val="FFFFFF"/>
+              </a:solidFill>
+              <a:cs typeface="Arial" panose="020B0604020202020204" pitchFamily="34" charset="0"/>
+            </a:endParaRPr>
+          </a:p>
+          <a:p>
+            <a:pPr>
+              <a:spcBef>
+                <a:spcPts val="0"/>
+              </a:spcBef>
+            </a:pPr>
+            <a:r>
               <a:rPr lang="en-US" sz="2000" i="0" u="none" strike="noStrike" kern="1200" noProof="0" dirty="0">
                 <a:solidFill>
                   <a:srgbClr val="FFFFFF"/>
                 </a:solidFill>
                 <a:cs typeface="Arial" panose="020B0604020202020204" pitchFamily="34" charset="0"/>
               </a:rPr>
-            </a:br>
-            <a:endParaRPr lang="en-US" sz="2000" i="0" u="none" strike="noStrike" kern="1200" noProof="0" dirty="0">
-              <a:solidFill>
-                <a:srgbClr val="FFFFFF"/>
-              </a:solidFill>
-              <a:cs typeface="Arial" panose="020B0604020202020204" pitchFamily="34" charset="0"/>
-            </a:endParaRPr>
-          </a:p>
-          <a:p>
-            <a:r>
-              <a:rPr lang="en-US" sz="2000" i="0" u="none" strike="noStrike" kern="1200" noProof="0" dirty="0">
-                <a:solidFill>
-                  <a:srgbClr val="FFFFFF"/>
-                </a:solidFill>
-                <a:cs typeface="Arial" panose="020B0604020202020204" pitchFamily="34" charset="0"/>
-              </a:rPr>
-              <a:t>Model Training: The logistic regression model was trained on the training set, and cross-validation was used to fine-tune hyperparameters and prevent overfitting.</a:t>
-            </a:r>
-          </a:p>
-          <a:p>
-            <a:pPr marL="914400" lvl="2" indent="0">
-              <a:buNone/>
+              <a:t>Evaluation Tools: The accuracy score and classification report provided insights into the model's performance, helping to identify areas for improvement.</a:t>
+            </a:r>
+          </a:p>
+          <a:p>
+            <a:pPr>
+              <a:spcBef>
+                <a:spcPts val="0"/>
+              </a:spcBef>
             </a:pPr>
-            <a:endParaRPr lang="en-US" dirty="0">
-              <a:cs typeface="Arial" panose="020B0604020202020204" pitchFamily="34" charset="0"/>
-            </a:endParaRPr>
-          </a:p>
-          <a:p>
             <a:endParaRPr lang="tr-TR" sz="2000" dirty="0">
               <a:cs typeface="Arial" panose="020B0604020202020204" pitchFamily="34" charset="0"/>
             </a:endParaRPr>
@@ -15855,7 +15811,7 @@
           <p:cNvPr id="5" name="TextBox 4">
             <a:extLst>
               <a:ext uri="{FF2B5EF4-FFF2-40B4-BE49-F238E27FC236}">
-                <a16:creationId xmlns:a16="http://schemas.microsoft.com/office/drawing/2014/main" id="{3CAD5C7D-FA3D-F9C1-793E-1F0546CB8684}"/>
+                <a16:creationId xmlns:a16="http://schemas.microsoft.com/office/drawing/2014/main" id="{218E6C4B-A3C8-95B2-C55E-315D15F0D182}"/>
               </a:ext>
             </a:extLst>
           </p:cNvPr>
@@ -15906,7 +15862,7 @@
     </p:spTree>
     <p:extLst>
       <p:ext uri="{BB962C8B-B14F-4D97-AF65-F5344CB8AC3E}">
-        <p14:creationId xmlns:p14="http://schemas.microsoft.com/office/powerpoint/2010/main" val="929681317"/>
+        <p14:creationId xmlns:p14="http://schemas.microsoft.com/office/powerpoint/2010/main" val="1073472500"/>
       </p:ext>
     </p:extLst>
   </p:cSld>
@@ -15951,166 +15907,89 @@
         </p:nvSpPr>
         <p:spPr/>
         <p:txBody>
-          <a:bodyPr>
-            <a:normAutofit fontScale="90000"/>
+          <a:bodyPr/>
+          <a:lstStyle/>
+          <a:p>
+            <a:r>
+              <a:rPr lang="en-US" b="1" dirty="0"/>
+              <a:t>Model Refinement</a:t>
+            </a:r>
+            <a:r>
+              <a:rPr lang="tr-TR" b="1" dirty="0"/>
+              <a:t> and Testing</a:t>
+            </a:r>
+            <a:endParaRPr lang="tr-TR" dirty="0"/>
+          </a:p>
+        </p:txBody>
+      </p:sp>
+      <p:sp>
+        <p:nvSpPr>
+          <p:cNvPr id="3" name="Content Placeholder 2">
+            <a:extLst>
+              <a:ext uri="{FF2B5EF4-FFF2-40B4-BE49-F238E27FC236}">
+                <a16:creationId xmlns:a16="http://schemas.microsoft.com/office/drawing/2014/main" id="{9527CBB5-FCE1-A315-951E-ACBCC104C4CE}"/>
+              </a:ext>
+            </a:extLst>
+          </p:cNvPr>
+          <p:cNvSpPr>
+            <a:spLocks noGrp="1"/>
+          </p:cNvSpPr>
+          <p:nvPr>
+            <p:ph idx="1"/>
+          </p:nvPr>
+        </p:nvSpPr>
+        <p:spPr/>
+        <p:txBody>
+          <a:bodyPr vert="horz" lIns="91440" tIns="45720" rIns="91440" bIns="45720" rtlCol="0" anchor="t">
+            <a:noAutofit/>
           </a:bodyPr>
           <a:lstStyle/>
           <a:p>
             <a:r>
-              <a:rPr lang="en-US" b="1"/>
-              <a:t>Model Evaluation</a:t>
-            </a:r>
-            <a:r>
-              <a:rPr lang="tr-TR" b="1"/>
-              <a:t> </a:t>
-            </a:r>
-            <a:r>
-              <a:rPr lang="tr-TR" b="1" err="1"/>
-              <a:t>and</a:t>
-            </a:r>
-            <a:r>
-              <a:rPr lang="tr-TR" b="1"/>
-              <a:t> </a:t>
-            </a:r>
-            <a:r>
-              <a:rPr lang="en-US" b="1"/>
-              <a:t>Hyperparameter Tuning</a:t>
-            </a:r>
-            <a:endParaRPr lang="tr-TR"/>
-          </a:p>
-        </p:txBody>
-      </p:sp>
-      <p:sp>
-        <p:nvSpPr>
-          <p:cNvPr id="3" name="Content Placeholder 2">
-            <a:extLst>
-              <a:ext uri="{FF2B5EF4-FFF2-40B4-BE49-F238E27FC236}">
-                <a16:creationId xmlns:a16="http://schemas.microsoft.com/office/drawing/2014/main" id="{9527CBB5-FCE1-A315-951E-ACBCC104C4CE}"/>
-              </a:ext>
-            </a:extLst>
-          </p:cNvPr>
-          <p:cNvSpPr>
-            <a:spLocks noGrp="1"/>
-          </p:cNvSpPr>
-          <p:nvPr>
-            <p:ph idx="1"/>
-          </p:nvPr>
-        </p:nvSpPr>
-        <p:spPr/>
-        <p:txBody>
-          <a:bodyPr>
-            <a:normAutofit/>
-          </a:bodyPr>
-          <a:lstStyle/>
-          <a:p>
-            <a:pPr>
-              <a:spcBef>
-                <a:spcPts val="0"/>
-              </a:spcBef>
-            </a:pPr>
-            <a:r>
-              <a:rPr lang="en-US" sz="2000" i="0" u="none" strike="noStrike" kern="1200" noProof="0" dirty="0">
-                <a:solidFill>
-                  <a:srgbClr val="FFFFFF"/>
-                </a:solidFill>
+              <a:rPr lang="en-US" sz="2000" dirty="0">
                 <a:cs typeface="Arial" panose="020B0604020202020204" pitchFamily="34" charset="0"/>
               </a:rPr>
-              <a:t>Model Evaluation: The model's performance was assessed using metrics such as accuracy, precision, recall, and F1 score. It was 0.86 precise on the CV set and 0.80 precise on the test set. </a:t>
-            </a:r>
-          </a:p>
-          <a:p>
-            <a:pPr>
-              <a:spcBef>
-                <a:spcPts val="0"/>
-              </a:spcBef>
-            </a:pPr>
-            <a:endParaRPr lang="en-US" sz="2000" i="0" u="none" strike="noStrike" kern="1200" noProof="0" dirty="0">
-              <a:solidFill>
-                <a:srgbClr val="FFFFFF"/>
-              </a:solidFill>
+              <a:t>Model Refinement: The model was refined through feature selection and hyperparameter tuning, improving performance.</a:t>
+            </a:r>
+          </a:p>
+          <a:p>
+            <a:endParaRPr lang="en-US" sz="2000" dirty="0">
               <a:cs typeface="Arial" panose="020B0604020202020204" pitchFamily="34" charset="0"/>
             </a:endParaRPr>
           </a:p>
           <a:p>
-            <a:pPr>
-              <a:spcBef>
-                <a:spcPts val="0"/>
-              </a:spcBef>
-            </a:pPr>
-            <a:r>
-              <a:rPr lang="en-US" sz="2000" i="0" u="none" strike="noStrike" kern="1200" noProof="0" dirty="0">
-                <a:solidFill>
-                  <a:srgbClr val="FFFFFF"/>
-                </a:solidFill>
+            <a:r>
+              <a:rPr lang="en-US" sz="2000" dirty="0">
                 <a:cs typeface="Arial" panose="020B0604020202020204" pitchFamily="34" charset="0"/>
               </a:rPr>
-              <a:t>Hyperparameter Tuning Techniques: Techniques like random search were employed to explore and optimize hyperparameter values.</a:t>
-            </a:r>
-          </a:p>
-          <a:p>
-            <a:pPr>
-              <a:spcBef>
-                <a:spcPts val="0"/>
-              </a:spcBef>
-            </a:pPr>
-            <a:endParaRPr lang="en-US" sz="2000" i="0" u="none" strike="noStrike" kern="1200" noProof="0" dirty="0">
-              <a:solidFill>
-                <a:srgbClr val="FFFFFF"/>
-              </a:solidFill>
+              <a:t>Performance Comparison: To highlight improvements, the model's performance before and after refinement was compared.</a:t>
+            </a:r>
+          </a:p>
+          <a:p>
+            <a:endParaRPr lang="en-US" sz="2000" dirty="0">
               <a:cs typeface="Arial" panose="020B0604020202020204" pitchFamily="34" charset="0"/>
             </a:endParaRPr>
           </a:p>
           <a:p>
-            <a:pPr>
-              <a:spcBef>
-                <a:spcPts val="0"/>
-              </a:spcBef>
-            </a:pPr>
-            <a:r>
-              <a:rPr lang="en-US" sz="2000" i="0" u="none" strike="noStrike" kern="1200" noProof="0" dirty="0">
-                <a:solidFill>
-                  <a:srgbClr val="FFFFFF"/>
-                </a:solidFill>
+            <a:r>
+              <a:rPr lang="en-US" sz="2000" dirty="0">
                 <a:cs typeface="Arial" panose="020B0604020202020204" pitchFamily="34" charset="0"/>
               </a:rPr>
-              <a:t>Improvements: Optimized hyperparameters were identified to enhance the model's performance. Which improved the precision to 0.88 on the cv set and 0.82 on the test set. </a:t>
-            </a:r>
-          </a:p>
-          <a:p>
-            <a:pPr>
-              <a:spcBef>
-                <a:spcPts val="0"/>
-              </a:spcBef>
-            </a:pPr>
-            <a:endParaRPr lang="en-US" sz="2000" i="0" u="none" strike="noStrike" kern="1200" noProof="0" dirty="0">
-              <a:solidFill>
-                <a:srgbClr val="FFFFFF"/>
-              </a:solidFill>
+              <a:t>Testing: Final evaluations were conducted on the test set to assess the model's performance.</a:t>
+            </a:r>
+          </a:p>
+          <a:p>
+            <a:endParaRPr lang="en-US" sz="2000" dirty="0">
               <a:cs typeface="Arial" panose="020B0604020202020204" pitchFamily="34" charset="0"/>
             </a:endParaRPr>
           </a:p>
           <a:p>
-            <a:pPr>
-              <a:spcBef>
-                <a:spcPts val="0"/>
-              </a:spcBef>
-            </a:pPr>
-            <a:r>
-              <a:rPr lang="en-US" sz="2000" i="0" u="none" strike="noStrike" kern="1200" noProof="0" dirty="0">
-                <a:solidFill>
-                  <a:srgbClr val="FFFFFF"/>
-                </a:solidFill>
+            <a:r>
+              <a:rPr lang="en-US" sz="2000" dirty="0">
                 <a:cs typeface="Arial" panose="020B0604020202020204" pitchFamily="34" charset="0"/>
               </a:rPr>
-              <a:t>Evaluation Tools: The accuracy score and classification report provided insights into the model's performance, helping to identify areas for improvement.</a:t>
-            </a:r>
-          </a:p>
-          <a:p>
-            <a:pPr>
-              <a:spcBef>
-                <a:spcPts val="0"/>
-              </a:spcBef>
-            </a:pPr>
+              <a:t>Performance Metrics: Visualizations of the test set results showcased the model's accuracy, precision, recall, and other relevant metrics.</a:t>
+            </a:r>
             <a:endParaRPr lang="tr-TR" sz="2000" dirty="0">
               <a:cs typeface="Arial" panose="020B0604020202020204" pitchFamily="34" charset="0"/>
             </a:endParaRPr>
@@ -16122,7 +16001,7 @@
           <p:cNvPr id="5" name="TextBox 4">
             <a:extLst>
               <a:ext uri="{FF2B5EF4-FFF2-40B4-BE49-F238E27FC236}">
-                <a16:creationId xmlns:a16="http://schemas.microsoft.com/office/drawing/2014/main" id="{218E6C4B-A3C8-95B2-C55E-315D15F0D182}"/>
+                <a16:creationId xmlns:a16="http://schemas.microsoft.com/office/drawing/2014/main" id="{90F59DB4-2E19-6373-F8A1-D1E4B62F6BCF}"/>
               </a:ext>
             </a:extLst>
           </p:cNvPr>
@@ -16173,7 +16052,7 @@
     </p:spTree>
     <p:extLst>
       <p:ext uri="{BB962C8B-B14F-4D97-AF65-F5344CB8AC3E}">
-        <p14:creationId xmlns:p14="http://schemas.microsoft.com/office/powerpoint/2010/main" val="1073472500"/>
+        <p14:creationId xmlns:p14="http://schemas.microsoft.com/office/powerpoint/2010/main" val="1652675159"/>
       </p:ext>
     </p:extLst>
   </p:cSld>
@@ -16205,7 +16084,7 @@
           <p:cNvPr id="2" name="Title 1">
             <a:extLst>
               <a:ext uri="{FF2B5EF4-FFF2-40B4-BE49-F238E27FC236}">
-                <a16:creationId xmlns:a16="http://schemas.microsoft.com/office/drawing/2014/main" id="{F6601C89-436E-AD3C-AF5A-DEC59B995445}"/>
+                <a16:creationId xmlns:a16="http://schemas.microsoft.com/office/drawing/2014/main" id="{E382CF62-297C-8D0F-E3E5-1BA3EBDCD815}"/>
               </a:ext>
             </a:extLst>
           </p:cNvPr>
@@ -16218,101 +16097,28 @@
         </p:nvSpPr>
         <p:spPr/>
         <p:txBody>
-          <a:bodyPr/>
-          <a:lstStyle/>
-          <a:p>
-            <a:r>
-              <a:rPr lang="en-US" b="1" dirty="0"/>
-              <a:t>Model Refinement</a:t>
-            </a:r>
-            <a:r>
-              <a:rPr lang="tr-TR" b="1" dirty="0"/>
-              <a:t> and Testing</a:t>
-            </a:r>
-            <a:endParaRPr lang="tr-TR" dirty="0"/>
-          </a:p>
-        </p:txBody>
-      </p:sp>
-      <p:sp>
-        <p:nvSpPr>
-          <p:cNvPr id="3" name="Content Placeholder 2">
-            <a:extLst>
-              <a:ext uri="{FF2B5EF4-FFF2-40B4-BE49-F238E27FC236}">
-                <a16:creationId xmlns:a16="http://schemas.microsoft.com/office/drawing/2014/main" id="{9527CBB5-FCE1-A315-951E-ACBCC104C4CE}"/>
-              </a:ext>
-            </a:extLst>
-          </p:cNvPr>
-          <p:cNvSpPr>
-            <a:spLocks noGrp="1"/>
-          </p:cNvSpPr>
-          <p:nvPr>
-            <p:ph idx="1"/>
-          </p:nvPr>
-        </p:nvSpPr>
-        <p:spPr/>
-        <p:txBody>
-          <a:bodyPr vert="horz" lIns="91440" tIns="45720" rIns="91440" bIns="45720" rtlCol="0" anchor="t">
-            <a:noAutofit/>
+          <a:bodyPr>
+            <a:normAutofit/>
           </a:bodyPr>
           <a:lstStyle/>
           <a:p>
             <a:r>
-              <a:rPr lang="en-US" sz="2000" dirty="0">
-                <a:cs typeface="Arial" panose="020B0604020202020204" pitchFamily="34" charset="0"/>
+              <a:rPr lang="en-US" dirty="0">
+                <a:ea typeface="+mj-lt"/>
+                <a:cs typeface="+mj-lt"/>
               </a:rPr>
-              <a:t>Model Refinement: The model was refined through feature selection and hyperparameter tuning, improving performance.</a:t>
-            </a:r>
-          </a:p>
-          <a:p>
-            <a:endParaRPr lang="en-US" sz="2000" dirty="0">
-              <a:cs typeface="Arial" panose="020B0604020202020204" pitchFamily="34" charset="0"/>
-            </a:endParaRPr>
-          </a:p>
-          <a:p>
-            <a:r>
-              <a:rPr lang="en-US" sz="2000" dirty="0">
-                <a:cs typeface="Arial" panose="020B0604020202020204" pitchFamily="34" charset="0"/>
-              </a:rPr>
-              <a:t>Performance Comparison: To highlight improvements, the model's performance before and after refinement was compared.</a:t>
-            </a:r>
-          </a:p>
-          <a:p>
-            <a:endParaRPr lang="en-US" sz="2000" dirty="0">
-              <a:cs typeface="Arial" panose="020B0604020202020204" pitchFamily="34" charset="0"/>
-            </a:endParaRPr>
-          </a:p>
-          <a:p>
-            <a:r>
-              <a:rPr lang="en-US" sz="2000" dirty="0">
-                <a:cs typeface="Arial" panose="020B0604020202020204" pitchFamily="34" charset="0"/>
-              </a:rPr>
-              <a:t>Testing: Final evaluations were conducted on the test set to assess the model's performance.</a:t>
-            </a:r>
-          </a:p>
-          <a:p>
-            <a:endParaRPr lang="en-US" sz="2000" dirty="0">
-              <a:cs typeface="Arial" panose="020B0604020202020204" pitchFamily="34" charset="0"/>
-            </a:endParaRPr>
-          </a:p>
-          <a:p>
-            <a:r>
-              <a:rPr lang="en-US" sz="2000" dirty="0">
-                <a:cs typeface="Arial" panose="020B0604020202020204" pitchFamily="34" charset="0"/>
-              </a:rPr>
-              <a:t>Performance Metrics: Visualizations of the test set results showcased the model's accuracy, precision, recall, and other relevant metrics.</a:t>
-            </a:r>
-            <a:endParaRPr lang="tr-TR" sz="2000" dirty="0">
-              <a:cs typeface="Arial" panose="020B0604020202020204" pitchFamily="34" charset="0"/>
-            </a:endParaRPr>
-          </a:p>
-        </p:txBody>
-      </p:sp>
-      <p:sp>
-        <p:nvSpPr>
-          <p:cNvPr id="5" name="TextBox 4">
-            <a:extLst>
-              <a:ext uri="{FF2B5EF4-FFF2-40B4-BE49-F238E27FC236}">
-                <a16:creationId xmlns:a16="http://schemas.microsoft.com/office/drawing/2014/main" id="{90F59DB4-2E19-6373-F8A1-D1E4B62F6BCF}"/>
+              <a:t>Results</a:t>
+            </a:r>
+            <a:endParaRPr lang="en-US" dirty="0"/>
+          </a:p>
+        </p:txBody>
+      </p:sp>
+      <p:sp>
+        <p:nvSpPr>
+          <p:cNvPr id="4" name="TextBox 3">
+            <a:extLst>
+              <a:ext uri="{FF2B5EF4-FFF2-40B4-BE49-F238E27FC236}">
+                <a16:creationId xmlns:a16="http://schemas.microsoft.com/office/drawing/2014/main" id="{3831E698-AC64-A6F4-2958-27D7E92C645A}"/>
               </a:ext>
             </a:extLst>
           </p:cNvPr>
@@ -16363,7 +16169,7 @@
     </p:spTree>
     <p:extLst>
       <p:ext uri="{BB962C8B-B14F-4D97-AF65-F5344CB8AC3E}">
-        <p14:creationId xmlns:p14="http://schemas.microsoft.com/office/powerpoint/2010/main" val="1652675159"/>
+        <p14:creationId xmlns:p14="http://schemas.microsoft.com/office/powerpoint/2010/main" val="1101562535"/>
       </p:ext>
     </p:extLst>
   </p:cSld>
@@ -16395,7 +16201,7 @@
           <p:cNvPr id="2" name="Title 1">
             <a:extLst>
               <a:ext uri="{FF2B5EF4-FFF2-40B4-BE49-F238E27FC236}">
-                <a16:creationId xmlns:a16="http://schemas.microsoft.com/office/drawing/2014/main" id="{E382CF62-297C-8D0F-E3E5-1BA3EBDCD815}"/>
+                <a16:creationId xmlns:a16="http://schemas.microsoft.com/office/drawing/2014/main" id="{F6601C89-436E-AD3C-AF5A-DEC59B995445}"/>
               </a:ext>
             </a:extLst>
           </p:cNvPr>
@@ -16408,28 +16214,114 @@
         </p:nvSpPr>
         <p:spPr/>
         <p:txBody>
+          <a:bodyPr/>
+          <a:lstStyle/>
+          <a:p>
+            <a:r>
+              <a:rPr lang="en-US" b="1" dirty="0"/>
+              <a:t>Evaluation Results</a:t>
+            </a:r>
+            <a:endParaRPr lang="tr-TR" dirty="0"/>
+          </a:p>
+        </p:txBody>
+      </p:sp>
+      <p:sp>
+        <p:nvSpPr>
+          <p:cNvPr id="3" name="Content Placeholder 2">
+            <a:extLst>
+              <a:ext uri="{FF2B5EF4-FFF2-40B4-BE49-F238E27FC236}">
+                <a16:creationId xmlns:a16="http://schemas.microsoft.com/office/drawing/2014/main" id="{9527CBB5-FCE1-A315-951E-ACBCC104C4CE}"/>
+              </a:ext>
+            </a:extLst>
+          </p:cNvPr>
+          <p:cNvSpPr>
+            <a:spLocks noGrp="1"/>
+          </p:cNvSpPr>
+          <p:nvPr>
+            <p:ph idx="1"/>
+          </p:nvPr>
+        </p:nvSpPr>
+        <p:spPr/>
+        <p:txBody>
           <a:bodyPr>
-            <a:normAutofit/>
+            <a:noAutofit/>
           </a:bodyPr>
           <a:lstStyle/>
           <a:p>
-            <a:r>
-              <a:rPr lang="en-US" dirty="0">
-                <a:ea typeface="+mj-lt"/>
-                <a:cs typeface="+mj-lt"/>
+            <a:pPr>
+              <a:spcBef>
+                <a:spcPts val="1200"/>
+              </a:spcBef>
+              <a:spcAft>
+                <a:spcPts val="600"/>
+              </a:spcAft>
+            </a:pPr>
+            <a:r>
+              <a:rPr lang="en-US" sz="2000" dirty="0">
+                <a:cs typeface="Arial" panose="020B0604020202020204" pitchFamily="34" charset="0"/>
               </a:rPr>
-              <a:t>Results</a:t>
-            </a:r>
-            <a:endParaRPr lang="en-US" dirty="0"/>
-          </a:p>
-        </p:txBody>
-      </p:sp>
-      <p:sp>
-        <p:nvSpPr>
-          <p:cNvPr id="4" name="TextBox 3">
-            <a:extLst>
-              <a:ext uri="{FF2B5EF4-FFF2-40B4-BE49-F238E27FC236}">
-                <a16:creationId xmlns:a16="http://schemas.microsoft.com/office/drawing/2014/main" id="{3831E698-AC64-A6F4-2958-27D7E92C645A}"/>
+              <a:t>High Accuracy and Precision: The model achieved high accuracy and precision in predicting heart attacks, indicating its reliability and robustness.</a:t>
+            </a:r>
+          </a:p>
+          <a:p>
+            <a:pPr>
+              <a:spcBef>
+                <a:spcPts val="1200"/>
+              </a:spcBef>
+              <a:spcAft>
+                <a:spcPts val="600"/>
+              </a:spcAft>
+            </a:pPr>
+            <a:r>
+              <a:rPr lang="en-US" sz="2000" dirty="0">
+                <a:cs typeface="Arial" panose="020B0604020202020204" pitchFamily="34" charset="0"/>
+              </a:rPr>
+              <a:t>Effectiveness Across Demographics: The model's effectiveness was demonstrated across various demographic settings, showcasing its adaptability and relevance in diverse populations.</a:t>
+            </a:r>
+          </a:p>
+          <a:p>
+            <a:pPr>
+              <a:spcBef>
+                <a:spcPts val="1200"/>
+              </a:spcBef>
+              <a:spcAft>
+                <a:spcPts val="600"/>
+              </a:spcAft>
+            </a:pPr>
+            <a:r>
+              <a:rPr lang="en-US" sz="2000" dirty="0">
+                <a:cs typeface="Arial" panose="020B0604020202020204" pitchFamily="34" charset="0"/>
+              </a:rPr>
+              <a:t>Key Feature Insights: The analysis highlighted vital features contributing to heart attack risks, offering healthcare professionals actionable insights to understand better and mitigate these risks.</a:t>
+            </a:r>
+          </a:p>
+          <a:p>
+            <a:pPr>
+              <a:spcBef>
+                <a:spcPts val="1200"/>
+              </a:spcBef>
+              <a:spcAft>
+                <a:spcPts val="600"/>
+              </a:spcAft>
+            </a:pPr>
+            <a:r>
+              <a:rPr lang="en-US" sz="2000" dirty="0">
+                <a:cs typeface="Arial" panose="020B0604020202020204" pitchFamily="34" charset="0"/>
+              </a:rPr>
+              <a:t>Healthcare Implications: By identifying significant predictors of heart attacks, the model supports informed decision-making and targeted interventions, ultimately improving patient outcomes.</a:t>
+            </a:r>
+            <a:endParaRPr lang="tr-TR" sz="2000" dirty="0">
+              <a:cs typeface="Arial" panose="020B0604020202020204" pitchFamily="34" charset="0"/>
+            </a:endParaRPr>
+          </a:p>
+        </p:txBody>
+      </p:sp>
+      <p:sp>
+        <p:nvSpPr>
+          <p:cNvPr id="5" name="TextBox 4">
+            <a:extLst>
+              <a:ext uri="{FF2B5EF4-FFF2-40B4-BE49-F238E27FC236}">
+                <a16:creationId xmlns:a16="http://schemas.microsoft.com/office/drawing/2014/main" id="{82033EC6-A98C-FBBC-86AF-DA8BE8455201}"/>
               </a:ext>
             </a:extLst>
           </p:cNvPr>
@@ -16480,7 +16372,7 @@
     </p:spTree>
     <p:extLst>
       <p:ext uri="{BB962C8B-B14F-4D97-AF65-F5344CB8AC3E}">
-        <p14:creationId xmlns:p14="http://schemas.microsoft.com/office/powerpoint/2010/main" val="1101562535"/>
+        <p14:creationId xmlns:p14="http://schemas.microsoft.com/office/powerpoint/2010/main" val="878654391"/>
       </p:ext>
     </p:extLst>
   </p:cSld>
@@ -16529,10 +16421,10 @@
           <a:lstStyle/>
           <a:p>
             <a:r>
-              <a:rPr lang="en-US" b="1" dirty="0"/>
-              <a:t>Evaluation Results</a:t>
-            </a:r>
-            <a:endParaRPr lang="tr-TR" dirty="0"/>
+              <a:rPr lang="en-US" b="1"/>
+              <a:t>Deployment</a:t>
+            </a:r>
+            <a:endParaRPr lang="tr-TR"/>
           </a:p>
         </p:txBody>
       </p:sp>
@@ -16571,7 +16463,19 @@
               <a:rPr lang="en-US" sz="2000" dirty="0">
                 <a:cs typeface="Arial" panose="020B0604020202020204" pitchFamily="34" charset="0"/>
               </a:rPr>
-              <a:t>High Accuracy and Precision: The model achieved high accuracy and precision in predicting heart attacks, indicating its reliability and robustness.</a:t>
+              <a:t>Model Deployment: The model was saved using the </a:t>
+            </a:r>
+            <a:r>
+              <a:rPr lang="en-US" sz="2000" dirty="0" err="1">
+                <a:cs typeface="Arial" panose="020B0604020202020204" pitchFamily="34" charset="0"/>
+              </a:rPr>
+              <a:t>joblib</a:t>
+            </a:r>
+            <a:r>
+              <a:rPr lang="en-US" sz="2000" dirty="0">
+                <a:cs typeface="Arial" panose="020B0604020202020204" pitchFamily="34" charset="0"/>
+              </a:rPr>
+              <a:t> library and deployed with a simple Python script to take user input for predictions and to test the model after the deployment.</a:t>
             </a:r>
           </a:p>
           <a:p>
@@ -16587,7 +16491,7 @@
               <a:rPr lang="en-US" sz="2000" dirty="0">
                 <a:cs typeface="Arial" panose="020B0604020202020204" pitchFamily="34" charset="0"/>
               </a:rPr>
-              <a:t>Effectiveness Across Demographics: The model's effectiveness was demonstrated across various demographic settings, showcasing its adaptability and relevance in diverse populations.</a:t>
+              <a:t>User Data Management: User input data is stored in an SQLite database, enabling efficient storage and future retrieval for model training and improvements.</a:t>
             </a:r>
           </a:p>
           <a:p>
@@ -16603,7 +16507,7 @@
               <a:rPr lang="en-US" sz="2000" dirty="0">
                 <a:cs typeface="Arial" panose="020B0604020202020204" pitchFamily="34" charset="0"/>
               </a:rPr>
-              <a:t>Key Feature Insights: The analysis highlighted vital features contributing to heart attack risks, offering healthcare professionals actionable insights to understand better and mitigate these risks.</a:t>
+              <a:t>Versatility: The saved model can be easily integrated with existing healthcare systems, making it accessible in various healthcare settings, including less developed regions.</a:t>
             </a:r>
           </a:p>
           <a:p>
@@ -16619,7 +16523,7 @@
               <a:rPr lang="en-US" sz="2000" dirty="0">
                 <a:cs typeface="Arial" panose="020B0604020202020204" pitchFamily="34" charset="0"/>
               </a:rPr>
-              <a:t>Healthcare Implications: By identifying significant predictors of heart attacks, the model supports informed decision-making and targeted interventions, ultimately improving patient outcomes.</a:t>
+              <a:t>Ease of Use: Healthcare providers can utilize the model effectively with minimal training due to its straightforward deployment process.</a:t>
             </a:r>
             <a:endParaRPr lang="tr-TR" sz="2000" dirty="0">
               <a:cs typeface="Arial" panose="020B0604020202020204" pitchFamily="34" charset="0"/>
@@ -16683,7 +16587,7 @@
     </p:spTree>
     <p:extLst>
       <p:ext uri="{BB962C8B-B14F-4D97-AF65-F5344CB8AC3E}">
-        <p14:creationId xmlns:p14="http://schemas.microsoft.com/office/powerpoint/2010/main" val="878654391"/>
+        <p14:creationId xmlns:p14="http://schemas.microsoft.com/office/powerpoint/2010/main" val="4118007263"/>
       </p:ext>
     </p:extLst>
   </p:cSld>
@@ -16732,10 +16636,10 @@
           <a:lstStyle/>
           <a:p>
             <a:r>
-              <a:rPr lang="en-US" b="1"/>
-              <a:t>Deployment</a:t>
-            </a:r>
-            <a:endParaRPr lang="tr-TR"/>
+              <a:rPr lang="tr-TR" b="1" dirty="0"/>
+              <a:t>Future Work</a:t>
+            </a:r>
+            <a:endParaRPr lang="tr-TR" dirty="0"/>
           </a:p>
         </p:txBody>
       </p:sp>
@@ -16755,87 +16659,42 @@
             <p:ph idx="1"/>
           </p:nvPr>
         </p:nvSpPr>
-        <p:spPr/>
+        <p:spPr>
+          <a:xfrm>
+            <a:off x="1039652" y="1868906"/>
+            <a:ext cx="10093712" cy="4169743"/>
+          </a:xfrm>
+        </p:spPr>
         <p:txBody>
           <a:bodyPr>
             <a:noAutofit/>
           </a:bodyPr>
           <a:lstStyle/>
           <a:p>
-            <a:pPr>
-              <a:spcBef>
-                <a:spcPts val="1200"/>
-              </a:spcBef>
-              <a:spcAft>
-                <a:spcPts val="600"/>
-              </a:spcAft>
-            </a:pPr>
             <a:r>
               <a:rPr lang="en-US" sz="2000" dirty="0">
                 <a:cs typeface="Arial" panose="020B0604020202020204" pitchFamily="34" charset="0"/>
               </a:rPr>
-              <a:t>Model Deployment: The model was saved using the </a:t>
-            </a:r>
-            <a:r>
-              <a:rPr lang="en-US" sz="2000" dirty="0" err="1">
-                <a:cs typeface="Arial" panose="020B0604020202020204" pitchFamily="34" charset="0"/>
-              </a:rPr>
-              <a:t>joblib</a:t>
-            </a:r>
+              <a:t>Expansion: The plan includes incorporating additional data sources to enhance the model's robustness and adapting it for other cardiovascular conditions. Efforts will be made to explore partnerships with healthcare organizations to broaden the model’s impact and reach. The model must be trained based on each country's specific needs. It is crucial to recognize that using clinical records from developed countries to develop datasets for developing countries is not a viable option, as the conditions are not identical. </a:t>
+            </a:r>
+          </a:p>
+          <a:p>
             <a:r>
               <a:rPr lang="en-US" sz="2000" dirty="0">
                 <a:cs typeface="Arial" panose="020B0604020202020204" pitchFamily="34" charset="0"/>
               </a:rPr>
-              <a:t> library and deployed with a simple Python script to take user input for predictions and to test the model after the deployment.</a:t>
-            </a:r>
-          </a:p>
-          <a:p>
-            <a:pPr>
-              <a:spcBef>
-                <a:spcPts val="1200"/>
-              </a:spcBef>
-              <a:spcAft>
-                <a:spcPts val="600"/>
-              </a:spcAft>
-            </a:pPr>
+              <a:t>Research Opportunities: Future research will investigate new machine-learning techniques to improve prediction accuracy. Additionally, studying the long-term effects of using predictive models on healthcare outcomes and exploring the ethical implications of predictive modeling will be prioritized to develop guidelines for responsible use.</a:t>
+            </a:r>
+          </a:p>
+          <a:p>
             <a:r>
               <a:rPr lang="en-US" sz="2000" dirty="0">
                 <a:cs typeface="Arial" panose="020B0604020202020204" pitchFamily="34" charset="0"/>
               </a:rPr>
-              <a:t>User Data Management: User input data is stored in an SQLite database, enabling efficient storage and future retrieval for model training and improvements.</a:t>
-            </a:r>
-          </a:p>
-          <a:p>
-            <a:pPr>
-              <a:spcBef>
-                <a:spcPts val="1200"/>
-              </a:spcBef>
-              <a:spcAft>
-                <a:spcPts val="600"/>
-              </a:spcAft>
-            </a:pPr>
-            <a:r>
-              <a:rPr lang="en-US" sz="2000" dirty="0">
-                <a:cs typeface="Arial" panose="020B0604020202020204" pitchFamily="34" charset="0"/>
-              </a:rPr>
-              <a:t>Versatility: The saved model can be easily integrated with existing healthcare systems, making it accessible in various healthcare settings, including less developed regions.</a:t>
-            </a:r>
-          </a:p>
-          <a:p>
-            <a:pPr>
-              <a:spcBef>
-                <a:spcPts val="1200"/>
-              </a:spcBef>
-              <a:spcAft>
-                <a:spcPts val="600"/>
-              </a:spcAft>
-            </a:pPr>
-            <a:r>
-              <a:rPr lang="en-US" sz="2000" dirty="0">
-                <a:cs typeface="Arial" panose="020B0604020202020204" pitchFamily="34" charset="0"/>
-              </a:rPr>
-              <a:t>Ease of Use: Healthcare providers can utilize the model effectively with minimal training due to its straightforward deployment process.</a:t>
-            </a:r>
+              <a:t>Integration with Clinical Data: A critical future goal is to connect the model with a real-time clinical database. This integration will facilitate more data collection, thereby expanding the dataset and improving the model's accuracy and effectiveness in helping patients in need.</a:t>
+            </a:r>
+          </a:p>
+          <a:p>
             <a:endParaRPr lang="tr-TR" sz="2000" dirty="0">
               <a:cs typeface="Arial" panose="020B0604020202020204" pitchFamily="34" charset="0"/>
             </a:endParaRPr>
@@ -16847,7 +16706,7 @@
           <p:cNvPr id="5" name="TextBox 4">
             <a:extLst>
               <a:ext uri="{FF2B5EF4-FFF2-40B4-BE49-F238E27FC236}">
-                <a16:creationId xmlns:a16="http://schemas.microsoft.com/office/drawing/2014/main" id="{82033EC6-A98C-FBBC-86AF-DA8BE8455201}"/>
+                <a16:creationId xmlns:a16="http://schemas.microsoft.com/office/drawing/2014/main" id="{384D96C8-FF8C-FF1F-F7FC-8D636C9E744D}"/>
               </a:ext>
             </a:extLst>
           </p:cNvPr>
@@ -16898,7 +16757,7 @@
     </p:spTree>
     <p:extLst>
       <p:ext uri="{BB962C8B-B14F-4D97-AF65-F5344CB8AC3E}">
-        <p14:creationId xmlns:p14="http://schemas.microsoft.com/office/powerpoint/2010/main" val="4118007263"/>
+        <p14:creationId xmlns:p14="http://schemas.microsoft.com/office/powerpoint/2010/main" val="3792952612"/>
       </p:ext>
     </p:extLst>
   </p:cSld>
@@ -16949,52 +16808,13 @@
           <a:lstStyle/>
           <a:p>
             <a:r>
-              <a:rPr lang="tr-TR" dirty="0">
+              <a:rPr lang="tr-TR" dirty="0" err="1">
+                <a:solidFill>
+                  <a:schemeClr val="accent1"/>
+                </a:solidFill>
                 <a:cs typeface="Calibri Light"/>
               </a:rPr>
-              <a:t>How </a:t>
-            </a:r>
-            <a:r>
-              <a:rPr lang="tr-TR" dirty="0" err="1">
-                <a:cs typeface="Calibri Light"/>
-              </a:rPr>
-              <a:t>to</a:t>
-            </a:r>
-            <a:r>
-              <a:rPr lang="tr-TR" dirty="0">
-                <a:cs typeface="Calibri Light"/>
-              </a:rPr>
-              <a:t> </a:t>
-            </a:r>
-            <a:r>
-              <a:rPr lang="tr-TR" dirty="0" err="1">
-                <a:cs typeface="Calibri Light"/>
-              </a:rPr>
-              <a:t>use</a:t>
-            </a:r>
-            <a:r>
-              <a:rPr lang="tr-TR" dirty="0">
-                <a:cs typeface="Calibri Light"/>
-              </a:rPr>
-              <a:t> </a:t>
-            </a:r>
-            <a:r>
-              <a:rPr lang="tr-TR" dirty="0" err="1">
-                <a:cs typeface="Calibri Light"/>
-              </a:rPr>
-              <a:t>this</a:t>
-            </a:r>
-            <a:r>
-              <a:rPr lang="tr-TR" dirty="0">
-                <a:cs typeface="Calibri Light"/>
-              </a:rPr>
-              <a:t> </a:t>
-            </a:r>
-            <a:r>
-              <a:rPr lang="tr-TR" dirty="0" err="1">
-                <a:cs typeface="Calibri Light"/>
-              </a:rPr>
-              <a:t>template</a:t>
+              <a:t>Outline</a:t>
             </a:r>
           </a:p>
         </p:txBody>
@@ -17012,7 +16832,7 @@
             <a:spLocks noGrp="1"/>
           </p:cNvSpPr>
           <p:nvPr>
-            <p:ph sz="half" idx="1"/>
+            <p:ph idx="1"/>
           </p:nvPr>
         </p:nvSpPr>
         <p:spPr/>
@@ -17023,112 +16843,160 @@
           <a:lstStyle/>
           <a:p>
             <a:r>
-              <a:rPr lang="en-US" sz="1600" dirty="0">
+              <a:rPr lang="en-US" sz="2000" dirty="0">
                 <a:cs typeface="Calibri"/>
               </a:rPr>
-              <a:t>Download the file </a:t>
-            </a:r>
-          </a:p>
-          <a:p>
-            <a:r>
-              <a:rPr lang="en-US" sz="1600" dirty="0">
+              <a:t>Concept note and implementation plan:</a:t>
+            </a:r>
+          </a:p>
+          <a:p>
+            <a:pPr lvl="1">
+              <a:buFont typeface="Courier New" panose="020B0604020202020204" pitchFamily="34" charset="0"/>
+              <a:buChar char="o"/>
+            </a:pPr>
+            <a:r>
+              <a:rPr lang="en-US" sz="2000" dirty="0">
                 <a:cs typeface="Calibri"/>
               </a:rPr>
-              <a:t>Change the name into "</a:t>
-            </a:r>
-            <a:r>
-              <a:rPr lang="en-US" sz="1600" dirty="0" err="1">
+              <a:t>Background</a:t>
+            </a:r>
+          </a:p>
+          <a:p>
+            <a:pPr lvl="1">
+              <a:buFont typeface="Courier New" panose="020B0604020202020204" pitchFamily="34" charset="0"/>
+              <a:buChar char="o"/>
+            </a:pPr>
+            <a:r>
+              <a:rPr lang="en-US" sz="2000" dirty="0">
                 <a:cs typeface="Calibri"/>
               </a:rPr>
-              <a:t>Name_Surname_Draft_Presentation</a:t>
-            </a:r>
-            <a:r>
-              <a:rPr lang="en-US" sz="1600" dirty="0">
+              <a:t>Objectives</a:t>
+            </a:r>
+          </a:p>
+          <a:p>
+            <a:pPr lvl="1">
+              <a:buFont typeface="Courier New" panose="020B0604020202020204" pitchFamily="34" charset="0"/>
+              <a:buChar char="o"/>
+            </a:pPr>
+            <a:r>
+              <a:rPr lang="en-US" sz="2000" dirty="0">
                 <a:cs typeface="Calibri"/>
               </a:rPr>
-              <a:t>"</a:t>
-            </a:r>
-          </a:p>
-          <a:p>
-            <a:r>
-              <a:rPr lang="en-US" sz="1600" dirty="0">
+              <a:t>SDG Relation</a:t>
+            </a:r>
+          </a:p>
+          <a:p>
+            <a:r>
+              <a:rPr lang="en-US" sz="2000" dirty="0">
                 <a:cs typeface="Calibri"/>
               </a:rPr>
-              <a:t>Do not move the text boxes, keep your text and visuals inside the boxes</a:t>
-            </a:r>
-          </a:p>
-          <a:p>
-            <a:r>
-              <a:rPr lang="en-US" sz="1600" dirty="0">
+              <a:t>Data</a:t>
+            </a:r>
+          </a:p>
+          <a:p>
+            <a:pPr lvl="1"/>
+            <a:r>
+              <a:rPr lang="en-US" sz="2000" dirty="0">
+                <a:solidFill>
+                  <a:srgbClr val="FFFFFF"/>
+                </a:solidFill>
+                <a:ea typeface="+mn-lt"/>
                 <a:cs typeface="Calibri"/>
               </a:rPr>
-              <a:t>Do not change the colors and font type</a:t>
-            </a:r>
-          </a:p>
-          <a:p>
-            <a:r>
-              <a:rPr lang="en-US" sz="1600" dirty="0">
-                <a:cs typeface="Calibri"/>
+              <a:t>Data Collection</a:t>
+            </a:r>
+          </a:p>
+          <a:p>
+            <a:pPr lvl="1"/>
+            <a:r>
+              <a:rPr lang="en-US" sz="2000" dirty="0">
+                <a:solidFill>
+                  <a:srgbClr val="FFFFFF"/>
+                </a:solidFill>
+                <a:ea typeface="+mn-lt"/>
+                <a:cs typeface="+mn-lt"/>
               </a:rPr>
-              <a:t>If you need to change the font size make it consistent and don't use different sizes in one page (biggest 28, smallest 16). Titles always should be 44.</a:t>
-            </a:r>
-          </a:p>
-          <a:p>
-            <a:r>
-              <a:rPr lang="en-US" sz="1600" dirty="0">
-                <a:cs typeface="Calibri"/>
+              <a:t>Exploratory Data Analysis (EDA) and Feature Engineering</a:t>
+            </a:r>
+          </a:p>
+          <a:p>
+            <a:r>
+              <a:rPr lang="en-US" sz="2000" dirty="0">
+                <a:solidFill>
+                  <a:srgbClr val="FFFFFF"/>
+                </a:solidFill>
+                <a:ea typeface="+mn-lt"/>
+                <a:cs typeface="+mn-lt"/>
               </a:rPr>
-              <a:t>You can duplicate a page if you need more than one pages</a:t>
-            </a:r>
-          </a:p>
-          <a:p>
-            <a:r>
-              <a:rPr lang="en-US" sz="1600" dirty="0">
-                <a:cs typeface="Calibri"/>
+              <a:t>Model Selection and Training</a:t>
+            </a:r>
+          </a:p>
+          <a:p>
+            <a:pPr lvl="1"/>
+            <a:r>
+              <a:rPr lang="en-US" sz="2000" dirty="0">
+                <a:solidFill>
+                  <a:srgbClr val="FFFFFF"/>
+                </a:solidFill>
+                <a:ea typeface="+mn-lt"/>
+                <a:cs typeface="+mn-lt"/>
               </a:rPr>
-              <a:t>Add high quality pictures and their sources. Keep it inside the boxes.</a:t>
+              <a:t>Model Evaluation and Hyperparameter Tuning</a:t>
+            </a:r>
+          </a:p>
+          <a:p>
+            <a:pPr lvl="1"/>
+            <a:r>
+              <a:rPr lang="en-US" sz="2000" dirty="0">
+                <a:solidFill>
+                  <a:srgbClr val="FFFFFF"/>
+                </a:solidFill>
+                <a:ea typeface="+mn-lt"/>
+                <a:cs typeface="+mn-lt"/>
+              </a:rPr>
+              <a:t>Model Refinement and Testing</a:t>
+            </a:r>
+          </a:p>
+          <a:p>
+            <a:r>
+              <a:rPr lang="en-US" sz="2000" dirty="0">
+                <a:solidFill>
+                  <a:srgbClr val="FFFFFF"/>
+                </a:solidFill>
+                <a:ea typeface="+mn-lt"/>
+                <a:cs typeface="+mn-lt"/>
+              </a:rPr>
+              <a:t>Results</a:t>
+            </a:r>
+          </a:p>
+          <a:p>
+            <a:r>
+              <a:rPr lang="en-US" sz="2000" dirty="0">
+                <a:solidFill>
+                  <a:srgbClr val="FFFFFF"/>
+                </a:solidFill>
+                <a:ea typeface="+mn-lt"/>
+                <a:cs typeface="+mn-lt"/>
+              </a:rPr>
+              <a:t>Deployment</a:t>
+            </a:r>
+          </a:p>
+          <a:p>
+            <a:r>
+              <a:rPr lang="en-US" sz="2000" dirty="0">
+                <a:solidFill>
+                  <a:srgbClr val="FFFFFF"/>
+                </a:solidFill>
+                <a:ea typeface="+mn-lt"/>
+                <a:cs typeface="+mn-lt"/>
+              </a:rPr>
+              <a:t>Future Work</a:t>
             </a:r>
           </a:p>
           <a:p>
             <a:pPr marL="0" indent="0">
               <a:buNone/>
             </a:pPr>
-            <a:endParaRPr lang="en-US" sz="1600" dirty="0">
-              <a:solidFill>
-                <a:srgbClr val="FFFFFF"/>
-              </a:solidFill>
-              <a:ea typeface="+mn-lt"/>
-              <a:cs typeface="+mn-lt"/>
-            </a:endParaRPr>
-          </a:p>
-          <a:p>
-            <a:endParaRPr lang="en-US" sz="1600" dirty="0">
-              <a:solidFill>
-                <a:srgbClr val="FFFFFF"/>
-              </a:solidFill>
-              <a:ea typeface="+mn-lt"/>
-              <a:cs typeface="+mn-lt"/>
-            </a:endParaRPr>
-          </a:p>
-          <a:p>
-            <a:endParaRPr lang="en-US" sz="1600" dirty="0">
-              <a:solidFill>
-                <a:srgbClr val="FFFFFF"/>
-              </a:solidFill>
-              <a:ea typeface="+mn-lt"/>
-              <a:cs typeface="+mn-lt"/>
-            </a:endParaRPr>
-          </a:p>
-          <a:p>
-            <a:endParaRPr lang="en-US" sz="1600" dirty="0">
-              <a:solidFill>
-                <a:srgbClr val="FFFFFF"/>
-              </a:solidFill>
-              <a:ea typeface="+mn-lt"/>
-              <a:cs typeface="+mn-lt"/>
-            </a:endParaRPr>
-          </a:p>
-          <a:p>
             <a:endParaRPr lang="en-US" dirty="0">
               <a:solidFill>
                 <a:srgbClr val="FFFFFF"/>
@@ -17136,279 +17004,6 @@
               <a:ea typeface="+mn-lt"/>
               <a:cs typeface="+mn-lt"/>
             </a:endParaRPr>
-          </a:p>
-        </p:txBody>
-      </p:sp>
-      <p:sp>
-        <p:nvSpPr>
-          <p:cNvPr id="4" name="Content Placeholder 3">
-            <a:extLst>
-              <a:ext uri="{FF2B5EF4-FFF2-40B4-BE49-F238E27FC236}">
-                <a16:creationId xmlns:a16="http://schemas.microsoft.com/office/drawing/2014/main" id="{E7A0C9A1-5CC4-849D-85F9-0D5BA3026942}"/>
-              </a:ext>
-            </a:extLst>
-          </p:cNvPr>
-          <p:cNvSpPr>
-            <a:spLocks noGrp="1"/>
-          </p:cNvSpPr>
-          <p:nvPr>
-            <p:ph sz="half" idx="2"/>
-          </p:nvPr>
-        </p:nvSpPr>
-        <p:spPr/>
-        <p:txBody>
-          <a:bodyPr vert="horz" lIns="91440" tIns="45720" rIns="91440" bIns="45720" rtlCol="0" anchor="t">
-            <a:normAutofit/>
-          </a:bodyPr>
-          <a:lstStyle/>
-          <a:p>
-            <a:pPr fontAlgn="base"/>
-            <a:r>
-              <a:rPr lang="en-US" sz="1800" b="0" i="0" u="none" strike="noStrike">
-                <a:solidFill>
-                  <a:srgbClr val="FFFFFF"/>
-                </a:solidFill>
-                <a:effectLst/>
-                <a:latin typeface="Calibri"/>
-                <a:cs typeface="Calibri"/>
-              </a:rPr>
-              <a:t>Key color - #2B2551</a:t>
-            </a:r>
-            <a:r>
-              <a:rPr lang="en-US" sz="1800" b="0" i="0">
-                <a:solidFill>
-                  <a:srgbClr val="FFFFFF"/>
-                </a:solidFill>
-                <a:effectLst/>
-                <a:latin typeface="Calibri"/>
-                <a:cs typeface="Calibri"/>
-              </a:rPr>
-              <a:t>​  </a:t>
-            </a:r>
-            <a:endParaRPr lang="en-US" sz="1200" b="0" i="0">
-              <a:solidFill>
-                <a:srgbClr val="000000"/>
-              </a:solidFill>
-              <a:effectLst/>
-              <a:latin typeface="Calibri"/>
-              <a:cs typeface="Calibri"/>
-            </a:endParaRPr>
-          </a:p>
-          <a:p>
-            <a:pPr fontAlgn="base"/>
-            <a:r>
-              <a:rPr lang="en-US" sz="1800" b="0" i="0" u="none" strike="noStrike">
-                <a:solidFill>
-                  <a:srgbClr val="FFFFFF"/>
-                </a:solidFill>
-                <a:effectLst/>
-                <a:latin typeface="Calibri"/>
-                <a:cs typeface="Calibri"/>
-              </a:rPr>
-              <a:t>Supporting color 1 - #FFC837 </a:t>
-            </a:r>
-            <a:r>
-              <a:rPr lang="en-TR" sz="1000" b="0" i="0">
-                <a:solidFill>
-                  <a:srgbClr val="000000"/>
-                </a:solidFill>
-                <a:effectLst/>
-                <a:latin typeface="Times"/>
-                <a:cs typeface="Times"/>
-              </a:rPr>
-              <a:t> </a:t>
-            </a:r>
-            <a:r>
-              <a:rPr lang="en-US" sz="1800" b="0" i="0" u="none" strike="noStrike">
-                <a:solidFill>
-                  <a:srgbClr val="FFFFFF"/>
-                </a:solidFill>
-                <a:effectLst/>
-                <a:latin typeface="Calibri"/>
-                <a:cs typeface="Calibri"/>
-              </a:rPr>
-              <a:t> </a:t>
-            </a:r>
-            <a:r>
-              <a:rPr lang="en-US" sz="1800" b="0" i="0">
-                <a:solidFill>
-                  <a:srgbClr val="FFFFFF"/>
-                </a:solidFill>
-                <a:effectLst/>
-                <a:latin typeface="Calibri"/>
-                <a:cs typeface="Calibri"/>
-              </a:rPr>
-              <a:t>​</a:t>
-            </a:r>
-            <a:endParaRPr lang="en-US" sz="1200" b="0" i="0">
-              <a:solidFill>
-                <a:srgbClr val="000000"/>
-              </a:solidFill>
-              <a:effectLst/>
-              <a:latin typeface="Calibri"/>
-              <a:cs typeface="Calibri"/>
-            </a:endParaRPr>
-          </a:p>
-          <a:p>
-            <a:pPr algn="l" rtl="0" fontAlgn="base">
-              <a:buFont typeface="Arial" panose="020B0604020202020204" pitchFamily="34" charset="0"/>
-              <a:buChar char="•"/>
-            </a:pPr>
-            <a:r>
-              <a:rPr lang="en-US" sz="1800" b="0" i="0" u="none" strike="noStrike">
-                <a:solidFill>
-                  <a:srgbClr val="FFFFFF"/>
-                </a:solidFill>
-                <a:effectLst/>
-                <a:latin typeface="Calibri"/>
-                <a:cs typeface="Calibri"/>
-              </a:rPr>
-              <a:t>Supporting color 2 - #4CA3AA </a:t>
-            </a:r>
-            <a:r>
-              <a:rPr lang="en-US" sz="1800" b="0" i="0">
-                <a:solidFill>
-                  <a:srgbClr val="FFFFFF"/>
-                </a:solidFill>
-                <a:effectLst/>
-                <a:latin typeface="Calibri"/>
-                <a:cs typeface="Calibri"/>
-              </a:rPr>
-              <a:t>​</a:t>
-            </a:r>
-            <a:r>
-              <a:rPr lang="en-TR" sz="1000" b="0" i="0">
-                <a:solidFill>
-                  <a:srgbClr val="000000"/>
-                </a:solidFill>
-                <a:effectLst/>
-                <a:latin typeface="Times"/>
-                <a:cs typeface="Times"/>
-              </a:rPr>
-              <a:t> </a:t>
-            </a:r>
-            <a:endParaRPr lang="en-US" sz="1200" b="0" i="0">
-              <a:solidFill>
-                <a:srgbClr val="000000"/>
-              </a:solidFill>
-              <a:effectLst/>
-              <a:latin typeface="Times"/>
-              <a:cs typeface="Times"/>
-            </a:endParaRPr>
-          </a:p>
-          <a:p>
-            <a:pPr algn="l" rtl="0" fontAlgn="base">
-              <a:buFont typeface="Arial" panose="020B0604020202020204" pitchFamily="34" charset="0"/>
-              <a:buChar char="•"/>
-            </a:pPr>
-            <a:r>
-              <a:rPr lang="en-US" sz="1800" b="0" i="0" u="none" strike="noStrike">
-                <a:solidFill>
-                  <a:srgbClr val="FFFFFF"/>
-                </a:solidFill>
-                <a:effectLst/>
-                <a:latin typeface="Calibri"/>
-                <a:cs typeface="Calibri"/>
-              </a:rPr>
-              <a:t>Supporting color 3 - #FFFFFF</a:t>
-            </a:r>
-            <a:r>
-              <a:rPr lang="en-US" sz="1800" b="0" i="0">
-                <a:solidFill>
-                  <a:srgbClr val="FFFFFF"/>
-                </a:solidFill>
-                <a:effectLst/>
-                <a:latin typeface="Calibri"/>
-                <a:cs typeface="Calibri"/>
-              </a:rPr>
-              <a:t>​</a:t>
-            </a:r>
-            <a:endParaRPr lang="en-US" sz="1200" b="0" i="0">
-              <a:solidFill>
-                <a:srgbClr val="000000"/>
-              </a:solidFill>
-              <a:effectLst/>
-              <a:latin typeface="Calibri"/>
-              <a:cs typeface="Calibri"/>
-            </a:endParaRPr>
-          </a:p>
-          <a:p>
-            <a:pPr algn="l" rtl="0" fontAlgn="base">
-              <a:buFont typeface="Arial" panose="020B0604020202020204" pitchFamily="34" charset="0"/>
-              <a:buChar char="•"/>
-            </a:pPr>
-            <a:r>
-              <a:rPr lang="en-US" sz="1800" b="0" i="0" u="none" strike="noStrike">
-                <a:solidFill>
-                  <a:srgbClr val="FFFFFF"/>
-                </a:solidFill>
-                <a:effectLst/>
-                <a:latin typeface="Calibri"/>
-                <a:cs typeface="Calibri"/>
-              </a:rPr>
-              <a:t>Supporting color 4 - #FF577D   </a:t>
-            </a:r>
-            <a:endParaRPr lang="en-US" sz="1200" b="0" i="0">
-              <a:solidFill>
-                <a:srgbClr val="000000"/>
-              </a:solidFill>
-              <a:effectLst/>
-              <a:latin typeface="Calibri"/>
-              <a:cs typeface="Calibri"/>
-            </a:endParaRPr>
-          </a:p>
-          <a:p>
-            <a:pPr marL="0" indent="0">
-              <a:buNone/>
-            </a:pPr>
-            <a:endParaRPr lang="en-US" sz="2800" dirty="0">
-              <a:solidFill>
-                <a:srgbClr val="FFFFFF"/>
-              </a:solidFill>
-              <a:ea typeface="+mn-lt"/>
-              <a:cs typeface="+mn-lt"/>
-            </a:endParaRPr>
-          </a:p>
-          <a:p>
-            <a:pPr marL="0" indent="0">
-              <a:buNone/>
-            </a:pPr>
-            <a:r>
-              <a:rPr lang="en-US" sz="2800" dirty="0">
-                <a:solidFill>
-                  <a:srgbClr val="FFFFFF"/>
-                </a:solidFill>
-                <a:ea typeface="+mn-lt"/>
-                <a:cs typeface="+mn-lt"/>
-              </a:rPr>
-              <a:t>Remove this page before uploading the presentation to your </a:t>
-            </a:r>
-            <a:r>
-              <a:rPr lang="en-US" err="1">
-                <a:solidFill>
-                  <a:srgbClr val="FFFFFF"/>
-                </a:solidFill>
-                <a:ea typeface="+mn-lt"/>
-                <a:cs typeface="+mn-lt"/>
-              </a:rPr>
-              <a:t>Github</a:t>
-            </a:r>
-            <a:r>
-              <a:rPr lang="en-US" sz="2800" dirty="0">
-                <a:solidFill>
-                  <a:srgbClr val="FFFFFF"/>
-                </a:solidFill>
-                <a:ea typeface="+mn-lt"/>
-                <a:cs typeface="+mn-lt"/>
-              </a:rPr>
-              <a:t> repository!</a:t>
-            </a:r>
-          </a:p>
-          <a:p>
-            <a:pPr marL="0" indent="0">
-              <a:buNone/>
-            </a:pPr>
-            <a:endParaRPr lang="en-US" dirty="0"/>
           </a:p>
         </p:txBody>
       </p:sp>
@@ -17523,280 +17118,10 @@
           </a:p>
         </p:txBody>
       </p:sp>
-      <p:sp>
-        <p:nvSpPr>
-          <p:cNvPr id="5" name="Rectangle 4">
-            <a:extLst>
-              <a:ext uri="{FF2B5EF4-FFF2-40B4-BE49-F238E27FC236}">
-                <a16:creationId xmlns:a16="http://schemas.microsoft.com/office/drawing/2014/main" id="{59BC4BA5-219A-C912-B51B-352618BB8EEF}"/>
-              </a:ext>
-            </a:extLst>
-          </p:cNvPr>
-          <p:cNvSpPr/>
-          <p:nvPr/>
-        </p:nvSpPr>
-        <p:spPr>
-          <a:xfrm>
-            <a:off x="8534400" y="2087362"/>
-            <a:ext cx="390144" cy="253502"/>
-          </a:xfrm>
-          <a:prstGeom prst="rect">
-            <a:avLst/>
-          </a:prstGeom>
-          <a:solidFill>
-            <a:srgbClr val="2B2551"/>
-          </a:solidFill>
-          <a:ln>
-            <a:solidFill>
-              <a:schemeClr val="bg1"/>
-            </a:solidFill>
-          </a:ln>
-        </p:spPr>
-        <p:style>
-          <a:lnRef idx="2">
-            <a:schemeClr val="accent1">
-              <a:shade val="15000"/>
-            </a:schemeClr>
-          </a:lnRef>
-          <a:fillRef idx="1">
-            <a:schemeClr val="accent1"/>
-          </a:fillRef>
-          <a:effectRef idx="0">
-            <a:schemeClr val="accent1"/>
-          </a:effectRef>
-          <a:fontRef idx="minor">
-            <a:schemeClr val="lt1"/>
-          </a:fontRef>
-        </p:style>
-        <p:txBody>
-          <a:bodyPr rtlCol="0" anchor="ctr"/>
-          <a:lstStyle/>
-          <a:p>
-            <a:pPr algn="ctr"/>
-            <a:endParaRPr lang="en-US" dirty="0"/>
-          </a:p>
-        </p:txBody>
-      </p:sp>
-      <p:sp>
-        <p:nvSpPr>
-          <p:cNvPr id="6" name="Rectangle 5">
-            <a:extLst>
-              <a:ext uri="{FF2B5EF4-FFF2-40B4-BE49-F238E27FC236}">
-                <a16:creationId xmlns:a16="http://schemas.microsoft.com/office/drawing/2014/main" id="{20B9B25C-0157-9656-BE96-DFE15F10F433}"/>
-              </a:ext>
-            </a:extLst>
-          </p:cNvPr>
-          <p:cNvSpPr/>
-          <p:nvPr/>
-        </p:nvSpPr>
-        <p:spPr>
-          <a:xfrm>
-            <a:off x="9406128" y="2521174"/>
-            <a:ext cx="390144" cy="253502"/>
-          </a:xfrm>
-          <a:prstGeom prst="rect">
-            <a:avLst/>
-          </a:prstGeom>
-          <a:solidFill>
-            <a:srgbClr val="FFC836"/>
-          </a:solidFill>
-          <a:ln>
-            <a:solidFill>
-              <a:schemeClr val="bg1"/>
-            </a:solidFill>
-          </a:ln>
-        </p:spPr>
-        <p:style>
-          <a:lnRef idx="2">
-            <a:schemeClr val="accent1">
-              <a:shade val="15000"/>
-            </a:schemeClr>
-          </a:lnRef>
-          <a:fillRef idx="1">
-            <a:schemeClr val="accent1"/>
-          </a:fillRef>
-          <a:effectRef idx="0">
-            <a:schemeClr val="accent1"/>
-          </a:effectRef>
-          <a:fontRef idx="minor">
-            <a:schemeClr val="lt1"/>
-          </a:fontRef>
-        </p:style>
-        <p:txBody>
-          <a:bodyPr rtlCol="0" anchor="ctr"/>
-          <a:lstStyle/>
-          <a:p>
-            <a:pPr algn="ctr"/>
-            <a:endParaRPr lang="en-US" dirty="0"/>
-          </a:p>
-        </p:txBody>
-      </p:sp>
-      <p:sp>
-        <p:nvSpPr>
-          <p:cNvPr id="9" name="Rectangle 8">
-            <a:extLst>
-              <a:ext uri="{FF2B5EF4-FFF2-40B4-BE49-F238E27FC236}">
-                <a16:creationId xmlns:a16="http://schemas.microsoft.com/office/drawing/2014/main" id="{E7D67606-B3E8-6DF4-D258-0AC185C5A132}"/>
-              </a:ext>
-            </a:extLst>
-          </p:cNvPr>
-          <p:cNvSpPr/>
-          <p:nvPr/>
-        </p:nvSpPr>
-        <p:spPr>
-          <a:xfrm>
-            <a:off x="9406128" y="2911711"/>
-            <a:ext cx="390144" cy="253502"/>
-          </a:xfrm>
-          <a:prstGeom prst="rect">
-            <a:avLst/>
-          </a:prstGeom>
-          <a:solidFill>
-            <a:srgbClr val="4CA3AA"/>
-          </a:solidFill>
-          <a:ln>
-            <a:solidFill>
-              <a:schemeClr val="bg1"/>
-            </a:solidFill>
-          </a:ln>
-        </p:spPr>
-        <p:style>
-          <a:lnRef idx="2">
-            <a:schemeClr val="accent1">
-              <a:shade val="15000"/>
-            </a:schemeClr>
-          </a:lnRef>
-          <a:fillRef idx="1">
-            <a:schemeClr val="accent1"/>
-          </a:fillRef>
-          <a:effectRef idx="0">
-            <a:schemeClr val="accent1"/>
-          </a:effectRef>
-          <a:fontRef idx="minor">
-            <a:schemeClr val="lt1"/>
-          </a:fontRef>
-        </p:style>
-        <p:txBody>
-          <a:bodyPr rtlCol="0" anchor="ctr"/>
-          <a:lstStyle/>
-          <a:p>
-            <a:pPr algn="ctr"/>
-            <a:endParaRPr lang="en-US" dirty="0"/>
-          </a:p>
-        </p:txBody>
-      </p:sp>
-      <p:sp>
-        <p:nvSpPr>
-          <p:cNvPr id="10" name="Rectangle 9">
-            <a:extLst>
-              <a:ext uri="{FF2B5EF4-FFF2-40B4-BE49-F238E27FC236}">
-                <a16:creationId xmlns:a16="http://schemas.microsoft.com/office/drawing/2014/main" id="{176EB81A-5E1F-F51B-C797-FF8569D3BE42}"/>
-              </a:ext>
-            </a:extLst>
-          </p:cNvPr>
-          <p:cNvSpPr/>
-          <p:nvPr/>
-        </p:nvSpPr>
-        <p:spPr>
-          <a:xfrm>
-            <a:off x="9406128" y="3302249"/>
-            <a:ext cx="390144" cy="253502"/>
-          </a:xfrm>
-          <a:prstGeom prst="rect">
-            <a:avLst/>
-          </a:prstGeom>
-          <a:solidFill>
-            <a:schemeClr val="tx1"/>
-          </a:solidFill>
-          <a:ln>
-            <a:solidFill>
-              <a:schemeClr val="bg1"/>
-            </a:solidFill>
-          </a:ln>
-        </p:spPr>
-        <p:style>
-          <a:lnRef idx="2">
-            <a:schemeClr val="accent1">
-              <a:shade val="15000"/>
-            </a:schemeClr>
-          </a:lnRef>
-          <a:fillRef idx="1">
-            <a:schemeClr val="accent1"/>
-          </a:fillRef>
-          <a:effectRef idx="0">
-            <a:schemeClr val="accent1"/>
-          </a:effectRef>
-          <a:fontRef idx="minor">
-            <a:schemeClr val="lt1"/>
-          </a:fontRef>
-        </p:style>
-        <p:txBody>
-          <a:bodyPr rtlCol="0" anchor="ctr"/>
-          <a:lstStyle/>
-          <a:p>
-            <a:pPr algn="ctr"/>
-            <a:endParaRPr lang="en-US" dirty="0"/>
-          </a:p>
-        </p:txBody>
-      </p:sp>
-      <p:sp>
-        <p:nvSpPr>
-          <p:cNvPr id="11" name="Rectangle 10">
-            <a:extLst>
-              <a:ext uri="{FF2B5EF4-FFF2-40B4-BE49-F238E27FC236}">
-                <a16:creationId xmlns:a16="http://schemas.microsoft.com/office/drawing/2014/main" id="{9FC0C279-0BAD-81BD-0418-D029C91F86E1}"/>
-              </a:ext>
-            </a:extLst>
-          </p:cNvPr>
-          <p:cNvSpPr/>
-          <p:nvPr/>
-        </p:nvSpPr>
-        <p:spPr>
-          <a:xfrm>
-            <a:off x="9406128" y="3668382"/>
-            <a:ext cx="390144" cy="253502"/>
-          </a:xfrm>
-          <a:prstGeom prst="rect">
-            <a:avLst/>
-          </a:prstGeom>
-          <a:solidFill>
-            <a:srgbClr val="FF577F"/>
-          </a:solidFill>
-          <a:ln>
-            <a:solidFill>
-              <a:schemeClr val="bg1"/>
-            </a:solidFill>
-          </a:ln>
-        </p:spPr>
-        <p:style>
-          <a:lnRef idx="2">
-            <a:schemeClr val="accent1">
-              <a:shade val="15000"/>
-            </a:schemeClr>
-          </a:lnRef>
-          <a:fillRef idx="1">
-            <a:schemeClr val="accent1"/>
-          </a:fillRef>
-          <a:effectRef idx="0">
-            <a:schemeClr val="accent1"/>
-          </a:effectRef>
-          <a:fontRef idx="minor">
-            <a:schemeClr val="lt1"/>
-          </a:fontRef>
-        </p:style>
-        <p:txBody>
-          <a:bodyPr rtlCol="0" anchor="ctr"/>
-          <a:lstStyle/>
-          <a:p>
-            <a:pPr algn="ctr"/>
-            <a:endParaRPr lang="en-US" dirty="0"/>
-          </a:p>
-        </p:txBody>
-      </p:sp>
     </p:spTree>
     <p:extLst>
       <p:ext uri="{BB962C8B-B14F-4D97-AF65-F5344CB8AC3E}">
-        <p14:creationId xmlns:p14="http://schemas.microsoft.com/office/powerpoint/2010/main" val="980534683"/>
+        <p14:creationId xmlns:p14="http://schemas.microsoft.com/office/powerpoint/2010/main" val="2629373150"/>
       </p:ext>
     </p:extLst>
   </p:cSld>
@@ -17845,176 +17170,6 @@
           <a:lstStyle/>
           <a:p>
             <a:r>
-              <a:rPr lang="tr-TR" b="1" dirty="0"/>
-              <a:t>Future Work</a:t>
-            </a:r>
-            <a:endParaRPr lang="tr-TR" dirty="0"/>
-          </a:p>
-        </p:txBody>
-      </p:sp>
-      <p:sp>
-        <p:nvSpPr>
-          <p:cNvPr id="3" name="Content Placeholder 2">
-            <a:extLst>
-              <a:ext uri="{FF2B5EF4-FFF2-40B4-BE49-F238E27FC236}">
-                <a16:creationId xmlns:a16="http://schemas.microsoft.com/office/drawing/2014/main" id="{9527CBB5-FCE1-A315-951E-ACBCC104C4CE}"/>
-              </a:ext>
-            </a:extLst>
-          </p:cNvPr>
-          <p:cNvSpPr>
-            <a:spLocks noGrp="1"/>
-          </p:cNvSpPr>
-          <p:nvPr>
-            <p:ph idx="1"/>
-          </p:nvPr>
-        </p:nvSpPr>
-        <p:spPr>
-          <a:xfrm>
-            <a:off x="1039652" y="1868906"/>
-            <a:ext cx="10093712" cy="4169743"/>
-          </a:xfrm>
-        </p:spPr>
-        <p:txBody>
-          <a:bodyPr>
-            <a:noAutofit/>
-          </a:bodyPr>
-          <a:lstStyle/>
-          <a:p>
-            <a:r>
-              <a:rPr lang="en-US" sz="2000" dirty="0">
-                <a:cs typeface="Arial" panose="020B0604020202020204" pitchFamily="34" charset="0"/>
-              </a:rPr>
-              <a:t>Expansion: The plan includes incorporating additional data sources to enhance the model's robustness and adapting it for other cardiovascular conditions. Efforts will be made to explore partnerships with healthcare organizations to broaden the model’s impact and reach. The model must be trained based on each country's specific needs. It is crucial to recognize that using clinical records from developed countries to develop datasets for developing countries is not a viable option, as the conditions are not identical. </a:t>
-            </a:r>
-          </a:p>
-          <a:p>
-            <a:r>
-              <a:rPr lang="en-US" sz="2000" dirty="0">
-                <a:cs typeface="Arial" panose="020B0604020202020204" pitchFamily="34" charset="0"/>
-              </a:rPr>
-              <a:t>Research Opportunities: Future research will investigate new machine-learning techniques to improve prediction accuracy. Additionally, studying the long-term effects of using predictive models on healthcare outcomes and exploring the ethical implications of predictive modeling will be prioritized to develop guidelines for responsible use.</a:t>
-            </a:r>
-          </a:p>
-          <a:p>
-            <a:r>
-              <a:rPr lang="en-US" sz="2000" dirty="0">
-                <a:cs typeface="Arial" panose="020B0604020202020204" pitchFamily="34" charset="0"/>
-              </a:rPr>
-              <a:t>Integration with Clinical Data: A critical future goal is to connect the model with a real-time clinical database. This integration will facilitate more data collection, thereby expanding the dataset and improving the model's accuracy and effectiveness in helping patients in need.</a:t>
-            </a:r>
-          </a:p>
-          <a:p>
-            <a:endParaRPr lang="tr-TR" sz="2000" dirty="0">
-              <a:cs typeface="Arial" panose="020B0604020202020204" pitchFamily="34" charset="0"/>
-            </a:endParaRPr>
-          </a:p>
-        </p:txBody>
-      </p:sp>
-      <p:sp>
-        <p:nvSpPr>
-          <p:cNvPr id="5" name="TextBox 4">
-            <a:extLst>
-              <a:ext uri="{FF2B5EF4-FFF2-40B4-BE49-F238E27FC236}">
-                <a16:creationId xmlns:a16="http://schemas.microsoft.com/office/drawing/2014/main" id="{384D96C8-FF8C-FF1F-F7FC-8D636C9E744D}"/>
-              </a:ext>
-            </a:extLst>
-          </p:cNvPr>
-          <p:cNvSpPr txBox="1"/>
-          <p:nvPr/>
-        </p:nvSpPr>
-        <p:spPr>
-          <a:xfrm>
-            <a:off x="88776" y="177553"/>
-            <a:ext cx="5066189" cy="276999"/>
-          </a:xfrm>
-          <a:prstGeom prst="rect">
-            <a:avLst/>
-          </a:prstGeom>
-          <a:noFill/>
-        </p:spPr>
-        <p:txBody>
-          <a:bodyPr rot="0" spcFirstLastPara="0" vertOverflow="overflow" horzOverflow="overflow" vert="horz" wrap="square" lIns="91440" tIns="45720" rIns="91440" bIns="45720" numCol="1" spcCol="0" rtlCol="0" fromWordArt="0" anchor="t" anchorCtr="0" forceAA="0" compatLnSpc="1">
-            <a:prstTxWarp prst="textNoShape">
-              <a:avLst/>
-            </a:prstTxWarp>
-            <a:spAutoFit/>
-          </a:bodyPr>
-          <a:lstStyle/>
-          <a:p>
-            <a:r>
-              <a:rPr lang="en-US" sz="1200" dirty="0">
-                <a:cs typeface="Calibri"/>
-              </a:rPr>
-              <a:t>Frontier Tech Leaders </a:t>
-            </a:r>
-            <a:r>
-              <a:rPr lang="en-US" sz="1200" err="1">
-                <a:cs typeface="Calibri"/>
-              </a:rPr>
-              <a:t>Programme</a:t>
-            </a:r>
-            <a:r>
-              <a:rPr lang="en-US" sz="1200" dirty="0">
-                <a:cs typeface="Calibri"/>
-              </a:rPr>
-              <a:t> Global Cohort 1</a:t>
-            </a:r>
-            <a:endParaRPr lang="en-US" sz="1200" dirty="0"/>
-          </a:p>
-        </p:txBody>
-      </p:sp>
-    </p:spTree>
-    <p:extLst>
-      <p:ext uri="{BB962C8B-B14F-4D97-AF65-F5344CB8AC3E}">
-        <p14:creationId xmlns:p14="http://schemas.microsoft.com/office/powerpoint/2010/main" val="3792952612"/>
-      </p:ext>
-    </p:extLst>
-  </p:cSld>
-  <p:clrMapOvr>
-    <a:masterClrMapping/>
-  </p:clrMapOvr>
-</p:sld>
-</file>
-
-<file path=ppt/slides/slide21.xml><?xml version="1.0" encoding="utf-8"?>
-<p:sld xmlns:a="http://schemas.openxmlformats.org/drawingml/2006/main" xmlns:r="http://schemas.openxmlformats.org/officeDocument/2006/relationships" xmlns:p="http://schemas.openxmlformats.org/presentationml/2006/main">
-  <p:cSld>
-    <p:spTree>
-      <p:nvGrpSpPr>
-        <p:cNvPr id="1" name=""/>
-        <p:cNvGrpSpPr/>
-        <p:nvPr/>
-      </p:nvGrpSpPr>
-      <p:grpSpPr>
-        <a:xfrm>
-          <a:off x="0" y="0"/>
-          <a:ext cx="0" cy="0"/>
-          <a:chOff x="0" y="0"/>
-          <a:chExt cx="0" cy="0"/>
-        </a:xfrm>
-      </p:grpSpPr>
-      <p:sp>
-        <p:nvSpPr>
-          <p:cNvPr id="2" name="Title 1">
-            <a:extLst>
-              <a:ext uri="{FF2B5EF4-FFF2-40B4-BE49-F238E27FC236}">
-                <a16:creationId xmlns:a16="http://schemas.microsoft.com/office/drawing/2014/main" id="{F6601C89-436E-AD3C-AF5A-DEC59B995445}"/>
-              </a:ext>
-            </a:extLst>
-          </p:cNvPr>
-          <p:cNvSpPr>
-            <a:spLocks noGrp="1"/>
-          </p:cNvSpPr>
-          <p:nvPr>
-            <p:ph type="title"/>
-          </p:nvPr>
-        </p:nvSpPr>
-        <p:spPr/>
-        <p:txBody>
-          <a:bodyPr/>
-          <a:lstStyle/>
-          <a:p>
-            <a:r>
               <a:rPr lang="tr-TR" dirty="0"/>
               <a:t>References</a:t>
             </a:r>
@@ -18194,7 +17349,7 @@
 </p:sld>
 </file>
 
-<file path=ppt/slides/slide22.xml><?xml version="1.0" encoding="utf-8"?>
+<file path=ppt/slides/slide21.xml><?xml version="1.0" encoding="utf-8"?>
 <p:sld xmlns:a="http://schemas.openxmlformats.org/drawingml/2006/main" xmlns:r="http://schemas.openxmlformats.org/officeDocument/2006/relationships" xmlns:p="http://schemas.openxmlformats.org/presentationml/2006/main">
   <p:cSld>
     <p:spTree>
@@ -18437,370 +17592,6 @@
           <p:cNvPr id="2" name="Title 1">
             <a:extLst>
               <a:ext uri="{FF2B5EF4-FFF2-40B4-BE49-F238E27FC236}">
-                <a16:creationId xmlns:a16="http://schemas.microsoft.com/office/drawing/2014/main" id="{F8646830-C736-B9F3-AD74-ED1BB96E0114}"/>
-              </a:ext>
-            </a:extLst>
-          </p:cNvPr>
-          <p:cNvSpPr>
-            <a:spLocks noGrp="1"/>
-          </p:cNvSpPr>
-          <p:nvPr>
-            <p:ph type="title"/>
-          </p:nvPr>
-        </p:nvSpPr>
-        <p:spPr/>
-        <p:txBody>
-          <a:bodyPr>
-            <a:normAutofit/>
-          </a:bodyPr>
-          <a:lstStyle/>
-          <a:p>
-            <a:r>
-              <a:rPr lang="tr-TR" dirty="0" err="1">
-                <a:solidFill>
-                  <a:schemeClr val="accent1"/>
-                </a:solidFill>
-                <a:cs typeface="Calibri Light"/>
-              </a:rPr>
-              <a:t>Outline</a:t>
-            </a:r>
-          </a:p>
-        </p:txBody>
-      </p:sp>
-      <p:sp>
-        <p:nvSpPr>
-          <p:cNvPr id="3" name="Content Placeholder 2">
-            <a:extLst>
-              <a:ext uri="{FF2B5EF4-FFF2-40B4-BE49-F238E27FC236}">
-                <a16:creationId xmlns:a16="http://schemas.microsoft.com/office/drawing/2014/main" id="{B2C6AF76-1D20-7B7F-2BC6-49C2EDDA6AB3}"/>
-              </a:ext>
-            </a:extLst>
-          </p:cNvPr>
-          <p:cNvSpPr>
-            <a:spLocks noGrp="1"/>
-          </p:cNvSpPr>
-          <p:nvPr>
-            <p:ph idx="1"/>
-          </p:nvPr>
-        </p:nvSpPr>
-        <p:spPr/>
-        <p:txBody>
-          <a:bodyPr anchor="t">
-            <a:noAutofit/>
-          </a:bodyPr>
-          <a:lstStyle/>
-          <a:p>
-            <a:r>
-              <a:rPr lang="en-US" sz="2000" dirty="0">
-                <a:cs typeface="Calibri"/>
-              </a:rPr>
-              <a:t>Concept note and implementation plan:</a:t>
-            </a:r>
-          </a:p>
-          <a:p>
-            <a:pPr lvl="1">
-              <a:buFont typeface="Courier New" panose="020B0604020202020204" pitchFamily="34" charset="0"/>
-              <a:buChar char="o"/>
-            </a:pPr>
-            <a:r>
-              <a:rPr lang="en-US" sz="2000" dirty="0">
-                <a:cs typeface="Calibri"/>
-              </a:rPr>
-              <a:t>Background</a:t>
-            </a:r>
-          </a:p>
-          <a:p>
-            <a:pPr lvl="1">
-              <a:buFont typeface="Courier New" panose="020B0604020202020204" pitchFamily="34" charset="0"/>
-              <a:buChar char="o"/>
-            </a:pPr>
-            <a:r>
-              <a:rPr lang="en-US" sz="2000" dirty="0">
-                <a:cs typeface="Calibri"/>
-              </a:rPr>
-              <a:t>Objectives</a:t>
-            </a:r>
-          </a:p>
-          <a:p>
-            <a:pPr lvl="1">
-              <a:buFont typeface="Courier New" panose="020B0604020202020204" pitchFamily="34" charset="0"/>
-              <a:buChar char="o"/>
-            </a:pPr>
-            <a:r>
-              <a:rPr lang="en-US" sz="2000" dirty="0">
-                <a:cs typeface="Calibri"/>
-              </a:rPr>
-              <a:t>SDG Relation</a:t>
-            </a:r>
-          </a:p>
-          <a:p>
-            <a:r>
-              <a:rPr lang="en-US" sz="2000" dirty="0">
-                <a:cs typeface="Calibri"/>
-              </a:rPr>
-              <a:t>Data</a:t>
-            </a:r>
-          </a:p>
-          <a:p>
-            <a:pPr lvl="1"/>
-            <a:r>
-              <a:rPr lang="en-US" sz="2000" dirty="0">
-                <a:solidFill>
-                  <a:srgbClr val="FFFFFF"/>
-                </a:solidFill>
-                <a:ea typeface="+mn-lt"/>
-                <a:cs typeface="Calibri"/>
-              </a:rPr>
-              <a:t>Data Collection</a:t>
-            </a:r>
-          </a:p>
-          <a:p>
-            <a:pPr lvl="1"/>
-            <a:r>
-              <a:rPr lang="en-US" sz="2000" dirty="0">
-                <a:solidFill>
-                  <a:srgbClr val="FFFFFF"/>
-                </a:solidFill>
-                <a:ea typeface="+mn-lt"/>
-                <a:cs typeface="+mn-lt"/>
-              </a:rPr>
-              <a:t>Exploratory Data Analysis (EDA) and Feature Engineering</a:t>
-            </a:r>
-          </a:p>
-          <a:p>
-            <a:r>
-              <a:rPr lang="en-US" sz="2000" dirty="0">
-                <a:solidFill>
-                  <a:srgbClr val="FFFFFF"/>
-                </a:solidFill>
-                <a:ea typeface="+mn-lt"/>
-                <a:cs typeface="+mn-lt"/>
-              </a:rPr>
-              <a:t>Model Selection and Training</a:t>
-            </a:r>
-          </a:p>
-          <a:p>
-            <a:pPr lvl="1"/>
-            <a:r>
-              <a:rPr lang="en-US" sz="2000" dirty="0">
-                <a:solidFill>
-                  <a:srgbClr val="FFFFFF"/>
-                </a:solidFill>
-                <a:ea typeface="+mn-lt"/>
-                <a:cs typeface="+mn-lt"/>
-              </a:rPr>
-              <a:t>Model Evaluation and Hyperparameter Tuning</a:t>
-            </a:r>
-          </a:p>
-          <a:p>
-            <a:pPr lvl="1"/>
-            <a:r>
-              <a:rPr lang="en-US" sz="2000" dirty="0">
-                <a:solidFill>
-                  <a:srgbClr val="FFFFFF"/>
-                </a:solidFill>
-                <a:ea typeface="+mn-lt"/>
-                <a:cs typeface="+mn-lt"/>
-              </a:rPr>
-              <a:t>Model Refinement and Testing</a:t>
-            </a:r>
-          </a:p>
-          <a:p>
-            <a:r>
-              <a:rPr lang="en-US" sz="2000" dirty="0">
-                <a:solidFill>
-                  <a:srgbClr val="FFFFFF"/>
-                </a:solidFill>
-                <a:ea typeface="+mn-lt"/>
-                <a:cs typeface="+mn-lt"/>
-              </a:rPr>
-              <a:t>Results</a:t>
-            </a:r>
-          </a:p>
-          <a:p>
-            <a:r>
-              <a:rPr lang="en-US" sz="2000" dirty="0">
-                <a:solidFill>
-                  <a:srgbClr val="FFFFFF"/>
-                </a:solidFill>
-                <a:ea typeface="+mn-lt"/>
-                <a:cs typeface="+mn-lt"/>
-              </a:rPr>
-              <a:t>Deployment</a:t>
-            </a:r>
-          </a:p>
-          <a:p>
-            <a:r>
-              <a:rPr lang="en-US" sz="2000" dirty="0">
-                <a:solidFill>
-                  <a:srgbClr val="FFFFFF"/>
-                </a:solidFill>
-                <a:ea typeface="+mn-lt"/>
-                <a:cs typeface="+mn-lt"/>
-              </a:rPr>
-              <a:t>Future Work</a:t>
-            </a:r>
-          </a:p>
-          <a:p>
-            <a:pPr marL="0" indent="0">
-              <a:buNone/>
-            </a:pPr>
-            <a:endParaRPr lang="en-US" dirty="0">
-              <a:solidFill>
-                <a:srgbClr val="FFFFFF"/>
-              </a:solidFill>
-              <a:ea typeface="+mn-lt"/>
-              <a:cs typeface="+mn-lt"/>
-            </a:endParaRPr>
-          </a:p>
-        </p:txBody>
-      </p:sp>
-      <p:sp>
-        <p:nvSpPr>
-          <p:cNvPr id="7" name="Circle: Hollow 6" hidden="1">
-            <a:extLst>
-              <a:ext uri="{FF2B5EF4-FFF2-40B4-BE49-F238E27FC236}">
-                <a16:creationId xmlns:a16="http://schemas.microsoft.com/office/drawing/2014/main" id="{F3DDA129-2FF3-9CDB-B867-3EF91E276EDD}"/>
-              </a:ext>
-            </a:extLst>
-          </p:cNvPr>
-          <p:cNvSpPr/>
-          <p:nvPr/>
-        </p:nvSpPr>
-        <p:spPr>
-          <a:xfrm>
-            <a:off x="6689477" y="1552059"/>
-            <a:ext cx="4664324" cy="4617748"/>
-          </a:xfrm>
-          <a:prstGeom prst="donut">
-            <a:avLst>
-              <a:gd name="adj" fmla="val 7961"/>
-            </a:avLst>
-          </a:prstGeom>
-          <a:solidFill>
-            <a:srgbClr val="2B2551"/>
-          </a:solidFill>
-          <a:ln>
-            <a:noFill/>
-          </a:ln>
-        </p:spPr>
-        <p:style>
-          <a:lnRef idx="2">
-            <a:schemeClr val="accent1">
-              <a:shade val="50000"/>
-            </a:schemeClr>
-          </a:lnRef>
-          <a:fillRef idx="1">
-            <a:schemeClr val="accent1"/>
-          </a:fillRef>
-          <a:effectRef idx="0">
-            <a:schemeClr val="accent1"/>
-          </a:effectRef>
-          <a:fontRef idx="minor">
-            <a:schemeClr val="lt1"/>
-          </a:fontRef>
-        </p:style>
-        <p:txBody>
-          <a:bodyPr rtlCol="0" anchor="ctr"/>
-          <a:lstStyle/>
-          <a:p>
-            <a:pPr algn="ctr"/>
-            <a:endParaRPr lang="en-US">
-              <a:solidFill>
-                <a:schemeClr val="tx1"/>
-              </a:solidFill>
-            </a:endParaRPr>
-          </a:p>
-        </p:txBody>
-      </p:sp>
-      <p:sp>
-        <p:nvSpPr>
-          <p:cNvPr id="8" name="TextBox 7">
-            <a:extLst>
-              <a:ext uri="{FF2B5EF4-FFF2-40B4-BE49-F238E27FC236}">
-                <a16:creationId xmlns:a16="http://schemas.microsoft.com/office/drawing/2014/main" id="{68D8702D-3810-95EE-921B-5D1FEB39E81E}"/>
-              </a:ext>
-            </a:extLst>
-          </p:cNvPr>
-          <p:cNvSpPr txBox="1"/>
-          <p:nvPr/>
-        </p:nvSpPr>
-        <p:spPr>
-          <a:xfrm>
-            <a:off x="88776" y="177553"/>
-            <a:ext cx="5066189" cy="276999"/>
-          </a:xfrm>
-          <a:prstGeom prst="rect">
-            <a:avLst/>
-          </a:prstGeom>
-          <a:noFill/>
-        </p:spPr>
-        <p:txBody>
-          <a:bodyPr rot="0" spcFirstLastPara="0" vertOverflow="overflow" horzOverflow="overflow" vert="horz" wrap="square" lIns="91440" tIns="45720" rIns="91440" bIns="45720" numCol="1" spcCol="0" rtlCol="0" fromWordArt="0" anchor="t" anchorCtr="0" forceAA="0" compatLnSpc="1">
-            <a:prstTxWarp prst="textNoShape">
-              <a:avLst/>
-            </a:prstTxWarp>
-            <a:spAutoFit/>
-          </a:bodyPr>
-          <a:lstStyle/>
-          <a:p>
-            <a:r>
-              <a:rPr lang="en-US" sz="1200" dirty="0">
-                <a:cs typeface="Calibri"/>
-              </a:rPr>
-              <a:t>Frontier Tech Leaders </a:t>
-            </a:r>
-            <a:r>
-              <a:rPr lang="en-US" sz="1200" err="1">
-                <a:cs typeface="Calibri"/>
-              </a:rPr>
-              <a:t>Programme</a:t>
-            </a:r>
-            <a:r>
-              <a:rPr lang="en-US" sz="1200" dirty="0">
-                <a:cs typeface="Calibri"/>
-              </a:rPr>
-              <a:t> Global Cohort 1</a:t>
-            </a:r>
-            <a:endParaRPr lang="en-US" sz="1200" dirty="0"/>
-          </a:p>
-        </p:txBody>
-      </p:sp>
-    </p:spTree>
-    <p:extLst>
-      <p:ext uri="{BB962C8B-B14F-4D97-AF65-F5344CB8AC3E}">
-        <p14:creationId xmlns:p14="http://schemas.microsoft.com/office/powerpoint/2010/main" val="2629373150"/>
-      </p:ext>
-    </p:extLst>
-  </p:cSld>
-  <p:clrMapOvr>
-    <a:masterClrMapping/>
-  </p:clrMapOvr>
-</p:sld>
-</file>
-
-<file path=ppt/slides/slide4.xml><?xml version="1.0" encoding="utf-8"?>
-<p:sld xmlns:a="http://schemas.openxmlformats.org/drawingml/2006/main" xmlns:r="http://schemas.openxmlformats.org/officeDocument/2006/relationships" xmlns:p="http://schemas.openxmlformats.org/presentationml/2006/main">
-  <p:cSld>
-    <p:spTree>
-      <p:nvGrpSpPr>
-        <p:cNvPr id="1" name=""/>
-        <p:cNvGrpSpPr/>
-        <p:nvPr/>
-      </p:nvGrpSpPr>
-      <p:grpSpPr>
-        <a:xfrm>
-          <a:off x="0" y="0"/>
-          <a:ext cx="0" cy="0"/>
-          <a:chOff x="0" y="0"/>
-          <a:chExt cx="0" cy="0"/>
-        </a:xfrm>
-      </p:grpSpPr>
-      <p:sp>
-        <p:nvSpPr>
-          <p:cNvPr id="2" name="Title 1">
-            <a:extLst>
-              <a:ext uri="{FF2B5EF4-FFF2-40B4-BE49-F238E27FC236}">
                 <a16:creationId xmlns:a16="http://schemas.microsoft.com/office/drawing/2014/main" id="{E382CF62-297C-8D0F-E3E5-1BA3EBDCD815}"/>
               </a:ext>
             </a:extLst>
@@ -18896,7 +17687,7 @@
 </p:sld>
 </file>
 
-<file path=ppt/slides/slide5.xml><?xml version="1.0" encoding="utf-8"?>
+<file path=ppt/slides/slide4.xml><?xml version="1.0" encoding="utf-8"?>
 <p:sld xmlns:a="http://schemas.openxmlformats.org/drawingml/2006/main" xmlns:r="http://schemas.openxmlformats.org/officeDocument/2006/relationships" xmlns:p="http://schemas.openxmlformats.org/presentationml/2006/main">
   <p:cSld>
     <p:spTree>
@@ -19488,7 +18279,7 @@
 </p:sld>
 </file>
 
-<file path=ppt/slides/slide6.xml><?xml version="1.0" encoding="utf-8"?>
+<file path=ppt/slides/slide5.xml><?xml version="1.0" encoding="utf-8"?>
 <p:sld xmlns:a="http://schemas.openxmlformats.org/drawingml/2006/main" xmlns:r="http://schemas.openxmlformats.org/officeDocument/2006/relationships" xmlns:p="http://schemas.openxmlformats.org/presentationml/2006/main">
   <p:cSld>
     <p:spTree>
@@ -19996,6 +18787,201 @@
 </p:sld>
 </file>
 
+<file path=ppt/slides/slide6.xml><?xml version="1.0" encoding="utf-8"?>
+<p:sld xmlns:a="http://schemas.openxmlformats.org/drawingml/2006/main" xmlns:r="http://schemas.openxmlformats.org/officeDocument/2006/relationships" xmlns:p="http://schemas.openxmlformats.org/presentationml/2006/main">
+  <p:cSld>
+    <p:spTree>
+      <p:nvGrpSpPr>
+        <p:cNvPr id="1" name=""/>
+        <p:cNvGrpSpPr/>
+        <p:nvPr/>
+      </p:nvGrpSpPr>
+      <p:grpSpPr>
+        <a:xfrm>
+          <a:off x="0" y="0"/>
+          <a:ext cx="0" cy="0"/>
+          <a:chOff x="0" y="0"/>
+          <a:chExt cx="0" cy="0"/>
+        </a:xfrm>
+      </p:grpSpPr>
+      <p:sp>
+        <p:nvSpPr>
+          <p:cNvPr id="2" name="Title 1">
+            <a:extLst>
+              <a:ext uri="{FF2B5EF4-FFF2-40B4-BE49-F238E27FC236}">
+                <a16:creationId xmlns:a16="http://schemas.microsoft.com/office/drawing/2014/main" id="{1243F68E-F8B2-9C08-30C4-42B3A3C94769}"/>
+              </a:ext>
+            </a:extLst>
+          </p:cNvPr>
+          <p:cNvSpPr>
+            <a:spLocks noGrp="1"/>
+          </p:cNvSpPr>
+          <p:nvPr>
+            <p:ph type="title"/>
+          </p:nvPr>
+        </p:nvSpPr>
+        <p:spPr/>
+        <p:txBody>
+          <a:bodyPr/>
+          <a:lstStyle/>
+          <a:p>
+            <a:r>
+              <a:rPr lang="tr-TR" b="1" dirty="0"/>
+              <a:t>SDG Relation</a:t>
+            </a:r>
+            <a:endParaRPr lang="tr-TR" dirty="0"/>
+          </a:p>
+        </p:txBody>
+      </p:sp>
+      <p:sp>
+        <p:nvSpPr>
+          <p:cNvPr id="3" name="Content Placeholder 2">
+            <a:extLst>
+              <a:ext uri="{FF2B5EF4-FFF2-40B4-BE49-F238E27FC236}">
+                <a16:creationId xmlns:a16="http://schemas.microsoft.com/office/drawing/2014/main" id="{AAC0B6D8-ADB6-6B8E-39CB-37E8237FF97F}"/>
+              </a:ext>
+            </a:extLst>
+          </p:cNvPr>
+          <p:cNvSpPr>
+            <a:spLocks noGrp="1"/>
+          </p:cNvSpPr>
+          <p:nvPr>
+            <p:ph idx="1"/>
+          </p:nvPr>
+        </p:nvSpPr>
+        <p:spPr>
+          <a:xfrm>
+            <a:off x="1039653" y="2497669"/>
+            <a:ext cx="10093712" cy="4169743"/>
+          </a:xfrm>
+        </p:spPr>
+        <p:txBody>
+          <a:bodyPr vert="horz" lIns="91440" tIns="45720" rIns="91440" bIns="45720" rtlCol="0" anchor="t">
+            <a:normAutofit/>
+          </a:bodyPr>
+          <a:lstStyle/>
+          <a:p>
+            <a:r>
+              <a:rPr lang="en-US" sz="2000" dirty="0">
+                <a:solidFill>
+                  <a:schemeClr val="tx1"/>
+                </a:solidFill>
+              </a:rPr>
+              <a:t>Target 3.4: Reduce by one-third premature mortality from non-communicable diseases through prevention, treatment, and promotion of mental health and well-being.</a:t>
+            </a:r>
+          </a:p>
+          <a:p>
+            <a:endParaRPr lang="en-US" sz="2000" dirty="0">
+              <a:solidFill>
+                <a:schemeClr val="tx1"/>
+              </a:solidFill>
+            </a:endParaRPr>
+          </a:p>
+          <a:p>
+            <a:pPr>
+              <a:spcBef>
+                <a:spcPts val="0"/>
+              </a:spcBef>
+            </a:pPr>
+            <a:r>
+              <a:rPr lang="en-US" sz="2000" dirty="0">
+                <a:solidFill>
+                  <a:schemeClr val="tx1"/>
+                </a:solidFill>
+              </a:rPr>
+              <a:t>Predictive models contribute to early detection and prevention of heart attacks, which is critical in less developed countries. Implementing these models can lead to timely interventions, reducing the incidence of heart attacks and associated mortality rates.</a:t>
+            </a:r>
+          </a:p>
+          <a:p>
+            <a:pPr>
+              <a:spcBef>
+                <a:spcPts val="0"/>
+              </a:spcBef>
+            </a:pPr>
+            <a:endParaRPr lang="en-US" sz="2000" dirty="0">
+              <a:solidFill>
+                <a:schemeClr val="tx1"/>
+              </a:solidFill>
+            </a:endParaRPr>
+          </a:p>
+          <a:p>
+            <a:r>
+              <a:rPr lang="en-US" sz="2000" dirty="0">
+                <a:solidFill>
+                  <a:schemeClr val="tx1"/>
+                </a:solidFill>
+              </a:rPr>
+              <a:t>By focusing on prevention and early treatment, these models support the broader goal of enhancing overall health and well-being in vulnerable populations.</a:t>
+            </a:r>
+          </a:p>
+        </p:txBody>
+      </p:sp>
+      <p:sp>
+        <p:nvSpPr>
+          <p:cNvPr id="5" name="TextBox 4">
+            <a:extLst>
+              <a:ext uri="{FF2B5EF4-FFF2-40B4-BE49-F238E27FC236}">
+                <a16:creationId xmlns:a16="http://schemas.microsoft.com/office/drawing/2014/main" id="{0AEE5AD5-D9A0-D3E3-831A-DFD32B6A6332}"/>
+              </a:ext>
+            </a:extLst>
+          </p:cNvPr>
+          <p:cNvSpPr txBox="1"/>
+          <p:nvPr/>
+        </p:nvSpPr>
+        <p:spPr>
+          <a:xfrm>
+            <a:off x="88776" y="177553"/>
+            <a:ext cx="5066189" cy="276999"/>
+          </a:xfrm>
+          <a:prstGeom prst="rect">
+            <a:avLst/>
+          </a:prstGeom>
+          <a:noFill/>
+        </p:spPr>
+        <p:txBody>
+          <a:bodyPr rot="0" spcFirstLastPara="0" vertOverflow="overflow" horzOverflow="overflow" vert="horz" wrap="square" lIns="91440" tIns="45720" rIns="91440" bIns="45720" numCol="1" spcCol="0" rtlCol="0" fromWordArt="0" anchor="t" anchorCtr="0" forceAA="0" compatLnSpc="1">
+            <a:prstTxWarp prst="textNoShape">
+              <a:avLst/>
+            </a:prstTxWarp>
+            <a:spAutoFit/>
+          </a:bodyPr>
+          <a:lstStyle/>
+          <a:p>
+            <a:r>
+              <a:rPr lang="en-US" sz="1200" dirty="0">
+                <a:cs typeface="Calibri"/>
+              </a:rPr>
+              <a:t>Frontier Tech Leaders </a:t>
+            </a:r>
+            <a:r>
+              <a:rPr lang="en-US" sz="1200" err="1">
+                <a:cs typeface="Calibri"/>
+              </a:rPr>
+              <a:t>Programme</a:t>
+            </a:r>
+            <a:r>
+              <a:rPr lang="en-US" sz="1200" dirty="0">
+                <a:cs typeface="Calibri"/>
+              </a:rPr>
+              <a:t> Global Cohort 1</a:t>
+            </a:r>
+            <a:endParaRPr lang="en-US" sz="1200" dirty="0"/>
+          </a:p>
+        </p:txBody>
+      </p:sp>
+    </p:spTree>
+    <p:extLst>
+      <p:ext uri="{BB962C8B-B14F-4D97-AF65-F5344CB8AC3E}">
+        <p14:creationId xmlns:p14="http://schemas.microsoft.com/office/powerpoint/2010/main" val="1872175250"/>
+      </p:ext>
+    </p:extLst>
+  </p:cSld>
+  <p:clrMapOvr>
+    <a:masterClrMapping/>
+  </p:clrMapOvr>
+</p:sld>
+</file>
+
 <file path=ppt/slides/slide7.xml><?xml version="1.0" encoding="utf-8"?>
 <p:sld xmlns:a="http://schemas.openxmlformats.org/drawingml/2006/main" xmlns:r="http://schemas.openxmlformats.org/officeDocument/2006/relationships" xmlns:p="http://schemas.openxmlformats.org/presentationml/2006/main">
   <p:cSld>
@@ -20018,7 +19004,7 @@
           <p:cNvPr id="2" name="Title 1">
             <a:extLst>
               <a:ext uri="{FF2B5EF4-FFF2-40B4-BE49-F238E27FC236}">
-                <a16:creationId xmlns:a16="http://schemas.microsoft.com/office/drawing/2014/main" id="{1243F68E-F8B2-9C08-30C4-42B3A3C94769}"/>
+                <a16:creationId xmlns:a16="http://schemas.microsoft.com/office/drawing/2014/main" id="{E382CF62-297C-8D0F-E3E5-1BA3EBDCD815}"/>
               </a:ext>
             </a:extLst>
           </p:cNvPr>
@@ -20031,106 +19017,28 @@
         </p:nvSpPr>
         <p:spPr/>
         <p:txBody>
-          <a:bodyPr/>
-          <a:lstStyle/>
-          <a:p>
-            <a:r>
-              <a:rPr lang="tr-TR" b="1" dirty="0"/>
-              <a:t>SDG Relation</a:t>
-            </a:r>
-            <a:endParaRPr lang="tr-TR" dirty="0"/>
-          </a:p>
-        </p:txBody>
-      </p:sp>
-      <p:sp>
-        <p:nvSpPr>
-          <p:cNvPr id="3" name="Content Placeholder 2">
-            <a:extLst>
-              <a:ext uri="{FF2B5EF4-FFF2-40B4-BE49-F238E27FC236}">
-                <a16:creationId xmlns:a16="http://schemas.microsoft.com/office/drawing/2014/main" id="{AAC0B6D8-ADB6-6B8E-39CB-37E8237FF97F}"/>
-              </a:ext>
-            </a:extLst>
-          </p:cNvPr>
-          <p:cNvSpPr>
-            <a:spLocks noGrp="1"/>
-          </p:cNvSpPr>
-          <p:nvPr>
-            <p:ph idx="1"/>
-          </p:nvPr>
-        </p:nvSpPr>
-        <p:spPr>
-          <a:xfrm>
-            <a:off x="1039653" y="2497669"/>
-            <a:ext cx="10093712" cy="4169743"/>
-          </a:xfrm>
-        </p:spPr>
-        <p:txBody>
-          <a:bodyPr vert="horz" lIns="91440" tIns="45720" rIns="91440" bIns="45720" rtlCol="0" anchor="t">
+          <a:bodyPr>
             <a:normAutofit/>
           </a:bodyPr>
           <a:lstStyle/>
           <a:p>
             <a:r>
-              <a:rPr lang="en-US" sz="2000" dirty="0">
-                <a:solidFill>
-                  <a:schemeClr val="tx1"/>
-                </a:solidFill>
+              <a:rPr lang="en-US" dirty="0">
+                <a:ea typeface="+mj-lt"/>
+                <a:cs typeface="+mj-lt"/>
               </a:rPr>
-              <a:t>Target 3.4: Reduce by one-third premature mortality from non-communicable diseases through prevention, treatment, and promotion of mental health and well-being.</a:t>
-            </a:r>
-          </a:p>
-          <a:p>
-            <a:endParaRPr lang="en-US" sz="2000" dirty="0">
-              <a:solidFill>
-                <a:schemeClr val="tx1"/>
-              </a:solidFill>
-            </a:endParaRPr>
-          </a:p>
-          <a:p>
-            <a:pPr>
-              <a:spcBef>
-                <a:spcPts val="0"/>
-              </a:spcBef>
-            </a:pPr>
-            <a:r>
-              <a:rPr lang="en-US" sz="2000" dirty="0">
-                <a:solidFill>
-                  <a:schemeClr val="tx1"/>
-                </a:solidFill>
-              </a:rPr>
-              <a:t>Predictive models contribute to early detection and prevention of heart attacks, which is critical in less developed countries. Implementing these models can lead to timely interventions, reducing the incidence of heart attacks and associated mortality rates.</a:t>
-            </a:r>
-          </a:p>
-          <a:p>
-            <a:pPr>
-              <a:spcBef>
-                <a:spcPts val="0"/>
-              </a:spcBef>
-            </a:pPr>
-            <a:endParaRPr lang="en-US" sz="2000" dirty="0">
-              <a:solidFill>
-                <a:schemeClr val="tx1"/>
-              </a:solidFill>
-            </a:endParaRPr>
-          </a:p>
-          <a:p>
-            <a:r>
-              <a:rPr lang="en-US" sz="2000" dirty="0">
-                <a:solidFill>
-                  <a:schemeClr val="tx1"/>
-                </a:solidFill>
-              </a:rPr>
-              <a:t>By focusing on prevention and early treatment, these models support the broader goal of enhancing overall health and well-being in vulnerable populations.</a:t>
-            </a:r>
-          </a:p>
-        </p:txBody>
-      </p:sp>
-      <p:sp>
-        <p:nvSpPr>
-          <p:cNvPr id="5" name="TextBox 4">
-            <a:extLst>
-              <a:ext uri="{FF2B5EF4-FFF2-40B4-BE49-F238E27FC236}">
-                <a16:creationId xmlns:a16="http://schemas.microsoft.com/office/drawing/2014/main" id="{0AEE5AD5-D9A0-D3E3-831A-DFD32B6A6332}"/>
+              <a:t>Data</a:t>
+            </a:r>
+            <a:endParaRPr lang="en-US" dirty="0"/>
+          </a:p>
+        </p:txBody>
+      </p:sp>
+      <p:sp>
+        <p:nvSpPr>
+          <p:cNvPr id="4" name="TextBox 3">
+            <a:extLst>
+              <a:ext uri="{FF2B5EF4-FFF2-40B4-BE49-F238E27FC236}">
+                <a16:creationId xmlns:a16="http://schemas.microsoft.com/office/drawing/2014/main" id="{3831E698-AC64-A6F4-2958-27D7E92C645A}"/>
               </a:ext>
             </a:extLst>
           </p:cNvPr>
@@ -20181,7 +19089,7 @@
     </p:spTree>
     <p:extLst>
       <p:ext uri="{BB962C8B-B14F-4D97-AF65-F5344CB8AC3E}">
-        <p14:creationId xmlns:p14="http://schemas.microsoft.com/office/powerpoint/2010/main" val="1872175250"/>
+        <p14:creationId xmlns:p14="http://schemas.microsoft.com/office/powerpoint/2010/main" val="627935049"/>
       </p:ext>
     </p:extLst>
   </p:cSld>
@@ -20213,7 +19121,7 @@
           <p:cNvPr id="2" name="Title 1">
             <a:extLst>
               <a:ext uri="{FF2B5EF4-FFF2-40B4-BE49-F238E27FC236}">
-                <a16:creationId xmlns:a16="http://schemas.microsoft.com/office/drawing/2014/main" id="{E382CF62-297C-8D0F-E3E5-1BA3EBDCD815}"/>
+                <a16:creationId xmlns:a16="http://schemas.microsoft.com/office/drawing/2014/main" id="{0AF88248-FC2B-D862-07C4-972FEF33EF78}"/>
               </a:ext>
             </a:extLst>
           </p:cNvPr>
@@ -20225,29 +19133,221 @@
           </p:nvPr>
         </p:nvSpPr>
         <p:spPr/>
+        <p:txBody>
+          <a:bodyPr/>
+          <a:lstStyle/>
+          <a:p>
+            <a:r>
+              <a:rPr lang="en-US" b="1" dirty="0"/>
+              <a:t>Data Collection</a:t>
+            </a:r>
+            <a:r>
+              <a:rPr lang="tr-TR" b="1" dirty="0"/>
+              <a:t> </a:t>
+            </a:r>
+            <a:endParaRPr lang="tr-TR" dirty="0"/>
+          </a:p>
+        </p:txBody>
+      </p:sp>
+      <p:sp>
+        <p:nvSpPr>
+          <p:cNvPr id="3" name="Content Placeholder 2">
+            <a:extLst>
+              <a:ext uri="{FF2B5EF4-FFF2-40B4-BE49-F238E27FC236}">
+                <a16:creationId xmlns:a16="http://schemas.microsoft.com/office/drawing/2014/main" id="{40094B93-C07E-2390-6C86-761633280A8D}"/>
+              </a:ext>
+            </a:extLst>
+          </p:cNvPr>
+          <p:cNvSpPr>
+            <a:spLocks noGrp="1"/>
+          </p:cNvSpPr>
+          <p:nvPr>
+            <p:ph idx="1"/>
+          </p:nvPr>
+        </p:nvSpPr>
+        <p:spPr>
+          <a:xfrm>
+            <a:off x="1058636" y="2337632"/>
+            <a:ext cx="10093712" cy="4169743"/>
+          </a:xfrm>
+        </p:spPr>
         <p:txBody>
           <a:bodyPr>
             <a:normAutofit/>
           </a:bodyPr>
           <a:lstStyle/>
           <a:p>
-            <a:r>
-              <a:rPr lang="en-US" dirty="0">
-                <a:ea typeface="+mj-lt"/>
-                <a:cs typeface="+mj-lt"/>
+            <a:pPr>
+              <a:buFont typeface="Arial" panose="020B0604020202020204" pitchFamily="34" charset="0"/>
+              <a:buChar char="•"/>
+            </a:pPr>
+            <a:r>
+              <a:rPr lang="en-US" sz="2000" dirty="0">
+                <a:cs typeface="Arial" panose="020B0604020202020204" pitchFamily="34" charset="0"/>
               </a:rPr>
-              <a:t>Data</a:t>
-            </a:r>
-            <a:endParaRPr lang="en-US" dirty="0"/>
-          </a:p>
-        </p:txBody>
-      </p:sp>
-      <p:sp>
-        <p:nvSpPr>
-          <p:cNvPr id="4" name="TextBox 3">
-            <a:extLst>
-              <a:ext uri="{FF2B5EF4-FFF2-40B4-BE49-F238E27FC236}">
-                <a16:creationId xmlns:a16="http://schemas.microsoft.com/office/drawing/2014/main" id="{3831E698-AC64-A6F4-2958-27D7E92C645A}"/>
+              <a:t>Source: UCI Machine Learning Repository’s Heart Disease dataset.</a:t>
+            </a:r>
+          </a:p>
+          <a:p>
+            <a:pPr>
+              <a:buFont typeface="Arial" panose="020B0604020202020204" pitchFamily="34" charset="0"/>
+              <a:buChar char="•"/>
+            </a:pPr>
+            <a:r>
+              <a:rPr lang="en-US" sz="2000" dirty="0">
+                <a:cs typeface="Arial" panose="020B0604020202020204" pitchFamily="34" charset="0"/>
+              </a:rPr>
+              <a:t>Description: Features include age, sex, chest pain type (cp), resting blood pressure (</a:t>
+            </a:r>
+            <a:r>
+              <a:rPr lang="en-US" sz="2000" dirty="0" err="1">
+                <a:cs typeface="Arial" panose="020B0604020202020204" pitchFamily="34" charset="0"/>
+              </a:rPr>
+              <a:t>trtbps</a:t>
+            </a:r>
+            <a:r>
+              <a:rPr lang="en-US" sz="2000" dirty="0">
+                <a:cs typeface="Arial" panose="020B0604020202020204" pitchFamily="34" charset="0"/>
+              </a:rPr>
+              <a:t>), cholesterol (</a:t>
+            </a:r>
+            <a:r>
+              <a:rPr lang="en-US" sz="2000" dirty="0" err="1">
+                <a:cs typeface="Arial" panose="020B0604020202020204" pitchFamily="34" charset="0"/>
+              </a:rPr>
+              <a:t>chol</a:t>
+            </a:r>
+            <a:r>
+              <a:rPr lang="en-US" sz="2000" dirty="0">
+                <a:cs typeface="Arial" panose="020B0604020202020204" pitchFamily="34" charset="0"/>
+              </a:rPr>
+              <a:t>), fasting blood sugar (</a:t>
+            </a:r>
+            <a:r>
+              <a:rPr lang="en-US" sz="2000" dirty="0" err="1">
+                <a:cs typeface="Arial" panose="020B0604020202020204" pitchFamily="34" charset="0"/>
+              </a:rPr>
+              <a:t>fbs</a:t>
+            </a:r>
+            <a:r>
+              <a:rPr lang="en-US" sz="2000" dirty="0">
+                <a:cs typeface="Arial" panose="020B0604020202020204" pitchFamily="34" charset="0"/>
+              </a:rPr>
+              <a:t>), resting ECG results (</a:t>
+            </a:r>
+            <a:r>
+              <a:rPr lang="en-US" sz="2000" dirty="0" err="1">
+                <a:cs typeface="Arial" panose="020B0604020202020204" pitchFamily="34" charset="0"/>
+              </a:rPr>
+              <a:t>restecg</a:t>
+            </a:r>
+            <a:r>
+              <a:rPr lang="en-US" sz="2000" dirty="0">
+                <a:cs typeface="Arial" panose="020B0604020202020204" pitchFamily="34" charset="0"/>
+              </a:rPr>
+              <a:t>), maximum heart rate achieved (</a:t>
+            </a:r>
+            <a:r>
+              <a:rPr lang="en-US" sz="2000" dirty="0" err="1">
+                <a:cs typeface="Arial" panose="020B0604020202020204" pitchFamily="34" charset="0"/>
+              </a:rPr>
+              <a:t>thalachh</a:t>
+            </a:r>
+            <a:r>
+              <a:rPr lang="en-US" sz="2000" dirty="0">
+                <a:cs typeface="Arial" panose="020B0604020202020204" pitchFamily="34" charset="0"/>
+              </a:rPr>
+              <a:t>), exercise-induced angina (</a:t>
+            </a:r>
+            <a:r>
+              <a:rPr lang="en-US" sz="2000" dirty="0" err="1">
+                <a:cs typeface="Arial" panose="020B0604020202020204" pitchFamily="34" charset="0"/>
+              </a:rPr>
+              <a:t>exng</a:t>
+            </a:r>
+            <a:r>
+              <a:rPr lang="en-US" sz="2000" dirty="0">
+                <a:cs typeface="Arial" panose="020B0604020202020204" pitchFamily="34" charset="0"/>
+              </a:rPr>
+              <a:t>), ST depression induced by exercise (</a:t>
+            </a:r>
+            <a:r>
+              <a:rPr lang="en-US" sz="2000" dirty="0" err="1">
+                <a:cs typeface="Arial" panose="020B0604020202020204" pitchFamily="34" charset="0"/>
+              </a:rPr>
+              <a:t>oldpeak</a:t>
+            </a:r>
+            <a:r>
+              <a:rPr lang="en-US" sz="2000" dirty="0">
+                <a:cs typeface="Arial" panose="020B0604020202020204" pitchFamily="34" charset="0"/>
+              </a:rPr>
+              <a:t>), slope of the peak exercise ST segment (</a:t>
+            </a:r>
+            <a:r>
+              <a:rPr lang="en-US" sz="2000" dirty="0" err="1">
+                <a:cs typeface="Arial" panose="020B0604020202020204" pitchFamily="34" charset="0"/>
+              </a:rPr>
+              <a:t>slp</a:t>
+            </a:r>
+            <a:r>
+              <a:rPr lang="en-US" sz="2000" dirty="0">
+                <a:cs typeface="Arial" panose="020B0604020202020204" pitchFamily="34" charset="0"/>
+              </a:rPr>
+              <a:t>), number of major vessels colored by fluoroscopy (</a:t>
+            </a:r>
+            <a:r>
+              <a:rPr lang="en-US" sz="2000" dirty="0" err="1">
+                <a:cs typeface="Arial" panose="020B0604020202020204" pitchFamily="34" charset="0"/>
+              </a:rPr>
+              <a:t>caa</a:t>
+            </a:r>
+            <a:r>
+              <a:rPr lang="en-US" sz="2000" dirty="0">
+                <a:cs typeface="Arial" panose="020B0604020202020204" pitchFamily="34" charset="0"/>
+              </a:rPr>
+              <a:t>), and thalassemia (</a:t>
+            </a:r>
+            <a:r>
+              <a:rPr lang="en-US" sz="2000" dirty="0" err="1">
+                <a:cs typeface="Arial" panose="020B0604020202020204" pitchFamily="34" charset="0"/>
+              </a:rPr>
+              <a:t>thall</a:t>
+            </a:r>
+            <a:r>
+              <a:rPr lang="en-US" sz="2000" dirty="0">
+                <a:cs typeface="Arial" panose="020B0604020202020204" pitchFamily="34" charset="0"/>
+              </a:rPr>
+              <a:t>).Target: Presence or absence of heart disease.</a:t>
+            </a:r>
+          </a:p>
+          <a:p>
+            <a:pPr>
+              <a:buFont typeface="Arial" panose="020B0604020202020204" pitchFamily="34" charset="0"/>
+              <a:buChar char="•"/>
+            </a:pPr>
+            <a:r>
+              <a:rPr lang="en-US" sz="2000" dirty="0">
+                <a:cs typeface="Arial" panose="020B0604020202020204" pitchFamily="34" charset="0"/>
+              </a:rPr>
+              <a:t>Preprocessing: Handling missing values, outliers, and normalizing data. Incorporating data from diverse demographics to ensure model robustness and applicability to less developed regions.</a:t>
+            </a:r>
+          </a:p>
+          <a:p>
+            <a:endParaRPr lang="en-US" sz="2000" b="1" i="0" u="none" strike="noStrike" kern="1200" noProof="0" dirty="0">
+              <a:solidFill>
+                <a:srgbClr val="FFFFFF"/>
+              </a:solidFill>
+              <a:cs typeface="Arial" panose="020B0604020202020204" pitchFamily="34" charset="0"/>
+            </a:endParaRPr>
+          </a:p>
+        </p:txBody>
+      </p:sp>
+      <p:sp>
+        <p:nvSpPr>
+          <p:cNvPr id="5" name="TextBox 4">
+            <a:extLst>
+              <a:ext uri="{FF2B5EF4-FFF2-40B4-BE49-F238E27FC236}">
+                <a16:creationId xmlns:a16="http://schemas.microsoft.com/office/drawing/2014/main" id="{3B72C810-9CE5-BE29-6BFC-F187529B165A}"/>
               </a:ext>
             </a:extLst>
           </p:cNvPr>
@@ -20298,7 +19398,7 @@
     </p:spTree>
     <p:extLst>
       <p:ext uri="{BB962C8B-B14F-4D97-AF65-F5344CB8AC3E}">
-        <p14:creationId xmlns:p14="http://schemas.microsoft.com/office/powerpoint/2010/main" val="627935049"/>
+        <p14:creationId xmlns:p14="http://schemas.microsoft.com/office/powerpoint/2010/main" val="3530613526"/>
       </p:ext>
     </p:extLst>
   </p:cSld>
@@ -20330,7 +19430,7 @@
           <p:cNvPr id="2" name="Title 1">
             <a:extLst>
               <a:ext uri="{FF2B5EF4-FFF2-40B4-BE49-F238E27FC236}">
-                <a16:creationId xmlns:a16="http://schemas.microsoft.com/office/drawing/2014/main" id="{0AF88248-FC2B-D862-07C4-972FEF33EF78}"/>
+                <a16:creationId xmlns:a16="http://schemas.microsoft.com/office/drawing/2014/main" id="{F6601C89-436E-AD3C-AF5A-DEC59B995445}"/>
               </a:ext>
             </a:extLst>
           </p:cNvPr>
@@ -20343,17 +19443,31 @@
         </p:nvSpPr>
         <p:spPr/>
         <p:txBody>
-          <a:bodyPr/>
+          <a:bodyPr>
+            <a:normAutofit fontScale="90000"/>
+          </a:bodyPr>
           <a:lstStyle/>
           <a:p>
             <a:r>
               <a:rPr lang="en-US" b="1" dirty="0"/>
-              <a:t>Data Collection</a:t>
+              <a:t>Exploratory Data Analysis (EDA)</a:t>
             </a:r>
             <a:r>
               <a:rPr lang="tr-TR" b="1" dirty="0"/>
               <a:t> </a:t>
             </a:r>
+            <a:r>
+              <a:rPr lang="tr-TR" b="1" dirty="0" err="1"/>
+              <a:t>and</a:t>
+            </a:r>
+            <a:r>
+              <a:rPr lang="tr-TR" b="1" dirty="0"/>
+              <a:t> </a:t>
+            </a:r>
+            <a:r>
+              <a:rPr lang="en-US" b="1" dirty="0"/>
+              <a:t>Feature Engineering</a:t>
+            </a:r>
             <a:endParaRPr lang="tr-TR" dirty="0"/>
           </a:p>
         </p:txBody>
@@ -20363,7 +19477,7 @@
           <p:cNvPr id="3" name="Content Placeholder 2">
             <a:extLst>
               <a:ext uri="{FF2B5EF4-FFF2-40B4-BE49-F238E27FC236}">
-                <a16:creationId xmlns:a16="http://schemas.microsoft.com/office/drawing/2014/main" id="{40094B93-C07E-2390-6C86-761633280A8D}"/>
+                <a16:creationId xmlns:a16="http://schemas.microsoft.com/office/drawing/2014/main" id="{9527CBB5-FCE1-A315-951E-ACBCC104C4CE}"/>
               </a:ext>
             </a:extLst>
           </p:cNvPr>
@@ -20374,181 +19488,82 @@
             <p:ph idx="1"/>
           </p:nvPr>
         </p:nvSpPr>
-        <p:spPr>
-          <a:xfrm>
-            <a:off x="1058636" y="2337632"/>
-            <a:ext cx="10093712" cy="4169743"/>
-          </a:xfrm>
-        </p:spPr>
+        <p:spPr/>
         <p:txBody>
           <a:bodyPr>
-            <a:normAutofit/>
+            <a:noAutofit/>
           </a:bodyPr>
           <a:lstStyle/>
           <a:p>
-            <a:pPr>
-              <a:buFont typeface="Arial" panose="020B0604020202020204" pitchFamily="34" charset="0"/>
-              <a:buChar char="•"/>
+            <a:pPr marL="0" indent="0">
+              <a:buNone/>
             </a:pPr>
-            <a:r>
-              <a:rPr lang="en-US" sz="2000" dirty="0">
-                <a:cs typeface="Arial" panose="020B0604020202020204" pitchFamily="34" charset="0"/>
-              </a:rPr>
-              <a:t>Source: UCI Machine Learning Repository’s Heart Disease dataset.</a:t>
-            </a:r>
-          </a:p>
-          <a:p>
-            <a:pPr>
-              <a:buFont typeface="Arial" panose="020B0604020202020204" pitchFamily="34" charset="0"/>
-              <a:buChar char="•"/>
-            </a:pPr>
-            <a:r>
-              <a:rPr lang="en-US" sz="2000" dirty="0">
-                <a:cs typeface="Arial" panose="020B0604020202020204" pitchFamily="34" charset="0"/>
-              </a:rPr>
-              <a:t>Description: Features include age, sex, chest pain type (cp), resting blood pressure (</a:t>
-            </a:r>
-            <a:r>
-              <a:rPr lang="en-US" sz="2000" dirty="0" err="1">
-                <a:cs typeface="Arial" panose="020B0604020202020204" pitchFamily="34" charset="0"/>
-              </a:rPr>
-              <a:t>trtbps</a:t>
-            </a:r>
-            <a:r>
-              <a:rPr lang="en-US" sz="2000" dirty="0">
-                <a:cs typeface="Arial" panose="020B0604020202020204" pitchFamily="34" charset="0"/>
-              </a:rPr>
-              <a:t>), cholesterol (</a:t>
-            </a:r>
-            <a:r>
-              <a:rPr lang="en-US" sz="2000" dirty="0" err="1">
-                <a:cs typeface="Arial" panose="020B0604020202020204" pitchFamily="34" charset="0"/>
-              </a:rPr>
-              <a:t>chol</a:t>
-            </a:r>
-            <a:r>
-              <a:rPr lang="en-US" sz="2000" dirty="0">
-                <a:cs typeface="Arial" panose="020B0604020202020204" pitchFamily="34" charset="0"/>
-              </a:rPr>
-              <a:t>), fasting blood sugar (</a:t>
-            </a:r>
-            <a:r>
-              <a:rPr lang="en-US" sz="2000" dirty="0" err="1">
-                <a:cs typeface="Arial" panose="020B0604020202020204" pitchFamily="34" charset="0"/>
-              </a:rPr>
-              <a:t>fbs</a:t>
-            </a:r>
-            <a:r>
-              <a:rPr lang="en-US" sz="2000" dirty="0">
-                <a:cs typeface="Arial" panose="020B0604020202020204" pitchFamily="34" charset="0"/>
-              </a:rPr>
-              <a:t>), resting ECG results (</a:t>
-            </a:r>
-            <a:r>
-              <a:rPr lang="en-US" sz="2000" dirty="0" err="1">
-                <a:cs typeface="Arial" panose="020B0604020202020204" pitchFamily="34" charset="0"/>
-              </a:rPr>
-              <a:t>restecg</a:t>
-            </a:r>
-            <a:r>
-              <a:rPr lang="en-US" sz="2000" dirty="0">
-                <a:cs typeface="Arial" panose="020B0604020202020204" pitchFamily="34" charset="0"/>
-              </a:rPr>
-              <a:t>), maximum heart rate achieved (</a:t>
-            </a:r>
-            <a:r>
-              <a:rPr lang="en-US" sz="2000" dirty="0" err="1">
-                <a:cs typeface="Arial" panose="020B0604020202020204" pitchFamily="34" charset="0"/>
-              </a:rPr>
-              <a:t>thalachh</a:t>
-            </a:r>
-            <a:r>
-              <a:rPr lang="en-US" sz="2000" dirty="0">
-                <a:cs typeface="Arial" panose="020B0604020202020204" pitchFamily="34" charset="0"/>
-              </a:rPr>
-              <a:t>), exercise-induced angina (</a:t>
-            </a:r>
-            <a:r>
-              <a:rPr lang="en-US" sz="2000" dirty="0" err="1">
-                <a:cs typeface="Arial" panose="020B0604020202020204" pitchFamily="34" charset="0"/>
-              </a:rPr>
-              <a:t>exng</a:t>
-            </a:r>
-            <a:r>
-              <a:rPr lang="en-US" sz="2000" dirty="0">
-                <a:cs typeface="Arial" panose="020B0604020202020204" pitchFamily="34" charset="0"/>
-              </a:rPr>
-              <a:t>), ST depression induced by exercise (</a:t>
-            </a:r>
-            <a:r>
-              <a:rPr lang="en-US" sz="2000" dirty="0" err="1">
-                <a:cs typeface="Arial" panose="020B0604020202020204" pitchFamily="34" charset="0"/>
-              </a:rPr>
-              <a:t>oldpeak</a:t>
-            </a:r>
-            <a:r>
-              <a:rPr lang="en-US" sz="2000" dirty="0">
-                <a:cs typeface="Arial" panose="020B0604020202020204" pitchFamily="34" charset="0"/>
-              </a:rPr>
-              <a:t>), slope of the peak exercise ST segment (</a:t>
-            </a:r>
-            <a:r>
-              <a:rPr lang="en-US" sz="2000" dirty="0" err="1">
-                <a:cs typeface="Arial" panose="020B0604020202020204" pitchFamily="34" charset="0"/>
-              </a:rPr>
-              <a:t>slp</a:t>
-            </a:r>
-            <a:r>
-              <a:rPr lang="en-US" sz="2000" dirty="0">
-                <a:cs typeface="Arial" panose="020B0604020202020204" pitchFamily="34" charset="0"/>
-              </a:rPr>
-              <a:t>), number of major vessels colored by fluoroscopy (</a:t>
-            </a:r>
-            <a:r>
-              <a:rPr lang="en-US" sz="2000" dirty="0" err="1">
-                <a:cs typeface="Arial" panose="020B0604020202020204" pitchFamily="34" charset="0"/>
-              </a:rPr>
-              <a:t>caa</a:t>
-            </a:r>
-            <a:r>
-              <a:rPr lang="en-US" sz="2000" dirty="0">
-                <a:cs typeface="Arial" panose="020B0604020202020204" pitchFamily="34" charset="0"/>
-              </a:rPr>
-              <a:t>), and thalassemia (</a:t>
-            </a:r>
-            <a:r>
-              <a:rPr lang="en-US" sz="2000" dirty="0" err="1">
-                <a:cs typeface="Arial" panose="020B0604020202020204" pitchFamily="34" charset="0"/>
-              </a:rPr>
-              <a:t>thall</a:t>
-            </a:r>
-            <a:r>
-              <a:rPr lang="en-US" sz="2000" dirty="0">
-                <a:cs typeface="Arial" panose="020B0604020202020204" pitchFamily="34" charset="0"/>
-              </a:rPr>
-              <a:t>).Target: Presence or absence of heart disease.</a:t>
-            </a:r>
-          </a:p>
-          <a:p>
-            <a:pPr>
-              <a:buFont typeface="Arial" panose="020B0604020202020204" pitchFamily="34" charset="0"/>
-              <a:buChar char="•"/>
-            </a:pPr>
-            <a:r>
-              <a:rPr lang="en-US" sz="2000" dirty="0">
-                <a:cs typeface="Arial" panose="020B0604020202020204" pitchFamily="34" charset="0"/>
-              </a:rPr>
-              <a:t>Preprocessing: Handling missing values, outliers, and normalizing data. Incorporating data from diverse demographics to ensure model robustness and applicability to less developed regions.</a:t>
-            </a:r>
-          </a:p>
-          <a:p>
-            <a:endParaRPr lang="en-US" sz="2000" b="1" i="0" u="none" strike="noStrike" kern="1200" noProof="0" dirty="0">
+            <a:endParaRPr lang="en-US" sz="2400" b="1" i="0" u="none" strike="noStrike" kern="1200" noProof="0" dirty="0">
               <a:solidFill>
                 <a:srgbClr val="FFFFFF"/>
               </a:solidFill>
               <a:cs typeface="Arial" panose="020B0604020202020204" pitchFamily="34" charset="0"/>
             </a:endParaRPr>
           </a:p>
+          <a:p>
+            <a:pPr>
+              <a:buFont typeface="Arial" panose="020B0604020202020204" pitchFamily="34" charset="0"/>
+              <a:buChar char="•"/>
+            </a:pPr>
+            <a:r>
+              <a:rPr lang="en-US" sz="2400" dirty="0">
+                <a:cs typeface="Arial" panose="020B0604020202020204" pitchFamily="34" charset="0"/>
+              </a:rPr>
+              <a:t>Visualize feature distributions and target variable.</a:t>
+            </a:r>
+          </a:p>
+          <a:p>
+            <a:pPr>
+              <a:buFont typeface="Arial" panose="020B0604020202020204" pitchFamily="34" charset="0"/>
+              <a:buChar char="•"/>
+            </a:pPr>
+            <a:endParaRPr lang="en-US" sz="2400" dirty="0">
+              <a:cs typeface="Arial" panose="020B0604020202020204" pitchFamily="34" charset="0"/>
+            </a:endParaRPr>
+          </a:p>
+          <a:p>
+            <a:pPr>
+              <a:buFont typeface="Arial" panose="020B0604020202020204" pitchFamily="34" charset="0"/>
+              <a:buChar char="•"/>
+            </a:pPr>
+            <a:r>
+              <a:rPr lang="en-US" sz="2400" dirty="0">
+                <a:cs typeface="Arial" panose="020B0604020202020204" pitchFamily="34" charset="0"/>
+              </a:rPr>
+              <a:t>Identify correlations between features and the target.</a:t>
+            </a:r>
+          </a:p>
+          <a:p>
+            <a:pPr>
+              <a:buFont typeface="Arial" panose="020B0604020202020204" pitchFamily="34" charset="0"/>
+              <a:buChar char="•"/>
+            </a:pPr>
+            <a:endParaRPr lang="en-US" sz="2400" dirty="0">
+              <a:cs typeface="Arial" panose="020B0604020202020204" pitchFamily="34" charset="0"/>
+            </a:endParaRPr>
+          </a:p>
+          <a:p>
+            <a:pPr>
+              <a:buFont typeface="Arial" panose="020B0604020202020204" pitchFamily="34" charset="0"/>
+              <a:buChar char="•"/>
+            </a:pPr>
+            <a:r>
+              <a:rPr lang="en-US" sz="2400" dirty="0">
+                <a:cs typeface="Arial" panose="020B0604020202020204" pitchFamily="34" charset="0"/>
+              </a:rPr>
+              <a:t>Insights: Older individuals have higher heart attack risks; chest pain type and maximum heart rate are significant indicators.</a:t>
+            </a:r>
+          </a:p>
+          <a:p>
+            <a:endParaRPr lang="tr-TR" sz="2400" dirty="0">
+              <a:cs typeface="Arial" panose="020B0604020202020204" pitchFamily="34" charset="0"/>
+            </a:endParaRPr>
+          </a:p>
         </p:txBody>
       </p:sp>
       <p:sp>
@@ -20556,7 +19571,7 @@
           <p:cNvPr id="5" name="TextBox 4">
             <a:extLst>
               <a:ext uri="{FF2B5EF4-FFF2-40B4-BE49-F238E27FC236}">
-                <a16:creationId xmlns:a16="http://schemas.microsoft.com/office/drawing/2014/main" id="{3B72C810-9CE5-BE29-6BFC-F187529B165A}"/>
+                <a16:creationId xmlns:a16="http://schemas.microsoft.com/office/drawing/2014/main" id="{394F1C97-E3C4-F82E-D583-F3B8A955674C}"/>
               </a:ext>
             </a:extLst>
           </p:cNvPr>
@@ -20607,7 +19622,7 @@
     </p:spTree>
     <p:extLst>
       <p:ext uri="{BB962C8B-B14F-4D97-AF65-F5344CB8AC3E}">
-        <p14:creationId xmlns:p14="http://schemas.microsoft.com/office/powerpoint/2010/main" val="3530613526"/>
+        <p14:creationId xmlns:p14="http://schemas.microsoft.com/office/powerpoint/2010/main" val="3784368180"/>
       </p:ext>
     </p:extLst>
   </p:cSld>
@@ -22111,15 +21126,6 @@
 </file>
 
 <file path=customXml/item2.xml><?xml version="1.0" encoding="utf-8"?>
-<?mso-contentType ?>
-<FormTemplates xmlns="http://schemas.microsoft.com/sharepoint/v3/contenttype/forms">
-  <Display>DocumentLibraryForm</Display>
-  <Edit>DocumentLibraryForm</Edit>
-  <New>DocumentLibraryForm</New>
-</FormTemplates>
-</file>
-
-<file path=customXml/item3.xml><?xml version="1.0" encoding="utf-8"?>
 <ct:contentTypeSchema xmlns:ct="http://schemas.microsoft.com/office/2006/metadata/contentType" xmlns:ma="http://schemas.microsoft.com/office/2006/metadata/properties/metaAttributes" ct:_="" ma:_="" ma:contentTypeName="Document" ma:contentTypeID="0x010100F4E2296B40A12549AAF59F14837A4C74" ma:contentTypeVersion="13" ma:contentTypeDescription="Create a new document." ma:contentTypeScope="" ma:versionID="8dcfb88d3270fafa381daa4411591c9c">
   <xsd:schema xmlns:xsd="http://www.w3.org/2001/XMLSchema" xmlns:xs="http://www.w3.org/2001/XMLSchema" xmlns:p="http://schemas.microsoft.com/office/2006/metadata/properties" xmlns:ns2="30072bdd-44e3-492a-9bf3-41313a20fa59" xmlns:ns3="8024aa29-09e0-41bf-a8ba-de7a3ccff2d2" targetNamespace="http://schemas.microsoft.com/office/2006/metadata/properties" ma:root="true" ma:fieldsID="f2130b10d26f37cd1d597ea78e321af3" ns2:_="" ns3:_="">
     <xsd:import namespace="30072bdd-44e3-492a-9bf3-41313a20fa59"/>
@@ -22342,6 +21348,15 @@
 </ct:contentTypeSchema>
 </file>
 
+<file path=customXml/item3.xml><?xml version="1.0" encoding="utf-8"?>
+<?mso-contentType ?>
+<FormTemplates xmlns="http://schemas.microsoft.com/sharepoint/v3/contenttype/forms">
+  <Display>DocumentLibraryForm</Display>
+  <Edit>DocumentLibraryForm</Edit>
+  <New>DocumentLibraryForm</New>
+</FormTemplates>
+</file>
+
 <file path=customXml/itemProps1.xml><?xml version="1.0" encoding="utf-8"?>
 <ds:datastoreItem xmlns:ds="http://schemas.openxmlformats.org/officeDocument/2006/customXml" ds:itemID="{0DEDE2C8-FC7C-4381-A834-6FD8DD37E8B0}">
   <ds:schemaRefs>
@@ -22362,14 +21377,6 @@
 </file>
 
 <file path=customXml/itemProps2.xml><?xml version="1.0" encoding="utf-8"?>
-<ds:datastoreItem xmlns:ds="http://schemas.openxmlformats.org/officeDocument/2006/customXml" ds:itemID="{1673DD53-6A06-4588-9E9A-777572FF2106}">
-  <ds:schemaRefs>
-    <ds:schemaRef ds:uri="http://schemas.microsoft.com/sharepoint/v3/contenttype/forms"/>
-  </ds:schemaRefs>
-</ds:datastoreItem>
-</file>
-
-<file path=customXml/itemProps3.xml><?xml version="1.0" encoding="utf-8"?>
 <ds:datastoreItem xmlns:ds="http://schemas.openxmlformats.org/officeDocument/2006/customXml" ds:itemID="{E62FF70B-FFC7-48CB-B09C-960C61FEE494}">
   <ds:schemaRefs>
     <ds:schemaRef ds:uri="http://schemas.microsoft.com/office/2006/metadata/contentType"/>
@@ -22386,4 +21393,12 @@
     <ds:schemaRef ds:uri="http://schemas.microsoft.com/internal/obd"/>
   </ds:schemaRefs>
 </ds:datastoreItem>
+</file>
+
+<file path=customXml/itemProps3.xml><?xml version="1.0" encoding="utf-8"?>
+<ds:datastoreItem xmlns:ds="http://schemas.openxmlformats.org/officeDocument/2006/customXml" ds:itemID="{1673DD53-6A06-4588-9E9A-777572FF2106}">
+  <ds:schemaRefs>
+    <ds:schemaRef ds:uri="http://schemas.microsoft.com/sharepoint/v3/contenttype/forms"/>
+  </ds:schemaRefs>
+</ds:datastoreItem>
 </file>
--- a/Hasibullah_Mohmand_Hattack.ai_Presentation .pptx
+++ b/Hasibullah_Mohmand_Hattack.ai_Presentation .pptx
@@ -8,7 +8,7 @@
     <p:sldMasterId id="2147483717" r:id="rId7"/>
   </p:sldMasterIdLst>
   <p:notesMasterIdLst>
-    <p:notesMasterId r:id="rId29"/>
+    <p:notesMasterId r:id="rId31"/>
   </p:notesMasterIdLst>
   <p:sldIdLst>
     <p:sldId id="450" r:id="rId8"/>
@@ -20,18 +20,20 @@
     <p:sldId id="448" r:id="rId14"/>
     <p:sldId id="417" r:id="rId15"/>
     <p:sldId id="434" r:id="rId16"/>
-    <p:sldId id="457" r:id="rId17"/>
-    <p:sldId id="458" r:id="rId18"/>
-    <p:sldId id="453" r:id="rId19"/>
-    <p:sldId id="429" r:id="rId20"/>
-    <p:sldId id="435" r:id="rId21"/>
-    <p:sldId id="436" r:id="rId22"/>
-    <p:sldId id="455" r:id="rId23"/>
-    <p:sldId id="440" r:id="rId24"/>
-    <p:sldId id="454" r:id="rId25"/>
-    <p:sldId id="446" r:id="rId26"/>
-    <p:sldId id="447" r:id="rId27"/>
-    <p:sldId id="406" r:id="rId28"/>
+    <p:sldId id="459" r:id="rId17"/>
+    <p:sldId id="457" r:id="rId18"/>
+    <p:sldId id="458" r:id="rId19"/>
+    <p:sldId id="453" r:id="rId20"/>
+    <p:sldId id="429" r:id="rId21"/>
+    <p:sldId id="435" r:id="rId22"/>
+    <p:sldId id="460" r:id="rId23"/>
+    <p:sldId id="436" r:id="rId24"/>
+    <p:sldId id="455" r:id="rId25"/>
+    <p:sldId id="440" r:id="rId26"/>
+    <p:sldId id="454" r:id="rId27"/>
+    <p:sldId id="446" r:id="rId28"/>
+    <p:sldId id="447" r:id="rId29"/>
+    <p:sldId id="406" r:id="rId30"/>
   </p:sldIdLst>
   <p:sldSz cx="12192000" cy="6858000"/>
   <p:notesSz cx="6858000" cy="9144000"/>
@@ -588,6 +590,90 @@
 </p:notes>
 </file>
 
+<file path=ppt/notesSlides/notesSlide10.xml><?xml version="1.0" encoding="utf-8"?>
+<p:notes xmlns:a="http://schemas.openxmlformats.org/drawingml/2006/main" xmlns:r="http://schemas.openxmlformats.org/officeDocument/2006/relationships" xmlns:p="http://schemas.openxmlformats.org/presentationml/2006/main">
+  <p:cSld>
+    <p:spTree>
+      <p:nvGrpSpPr>
+        <p:cNvPr id="1" name=""/>
+        <p:cNvGrpSpPr/>
+        <p:nvPr/>
+      </p:nvGrpSpPr>
+      <p:grpSpPr>
+        <a:xfrm>
+          <a:off x="0" y="0"/>
+          <a:ext cx="0" cy="0"/>
+          <a:chOff x="0" y="0"/>
+          <a:chExt cx="0" cy="0"/>
+        </a:xfrm>
+      </p:grpSpPr>
+      <p:sp>
+        <p:nvSpPr>
+          <p:cNvPr id="2" name="Slide Image Placeholder 1"/>
+          <p:cNvSpPr>
+            <a:spLocks noGrp="1" noRot="1" noChangeAspect="1"/>
+          </p:cNvSpPr>
+          <p:nvPr>
+            <p:ph type="sldImg"/>
+          </p:nvPr>
+        </p:nvSpPr>
+        <p:spPr/>
+      </p:sp>
+      <p:sp>
+        <p:nvSpPr>
+          <p:cNvPr id="3" name="Notes Placeholder 2"/>
+          <p:cNvSpPr>
+            <a:spLocks noGrp="1"/>
+          </p:cNvSpPr>
+          <p:nvPr>
+            <p:ph type="body" idx="1"/>
+          </p:nvPr>
+        </p:nvSpPr>
+        <p:spPr/>
+        <p:txBody>
+          <a:bodyPr/>
+          <a:lstStyle/>
+          <a:p>
+            <a:endParaRPr lang="en-US"/>
+          </a:p>
+        </p:txBody>
+      </p:sp>
+      <p:sp>
+        <p:nvSpPr>
+          <p:cNvPr id="4" name="Slide Number Placeholder 3"/>
+          <p:cNvSpPr>
+            <a:spLocks noGrp="1"/>
+          </p:cNvSpPr>
+          <p:nvPr>
+            <p:ph type="sldNum" sz="quarter" idx="5"/>
+          </p:nvPr>
+        </p:nvSpPr>
+        <p:spPr/>
+        <p:txBody>
+          <a:bodyPr/>
+          <a:lstStyle/>
+          <a:p>
+            <a:fld id="{72E1486C-A7A5-4436-8111-6FB9AC8714F1}" type="slidenum">
+              <a:rPr lang="ko-KR" altLang="en-US" smtClean="0"/>
+              <a:t>23</a:t>
+            </a:fld>
+            <a:endParaRPr lang="ko-KR" altLang="en-US"/>
+          </a:p>
+        </p:txBody>
+      </p:sp>
+    </p:spTree>
+    <p:extLst>
+      <p:ext uri="{BB962C8B-B14F-4D97-AF65-F5344CB8AC3E}">
+        <p14:creationId xmlns:p14="http://schemas.microsoft.com/office/powerpoint/2010/main" val="2811280476"/>
+      </p:ext>
+    </p:extLst>
+  </p:cSld>
+  <p:clrMapOvr>
+    <a:masterClrMapping/>
+  </p:clrMapOvr>
+</p:notes>
+</file>
+
 <file path=ppt/notesSlides/notesSlide2.xml><?xml version="1.0" encoding="utf-8"?>
 <p:notes xmlns:a="http://schemas.openxmlformats.org/drawingml/2006/main" xmlns:r="http://schemas.openxmlformats.org/officeDocument/2006/relationships" xmlns:p="http://schemas.openxmlformats.org/presentationml/2006/main">
   <p:cSld>
@@ -1091,7 +1177,7 @@
     </p:spTree>
     <p:extLst>
       <p:ext uri="{BB962C8B-B14F-4D97-AF65-F5344CB8AC3E}">
-        <p14:creationId xmlns:p14="http://schemas.microsoft.com/office/powerpoint/2010/main" val="1640117179"/>
+        <p14:creationId xmlns:p14="http://schemas.microsoft.com/office/powerpoint/2010/main" val="2981005742"/>
       </p:ext>
     </p:extLst>
   </p:cSld>
@@ -1175,7 +1261,7 @@
     </p:spTree>
     <p:extLst>
       <p:ext uri="{BB962C8B-B14F-4D97-AF65-F5344CB8AC3E}">
-        <p14:creationId xmlns:p14="http://schemas.microsoft.com/office/powerpoint/2010/main" val="3672027458"/>
+        <p14:creationId xmlns:p14="http://schemas.microsoft.com/office/powerpoint/2010/main" val="1640117179"/>
       </p:ext>
     </p:extLst>
   </p:cSld>
@@ -1229,7 +1315,7 @@
           <a:bodyPr/>
           <a:lstStyle/>
           <a:p>
-            <a:endParaRPr lang="en-US"/>
+            <a:endParaRPr lang="en-TR"/>
           </a:p>
         </p:txBody>
       </p:sp>
@@ -1248,18 +1334,18 @@
           <a:bodyPr/>
           <a:lstStyle/>
           <a:p>
-            <a:fld id="{72E1486C-A7A5-4436-8111-6FB9AC8714F1}" type="slidenum">
-              <a:rPr lang="ko-KR" altLang="en-US" smtClean="0"/>
-              <a:t>21</a:t>
+            <a:fld id="{7E2C2A8A-8D13-4B94-B9F1-C53F69A20F96}" type="slidenum">
+              <a:rPr lang="en-TR" smtClean="0"/>
+              <a:t>12</a:t>
             </a:fld>
-            <a:endParaRPr lang="ko-KR" altLang="en-US"/>
+            <a:endParaRPr lang="en-TR"/>
           </a:p>
         </p:txBody>
       </p:sp>
     </p:spTree>
     <p:extLst>
       <p:ext uri="{BB962C8B-B14F-4D97-AF65-F5344CB8AC3E}">
-        <p14:creationId xmlns:p14="http://schemas.microsoft.com/office/powerpoint/2010/main" val="2811280476"/>
+        <p14:creationId xmlns:p14="http://schemas.microsoft.com/office/powerpoint/2010/main" val="3672027458"/>
       </p:ext>
     </p:extLst>
   </p:cSld>
@@ -14992,40 +15078,46 @@
           <a:chExt cx="0" cy="0"/>
         </a:xfrm>
       </p:grpSpPr>
-      <p:pic>
-        <p:nvPicPr>
-          <p:cNvPr id="6" name="Content Placeholder 5">
-            <a:extLst>
-              <a:ext uri="{FF2B5EF4-FFF2-40B4-BE49-F238E27FC236}">
-                <a16:creationId xmlns:a16="http://schemas.microsoft.com/office/drawing/2014/main" id="{AD915654-DD05-93D5-CC89-E446ECD0D2B8}"/>
-              </a:ext>
-            </a:extLst>
-          </p:cNvPr>
-          <p:cNvPicPr>
-            <a:picLocks noGrp="1" noChangeAspect="1"/>
-          </p:cNvPicPr>
+      <p:sp>
+        <p:nvSpPr>
+          <p:cNvPr id="3" name="Content Placeholder 2">
+            <a:extLst>
+              <a:ext uri="{FF2B5EF4-FFF2-40B4-BE49-F238E27FC236}">
+                <a16:creationId xmlns:a16="http://schemas.microsoft.com/office/drawing/2014/main" id="{9527CBB5-FCE1-A315-951E-ACBCC104C4CE}"/>
+              </a:ext>
+            </a:extLst>
+          </p:cNvPr>
+          <p:cNvSpPr>
+            <a:spLocks noGrp="1"/>
+          </p:cNvSpPr>
           <p:nvPr>
             <p:ph idx="1"/>
           </p:nvPr>
-        </p:nvPicPr>
-        <p:blipFill>
-          <a:blip r:embed="rId3">
-            <a:extLst>
-              <a:ext uri="{28A0092B-C50C-407E-A947-70E740481C1C}">
-                <a14:useLocalDpi xmlns:a14="http://schemas.microsoft.com/office/drawing/2010/main" val="0"/>
-              </a:ext>
-            </a:extLst>
-          </a:blip>
-          <a:srcRect/>
-          <a:stretch/>
-        </p:blipFill>
-        <p:spPr>
-          <a:xfrm>
-            <a:off x="838325" y="1127760"/>
-            <a:ext cx="10515350" cy="5410200"/>
-          </a:xfrm>
-        </p:spPr>
-      </p:pic>
+        </p:nvSpPr>
+        <p:spPr/>
+        <p:txBody>
+          <a:bodyPr>
+            <a:noAutofit/>
+          </a:bodyPr>
+          <a:lstStyle/>
+          <a:p>
+            <a:pPr marL="0" indent="0">
+              <a:buNone/>
+            </a:pPr>
+            <a:endParaRPr lang="en-US" sz="2400" b="1" i="0" u="none" strike="noStrike" kern="1200" noProof="0" dirty="0">
+              <a:solidFill>
+                <a:srgbClr val="FFFFFF"/>
+              </a:solidFill>
+              <a:cs typeface="Arial" panose="020B0604020202020204" pitchFamily="34" charset="0"/>
+            </a:endParaRPr>
+          </a:p>
+          <a:p>
+            <a:endParaRPr lang="tr-TR" sz="2400" dirty="0">
+              <a:cs typeface="Arial" panose="020B0604020202020204" pitchFamily="34" charset="0"/>
+            </a:endParaRPr>
+          </a:p>
+        </p:txBody>
+      </p:sp>
       <p:sp>
         <p:nvSpPr>
           <p:cNvPr id="5" name="TextBox 4">
@@ -15079,10 +15171,46 @@
           </a:p>
         </p:txBody>
       </p:sp>
+      <p:pic>
+        <p:nvPicPr>
+          <p:cNvPr id="8" name="Picture 7">
+            <a:extLst>
+              <a:ext uri="{FF2B5EF4-FFF2-40B4-BE49-F238E27FC236}">
+                <a16:creationId xmlns:a16="http://schemas.microsoft.com/office/drawing/2014/main" id="{A8E7C94F-9757-F621-9865-D5B59ED30934}"/>
+              </a:ext>
+            </a:extLst>
+          </p:cNvPr>
+          <p:cNvPicPr>
+            <a:picLocks noChangeAspect="1"/>
+          </p:cNvPicPr>
+          <p:nvPr/>
+        </p:nvPicPr>
+        <p:blipFill>
+          <a:blip r:embed="rId3">
+            <a:extLst>
+              <a:ext uri="{28A0092B-C50C-407E-A947-70E740481C1C}">
+                <a14:useLocalDpi xmlns:a14="http://schemas.microsoft.com/office/drawing/2010/main" val="0"/>
+              </a:ext>
+            </a:extLst>
+          </a:blip>
+          <a:stretch>
+            <a:fillRect/>
+          </a:stretch>
+        </p:blipFill>
+        <p:spPr>
+          <a:xfrm>
+            <a:off x="1799424" y="1240405"/>
+            <a:ext cx="8593152" cy="4825292"/>
+          </a:xfrm>
+          <a:prstGeom prst="rect">
+            <a:avLst/>
+          </a:prstGeom>
+        </p:spPr>
+      </p:pic>
     </p:spTree>
     <p:extLst>
       <p:ext uri="{BB962C8B-B14F-4D97-AF65-F5344CB8AC3E}">
-        <p14:creationId xmlns:p14="http://schemas.microsoft.com/office/powerpoint/2010/main" val="486654173"/>
+        <p14:creationId xmlns:p14="http://schemas.microsoft.com/office/powerpoint/2010/main" val="1449217336"/>
       </p:ext>
     </p:extLst>
   </p:cSld>
@@ -15133,9 +15261,8 @@
               </a:ext>
             </a:extLst>
           </a:blip>
-          <a:stretch>
-            <a:fillRect/>
-          </a:stretch>
+          <a:srcRect/>
+          <a:stretch/>
         </p:blipFill>
         <p:spPr>
           <a:xfrm>
@@ -15200,7 +15327,7 @@
     </p:spTree>
     <p:extLst>
       <p:ext uri="{BB962C8B-B14F-4D97-AF65-F5344CB8AC3E}">
-        <p14:creationId xmlns:p14="http://schemas.microsoft.com/office/powerpoint/2010/main" val="871928557"/>
+        <p14:creationId xmlns:p14="http://schemas.microsoft.com/office/powerpoint/2010/main" val="486654173"/>
       </p:ext>
     </p:extLst>
   </p:cSld>
@@ -15227,46 +15354,47 @@
           <a:chExt cx="0" cy="0"/>
         </a:xfrm>
       </p:grpSpPr>
-      <p:sp>
-        <p:nvSpPr>
-          <p:cNvPr id="2" name="Title 1">
-            <a:extLst>
-              <a:ext uri="{FF2B5EF4-FFF2-40B4-BE49-F238E27FC236}">
-                <a16:creationId xmlns:a16="http://schemas.microsoft.com/office/drawing/2014/main" id="{E382CF62-297C-8D0F-E3E5-1BA3EBDCD815}"/>
-              </a:ext>
-            </a:extLst>
-          </p:cNvPr>
-          <p:cNvSpPr>
-            <a:spLocks noGrp="1"/>
-          </p:cNvSpPr>
-          <p:nvPr>
-            <p:ph type="title"/>
-          </p:nvPr>
-        </p:nvSpPr>
-        <p:spPr/>
-        <p:txBody>
-          <a:bodyPr>
-            <a:normAutofit/>
-          </a:bodyPr>
-          <a:lstStyle/>
-          <a:p>
-            <a:r>
-              <a:rPr lang="en-US" dirty="0">
-                <a:ea typeface="+mj-lt"/>
-                <a:cs typeface="+mj-lt"/>
-              </a:rPr>
-              <a:t>Model</a:t>
-            </a:r>
-            <a:endParaRPr lang="en-US" dirty="0"/>
-          </a:p>
-        </p:txBody>
-      </p:sp>
-      <p:sp>
-        <p:nvSpPr>
-          <p:cNvPr id="4" name="TextBox 3">
-            <a:extLst>
-              <a:ext uri="{FF2B5EF4-FFF2-40B4-BE49-F238E27FC236}">
-                <a16:creationId xmlns:a16="http://schemas.microsoft.com/office/drawing/2014/main" id="{3831E698-AC64-A6F4-2958-27D7E92C645A}"/>
+      <p:pic>
+        <p:nvPicPr>
+          <p:cNvPr id="6" name="Content Placeholder 5">
+            <a:extLst>
+              <a:ext uri="{FF2B5EF4-FFF2-40B4-BE49-F238E27FC236}">
+                <a16:creationId xmlns:a16="http://schemas.microsoft.com/office/drawing/2014/main" id="{AD915654-DD05-93D5-CC89-E446ECD0D2B8}"/>
+              </a:ext>
+            </a:extLst>
+          </p:cNvPr>
+          <p:cNvPicPr>
+            <a:picLocks noGrp="1" noChangeAspect="1"/>
+          </p:cNvPicPr>
+          <p:nvPr>
+            <p:ph idx="1"/>
+          </p:nvPr>
+        </p:nvPicPr>
+        <p:blipFill>
+          <a:blip r:embed="rId3">
+            <a:extLst>
+              <a:ext uri="{28A0092B-C50C-407E-A947-70E740481C1C}">
+                <a14:useLocalDpi xmlns:a14="http://schemas.microsoft.com/office/drawing/2010/main" val="0"/>
+              </a:ext>
+            </a:extLst>
+          </a:blip>
+          <a:stretch>
+            <a:fillRect/>
+          </a:stretch>
+        </p:blipFill>
+        <p:spPr>
+          <a:xfrm>
+            <a:off x="838325" y="1127760"/>
+            <a:ext cx="10515350" cy="5410200"/>
+          </a:xfrm>
+        </p:spPr>
+      </p:pic>
+      <p:sp>
+        <p:nvSpPr>
+          <p:cNvPr id="5" name="TextBox 4">
+            <a:extLst>
+              <a:ext uri="{FF2B5EF4-FFF2-40B4-BE49-F238E27FC236}">
+                <a16:creationId xmlns:a16="http://schemas.microsoft.com/office/drawing/2014/main" id="{394F1C97-E3C4-F82E-D583-F3B8A955674C}"/>
               </a:ext>
             </a:extLst>
           </p:cNvPr>
@@ -15317,7 +15445,7 @@
     </p:spTree>
     <p:extLst>
       <p:ext uri="{BB962C8B-B14F-4D97-AF65-F5344CB8AC3E}">
-        <p14:creationId xmlns:p14="http://schemas.microsoft.com/office/powerpoint/2010/main" val="1266301036"/>
+        <p14:creationId xmlns:p14="http://schemas.microsoft.com/office/powerpoint/2010/main" val="871928557"/>
       </p:ext>
     </p:extLst>
   </p:cSld>
@@ -15349,7 +15477,7 @@
           <p:cNvPr id="2" name="Title 1">
             <a:extLst>
               <a:ext uri="{FF2B5EF4-FFF2-40B4-BE49-F238E27FC236}">
-                <a16:creationId xmlns:a16="http://schemas.microsoft.com/office/drawing/2014/main" id="{F6601C89-436E-AD3C-AF5A-DEC59B995445}"/>
+                <a16:creationId xmlns:a16="http://schemas.microsoft.com/office/drawing/2014/main" id="{E382CF62-297C-8D0F-E3E5-1BA3EBDCD815}"/>
               </a:ext>
             </a:extLst>
           </p:cNvPr>
@@ -15358,47 +15486,6 @@
           </p:cNvSpPr>
           <p:nvPr>
             <p:ph type="title"/>
-          </p:nvPr>
-        </p:nvSpPr>
-        <p:spPr/>
-        <p:txBody>
-          <a:bodyPr/>
-          <a:lstStyle/>
-          <a:p>
-            <a:r>
-              <a:rPr lang="en-US" b="1"/>
-              <a:t>Model Selection</a:t>
-            </a:r>
-            <a:r>
-              <a:rPr lang="tr-TR" b="1"/>
-              <a:t> </a:t>
-            </a:r>
-            <a:r>
-              <a:rPr lang="tr-TR" b="1" err="1"/>
-              <a:t>and</a:t>
-            </a:r>
-            <a:r>
-              <a:rPr lang="tr-TR" b="1"/>
-              <a:t> Training</a:t>
-            </a:r>
-            <a:endParaRPr lang="tr-TR"/>
-          </a:p>
-        </p:txBody>
-      </p:sp>
-      <p:sp>
-        <p:nvSpPr>
-          <p:cNvPr id="3" name="Content Placeholder 2">
-            <a:extLst>
-              <a:ext uri="{FF2B5EF4-FFF2-40B4-BE49-F238E27FC236}">
-                <a16:creationId xmlns:a16="http://schemas.microsoft.com/office/drawing/2014/main" id="{9527CBB5-FCE1-A315-951E-ACBCC104C4CE}"/>
-              </a:ext>
-            </a:extLst>
-          </p:cNvPr>
-          <p:cNvSpPr>
-            <a:spLocks noGrp="1"/>
-          </p:cNvSpPr>
-          <p:nvPr>
-            <p:ph idx="1"/>
           </p:nvPr>
         </p:nvSpPr>
         <p:spPr/>
@@ -15408,143 +15495,23 @@
           </a:bodyPr>
           <a:lstStyle/>
           <a:p>
-            <a:pPr marL="274320">
-              <a:spcBef>
-                <a:spcPts val="600"/>
-              </a:spcBef>
-            </a:pPr>
-            <a:r>
-              <a:rPr lang="en-US" sz="2000" i="0" u="none" strike="noStrike" kern="1200" noProof="0" dirty="0">
-                <a:solidFill>
-                  <a:srgbClr val="FFFFFF"/>
-                </a:solidFill>
-                <a:cs typeface="Arial" panose="020B0604020202020204" pitchFamily="34" charset="0"/>
+            <a:r>
+              <a:rPr lang="en-US" dirty="0">
+                <a:ea typeface="+mj-lt"/>
+                <a:cs typeface="+mj-lt"/>
               </a:rPr>
-              <a:t>Criteria: The model was evaluated based on performance metrics such as accuracy, precision, and recall. Interpretability and scalability were also considered to ensure the model's applicability in healthcare and its ability to handle larger datasets in the future.</a:t>
-            </a:r>
-          </a:p>
-          <a:p>
-            <a:pPr marL="274320">
-              <a:spcBef>
-                <a:spcPts val="600"/>
-              </a:spcBef>
-            </a:pPr>
-            <a:endParaRPr lang="en-US" sz="2000" i="0" u="none" strike="noStrike" kern="1200" noProof="0" dirty="0">
-              <a:solidFill>
-                <a:srgbClr val="FFFFFF"/>
-              </a:solidFill>
-              <a:cs typeface="Arial" panose="020B0604020202020204" pitchFamily="34" charset="0"/>
-            </a:endParaRPr>
-          </a:p>
-          <a:p>
-            <a:pPr marL="274320">
-              <a:spcBef>
-                <a:spcPts val="600"/>
-              </a:spcBef>
-            </a:pPr>
-            <a:r>
-              <a:rPr lang="en-US" sz="2000" i="0" u="none" strike="noStrike" kern="1200" noProof="0" dirty="0">
-                <a:solidFill>
-                  <a:srgbClr val="FFFFFF"/>
-                </a:solidFill>
-                <a:cs typeface="Arial" panose="020B0604020202020204" pitchFamily="34" charset="0"/>
-              </a:rPr>
-              <a:t>Model Selection: Logistic regression was chosen as a baseline model because it is simple, interpretable, and effective. The </a:t>
-            </a:r>
-            <a:r>
-              <a:rPr lang="en-US" sz="2000" i="0" u="none" strike="noStrike" kern="1200" noProof="0" dirty="0" err="1">
-                <a:solidFill>
-                  <a:srgbClr val="FFFFFF"/>
-                </a:solidFill>
-                <a:cs typeface="Arial" panose="020B0604020202020204" pitchFamily="34" charset="0"/>
-              </a:rPr>
-              <a:t>sklearn</a:t>
-            </a:r>
-            <a:r>
-              <a:rPr lang="en-US" sz="2000" i="0" u="none" strike="noStrike" kern="1200" noProof="0" dirty="0">
-                <a:solidFill>
-                  <a:srgbClr val="FFFFFF"/>
-                </a:solidFill>
-                <a:cs typeface="Arial" panose="020B0604020202020204" pitchFamily="34" charset="0"/>
-              </a:rPr>
-              <a:t> library was used.</a:t>
-            </a:r>
-          </a:p>
-          <a:p>
-            <a:pPr marL="274320">
-              <a:spcBef>
-                <a:spcPts val="600"/>
-              </a:spcBef>
-            </a:pPr>
-            <a:endParaRPr lang="en-US" sz="2000" i="0" u="none" strike="noStrike" kern="1200" noProof="0" dirty="0">
-              <a:solidFill>
-                <a:srgbClr val="FFFFFF"/>
-              </a:solidFill>
-              <a:cs typeface="Arial" panose="020B0604020202020204" pitchFamily="34" charset="0"/>
-            </a:endParaRPr>
-          </a:p>
-          <a:p>
-            <a:pPr marL="274320">
-              <a:spcBef>
-                <a:spcPts val="600"/>
-              </a:spcBef>
-            </a:pPr>
-            <a:r>
-              <a:rPr lang="en-US" sz="2000" i="0" u="none" strike="noStrike" kern="1200" noProof="0" dirty="0">
-                <a:solidFill>
-                  <a:srgbClr val="FFFFFF"/>
-                </a:solidFill>
-                <a:cs typeface="Arial" panose="020B0604020202020204" pitchFamily="34" charset="0"/>
-              </a:rPr>
-              <a:t>Data Splitting: The dataset was divided into training, cross-validation (CV), and test sets.</a:t>
-            </a:r>
-            <a:br>
-              <a:rPr lang="en-US" sz="2000" i="0" u="none" strike="noStrike" kern="1200" noProof="0" dirty="0">
-                <a:solidFill>
-                  <a:srgbClr val="FFFFFF"/>
-                </a:solidFill>
-                <a:cs typeface="Arial" panose="020B0604020202020204" pitchFamily="34" charset="0"/>
-              </a:rPr>
-            </a:br>
-            <a:endParaRPr lang="en-US" sz="2000" i="0" u="none" strike="noStrike" kern="1200" noProof="0" dirty="0">
-              <a:solidFill>
-                <a:srgbClr val="FFFFFF"/>
-              </a:solidFill>
-              <a:cs typeface="Arial" panose="020B0604020202020204" pitchFamily="34" charset="0"/>
-            </a:endParaRPr>
-          </a:p>
-          <a:p>
-            <a:r>
-              <a:rPr lang="en-US" sz="2000" i="0" u="none" strike="noStrike" kern="1200" noProof="0" dirty="0">
-                <a:solidFill>
-                  <a:srgbClr val="FFFFFF"/>
-                </a:solidFill>
-                <a:cs typeface="Arial" panose="020B0604020202020204" pitchFamily="34" charset="0"/>
-              </a:rPr>
-              <a:t>Model Training: The logistic regression model was trained on the training set, and cross-validation was used to fine-tune hyperparameters and prevent overfitting.</a:t>
-            </a:r>
-          </a:p>
-          <a:p>
-            <a:pPr marL="914400" lvl="2" indent="0">
-              <a:buNone/>
-            </a:pPr>
-            <a:endParaRPr lang="en-US" dirty="0">
-              <a:cs typeface="Arial" panose="020B0604020202020204" pitchFamily="34" charset="0"/>
-            </a:endParaRPr>
-          </a:p>
-          <a:p>
-            <a:endParaRPr lang="tr-TR" sz="2000" dirty="0">
-              <a:cs typeface="Arial" panose="020B0604020202020204" pitchFamily="34" charset="0"/>
-            </a:endParaRPr>
-          </a:p>
-        </p:txBody>
-      </p:sp>
-      <p:sp>
-        <p:nvSpPr>
-          <p:cNvPr id="5" name="TextBox 4">
-            <a:extLst>
-              <a:ext uri="{FF2B5EF4-FFF2-40B4-BE49-F238E27FC236}">
-                <a16:creationId xmlns:a16="http://schemas.microsoft.com/office/drawing/2014/main" id="{3CAD5C7D-FA3D-F9C1-793E-1F0546CB8684}"/>
+              <a:t>Model</a:t>
+            </a:r>
+            <a:endParaRPr lang="en-US" dirty="0"/>
+          </a:p>
+        </p:txBody>
+      </p:sp>
+      <p:sp>
+        <p:nvSpPr>
+          <p:cNvPr id="4" name="TextBox 3">
+            <a:extLst>
+              <a:ext uri="{FF2B5EF4-FFF2-40B4-BE49-F238E27FC236}">
+                <a16:creationId xmlns:a16="http://schemas.microsoft.com/office/drawing/2014/main" id="{3831E698-AC64-A6F4-2958-27D7E92C645A}"/>
               </a:ext>
             </a:extLst>
           </p:cNvPr>
@@ -15595,7 +15562,7 @@
     </p:spTree>
     <p:extLst>
       <p:ext uri="{BB962C8B-B14F-4D97-AF65-F5344CB8AC3E}">
-        <p14:creationId xmlns:p14="http://schemas.microsoft.com/office/powerpoint/2010/main" val="929681317"/>
+        <p14:creationId xmlns:p14="http://schemas.microsoft.com/office/powerpoint/2010/main" val="1266301036"/>
       </p:ext>
     </p:extLst>
   </p:cSld>
@@ -15640,14 +15607,12 @@
         </p:nvSpPr>
         <p:spPr/>
         <p:txBody>
-          <a:bodyPr>
-            <a:normAutofit fontScale="90000"/>
-          </a:bodyPr>
+          <a:bodyPr/>
           <a:lstStyle/>
           <a:p>
             <a:r>
               <a:rPr lang="en-US" b="1"/>
-              <a:t>Model Evaluation</a:t>
+              <a:t>Model Selection</a:t>
             </a:r>
             <a:r>
               <a:rPr lang="tr-TR" b="1"/>
@@ -15659,11 +15624,7 @@
             </a:r>
             <a:r>
               <a:rPr lang="tr-TR" b="1"/>
-              <a:t> </a:t>
-            </a:r>
-            <a:r>
-              <a:rPr lang="en-US" b="1"/>
-              <a:t>Hyperparameter Tuning</a:t>
+              <a:t> Training</a:t>
             </a:r>
             <a:endParaRPr lang="tr-TR"/>
           </a:p>
@@ -15692,9 +15653,9 @@
           </a:bodyPr>
           <a:lstStyle/>
           <a:p>
-            <a:pPr>
+            <a:pPr marL="274320">
               <a:spcBef>
-                <a:spcPts val="0"/>
+                <a:spcPts val="600"/>
               </a:spcBef>
             </a:pPr>
             <a:r>
@@ -15704,13 +15665,13 @@
                 </a:solidFill>
                 <a:cs typeface="Arial" panose="020B0604020202020204" pitchFamily="34" charset="0"/>
               </a:rPr>
-              <a:t>Model Evaluation: The model's performance was assessed using metrics such as accuracy, precision, recall, and F1 score. It was 0.86 precise on the CV set and 0.80 precise on the test set. </a:t>
-            </a:r>
-          </a:p>
-          <a:p>
-            <a:pPr>
+              <a:t>Criteria: The model was evaluated based on performance metrics such as accuracy, precision, and recall. Interpretability and scalability were also considered to ensure the model's applicability in healthcare and its ability to handle larger datasets in the future.</a:t>
+            </a:r>
+          </a:p>
+          <a:p>
+            <a:pPr marL="274320">
               <a:spcBef>
-                <a:spcPts val="0"/>
+                <a:spcPts val="600"/>
               </a:spcBef>
             </a:pPr>
             <a:endParaRPr lang="en-US" sz="2000" i="0" u="none" strike="noStrike" kern="1200" noProof="0" dirty="0">
@@ -15721,9 +15682,9 @@
             </a:endParaRPr>
           </a:p>
           <a:p>
-            <a:pPr>
+            <a:pPr marL="274320">
               <a:spcBef>
-                <a:spcPts val="0"/>
+                <a:spcPts val="600"/>
               </a:spcBef>
             </a:pPr>
             <a:r>
@@ -15733,13 +15694,31 @@
                 </a:solidFill>
                 <a:cs typeface="Arial" panose="020B0604020202020204" pitchFamily="34" charset="0"/>
               </a:rPr>
-              <a:t>Hyperparameter Tuning Techniques: Techniques like random search were employed to explore and optimize hyperparameter values.</a:t>
-            </a:r>
-          </a:p>
-          <a:p>
-            <a:pPr>
+              <a:t>Model Selection: Logistic regression was chosen as a baseline model because it is simple, interpretable, and effective. The </a:t>
+            </a:r>
+            <a:r>
+              <a:rPr lang="en-US" sz="2000" i="0" u="none" strike="noStrike" kern="1200" noProof="0" dirty="0" err="1">
+                <a:solidFill>
+                  <a:srgbClr val="FFFFFF"/>
+                </a:solidFill>
+                <a:cs typeface="Arial" panose="020B0604020202020204" pitchFamily="34" charset="0"/>
+              </a:rPr>
+              <a:t>sklearn</a:t>
+            </a:r>
+            <a:r>
+              <a:rPr lang="en-US" sz="2000" i="0" u="none" strike="noStrike" kern="1200" noProof="0" dirty="0">
+                <a:solidFill>
+                  <a:srgbClr val="FFFFFF"/>
+                </a:solidFill>
+                <a:cs typeface="Arial" panose="020B0604020202020204" pitchFamily="34" charset="0"/>
+              </a:rPr>
+              <a:t> library was used.</a:t>
+            </a:r>
+          </a:p>
+          <a:p>
+            <a:pPr marL="274320">
               <a:spcBef>
-                <a:spcPts val="0"/>
+                <a:spcPts val="600"/>
               </a:spcBef>
             </a:pPr>
             <a:endParaRPr lang="en-US" sz="2000" i="0" u="none" strike="noStrike" kern="1200" noProof="0" dirty="0">
@@ -15750,9 +15729,9 @@
             </a:endParaRPr>
           </a:p>
           <a:p>
-            <a:pPr>
+            <a:pPr marL="274320">
               <a:spcBef>
-                <a:spcPts val="0"/>
+                <a:spcPts val="600"/>
               </a:spcBef>
             </a:pPr>
             <a:r>
@@ -15762,15 +15741,16 @@
                 </a:solidFill>
                 <a:cs typeface="Arial" panose="020B0604020202020204" pitchFamily="34" charset="0"/>
               </a:rPr>
-              <a:t>Improvements: Optimized hyperparameters were identified to enhance the model's performance. Which improved the precision to 0.88 on the cv set and 0.82 on the test set. </a:t>
-            </a:r>
-          </a:p>
-          <a:p>
-            <a:pPr>
-              <a:spcBef>
-                <a:spcPts val="0"/>
-              </a:spcBef>
-            </a:pPr>
+              <a:t>Data Splitting: The dataset was divided into training, cross-validation (CV), and test sets.</a:t>
+            </a:r>
+            <a:br>
+              <a:rPr lang="en-US" sz="2000" i="0" u="none" strike="noStrike" kern="1200" noProof="0" dirty="0">
+                <a:solidFill>
+                  <a:srgbClr val="FFFFFF"/>
+                </a:solidFill>
+                <a:cs typeface="Arial" panose="020B0604020202020204" pitchFamily="34" charset="0"/>
+              </a:rPr>
+            </a:br>
             <a:endParaRPr lang="en-US" sz="2000" i="0" u="none" strike="noStrike" kern="1200" noProof="0" dirty="0">
               <a:solidFill>
                 <a:srgbClr val="FFFFFF"/>
@@ -15779,11 +15759,6 @@
             </a:endParaRPr>
           </a:p>
           <a:p>
-            <a:pPr>
-              <a:spcBef>
-                <a:spcPts val="0"/>
-              </a:spcBef>
-            </a:pPr>
             <a:r>
               <a:rPr lang="en-US" sz="2000" i="0" u="none" strike="noStrike" kern="1200" noProof="0" dirty="0">
                 <a:solidFill>
@@ -15791,15 +15766,18 @@
                 </a:solidFill>
                 <a:cs typeface="Arial" panose="020B0604020202020204" pitchFamily="34" charset="0"/>
               </a:rPr>
-              <a:t>Evaluation Tools: The accuracy score and classification report provided insights into the model's performance, helping to identify areas for improvement.</a:t>
-            </a:r>
-          </a:p>
-          <a:p>
-            <a:pPr>
-              <a:spcBef>
-                <a:spcPts val="0"/>
-              </a:spcBef>
+              <a:t>Model Training: The logistic regression model was trained on the training set, and cross-validation was used to fine-tune hyperparameters and prevent overfitting.</a:t>
+            </a:r>
+          </a:p>
+          <a:p>
+            <a:pPr marL="914400" lvl="2" indent="0">
+              <a:buNone/>
             </a:pPr>
+            <a:endParaRPr lang="en-US" dirty="0">
+              <a:cs typeface="Arial" panose="020B0604020202020204" pitchFamily="34" charset="0"/>
+            </a:endParaRPr>
+          </a:p>
+          <a:p>
             <a:endParaRPr lang="tr-TR" sz="2000" dirty="0">
               <a:cs typeface="Arial" panose="020B0604020202020204" pitchFamily="34" charset="0"/>
             </a:endParaRPr>
@@ -15811,7 +15789,7 @@
           <p:cNvPr id="5" name="TextBox 4">
             <a:extLst>
               <a:ext uri="{FF2B5EF4-FFF2-40B4-BE49-F238E27FC236}">
-                <a16:creationId xmlns:a16="http://schemas.microsoft.com/office/drawing/2014/main" id="{218E6C4B-A3C8-95B2-C55E-315D15F0D182}"/>
+                <a16:creationId xmlns:a16="http://schemas.microsoft.com/office/drawing/2014/main" id="{3CAD5C7D-FA3D-F9C1-793E-1F0546CB8684}"/>
               </a:ext>
             </a:extLst>
           </p:cNvPr>
@@ -15862,7 +15840,7 @@
     </p:spTree>
     <p:extLst>
       <p:ext uri="{BB962C8B-B14F-4D97-AF65-F5344CB8AC3E}">
-        <p14:creationId xmlns:p14="http://schemas.microsoft.com/office/powerpoint/2010/main" val="1073472500"/>
+        <p14:creationId xmlns:p14="http://schemas.microsoft.com/office/powerpoint/2010/main" val="929681317"/>
       </p:ext>
     </p:extLst>
   </p:cSld>
@@ -15907,18 +15885,32 @@
         </p:nvSpPr>
         <p:spPr/>
         <p:txBody>
-          <a:bodyPr/>
-          <a:lstStyle/>
-          <a:p>
-            <a:r>
-              <a:rPr lang="en-US" b="1" dirty="0"/>
-              <a:t>Model Refinement</a:t>
-            </a:r>
-            <a:r>
-              <a:rPr lang="tr-TR" b="1" dirty="0"/>
-              <a:t> and Testing</a:t>
-            </a:r>
-            <a:endParaRPr lang="tr-TR" dirty="0"/>
+          <a:bodyPr>
+            <a:normAutofit fontScale="90000"/>
+          </a:bodyPr>
+          <a:lstStyle/>
+          <a:p>
+            <a:r>
+              <a:rPr lang="en-US" b="1"/>
+              <a:t>Model Evaluation</a:t>
+            </a:r>
+            <a:r>
+              <a:rPr lang="tr-TR" b="1"/>
+              <a:t> </a:t>
+            </a:r>
+            <a:r>
+              <a:rPr lang="tr-TR" b="1" err="1"/>
+              <a:t>and</a:t>
+            </a:r>
+            <a:r>
+              <a:rPr lang="tr-TR" b="1"/>
+              <a:t> </a:t>
+            </a:r>
+            <a:r>
+              <a:rPr lang="en-US" b="1"/>
+              <a:t>Hyperparameter Tuning</a:t>
+            </a:r>
+            <a:endParaRPr lang="tr-TR"/>
           </a:p>
         </p:txBody>
       </p:sp>
@@ -15940,56 +15932,137 @@
         </p:nvSpPr>
         <p:spPr/>
         <p:txBody>
-          <a:bodyPr vert="horz" lIns="91440" tIns="45720" rIns="91440" bIns="45720" rtlCol="0" anchor="t">
-            <a:noAutofit/>
+          <a:bodyPr>
+            <a:normAutofit/>
           </a:bodyPr>
           <a:lstStyle/>
           <a:p>
-            <a:r>
-              <a:rPr lang="en-US" sz="2000" dirty="0">
+            <a:pPr>
+              <a:spcBef>
+                <a:spcPts val="0"/>
+              </a:spcBef>
+            </a:pPr>
+            <a:r>
+              <a:rPr lang="en-US" sz="2000" i="0" u="none" strike="noStrike" kern="1200" noProof="0" dirty="0">
+                <a:solidFill>
+                  <a:srgbClr val="FFFFFF"/>
+                </a:solidFill>
                 <a:cs typeface="Arial" panose="020B0604020202020204" pitchFamily="34" charset="0"/>
               </a:rPr>
-              <a:t>Model Refinement: The model was refined through feature selection and hyperparameter tuning, improving performance.</a:t>
-            </a:r>
-          </a:p>
-          <a:p>
-            <a:endParaRPr lang="en-US" sz="2000" dirty="0">
+              <a:t>Model Evaluation: The model's performance was assessed using accuracy, precision, recall, and F1 score metrics. </a:t>
+            </a:r>
+            <a:r>
+              <a:rPr lang="en-US" sz="2000" dirty="0">
+                <a:solidFill>
+                  <a:srgbClr val="FFFFFF"/>
+                </a:solidFill>
+                <a:cs typeface="Arial" panose="020B0604020202020204" pitchFamily="34" charset="0"/>
+              </a:rPr>
+              <a:t>A precision of</a:t>
+            </a:r>
+            <a:r>
+              <a:rPr lang="en-US" sz="2000" i="0" u="none" strike="noStrike" kern="1200" noProof="0" dirty="0">
+                <a:solidFill>
+                  <a:srgbClr val="FFFFFF"/>
+                </a:solidFill>
+                <a:cs typeface="Arial" panose="020B0604020202020204" pitchFamily="34" charset="0"/>
+              </a:rPr>
+              <a:t> 0.86  on the CV set and 0.80 on the test set and an overall F1  score of 0.89 was achieved. </a:t>
+            </a:r>
+          </a:p>
+          <a:p>
+            <a:pPr>
+              <a:spcBef>
+                <a:spcPts val="0"/>
+              </a:spcBef>
+            </a:pPr>
+            <a:endParaRPr lang="en-US" sz="2000" i="0" u="none" strike="noStrike" kern="1200" noProof="0" dirty="0">
+              <a:solidFill>
+                <a:srgbClr val="FFFFFF"/>
+              </a:solidFill>
               <a:cs typeface="Arial" panose="020B0604020202020204" pitchFamily="34" charset="0"/>
             </a:endParaRPr>
           </a:p>
           <a:p>
-            <a:r>
-              <a:rPr lang="en-US" sz="2000" dirty="0">
+            <a:pPr>
+              <a:spcBef>
+                <a:spcPts val="0"/>
+              </a:spcBef>
+            </a:pPr>
+            <a:r>
+              <a:rPr lang="en-US" sz="2000" i="0" u="none" strike="noStrike" kern="1200" noProof="0" dirty="0">
+                <a:solidFill>
+                  <a:srgbClr val="FFFFFF"/>
+                </a:solidFill>
                 <a:cs typeface="Arial" panose="020B0604020202020204" pitchFamily="34" charset="0"/>
               </a:rPr>
-              <a:t>Performance Comparison: To highlight improvements, the model's performance before and after refinement was compared.</a:t>
-            </a:r>
-          </a:p>
-          <a:p>
-            <a:endParaRPr lang="en-US" sz="2000" dirty="0">
+              <a:t>Hyperparameter Tuning Techniques: Techniques like random search were employed to explore and optimize hyperparameter values.</a:t>
+            </a:r>
+          </a:p>
+          <a:p>
+            <a:pPr>
+              <a:spcBef>
+                <a:spcPts val="0"/>
+              </a:spcBef>
+            </a:pPr>
+            <a:endParaRPr lang="en-US" sz="2000" i="0" u="none" strike="noStrike" kern="1200" noProof="0" dirty="0">
+              <a:solidFill>
+                <a:srgbClr val="FFFFFF"/>
+              </a:solidFill>
               <a:cs typeface="Arial" panose="020B0604020202020204" pitchFamily="34" charset="0"/>
             </a:endParaRPr>
           </a:p>
           <a:p>
-            <a:r>
-              <a:rPr lang="en-US" sz="2000" dirty="0">
+            <a:pPr>
+              <a:spcBef>
+                <a:spcPts val="0"/>
+              </a:spcBef>
+            </a:pPr>
+            <a:r>
+              <a:rPr lang="en-US" sz="2000" i="0" u="none" strike="noStrike" kern="1200" noProof="0" dirty="0">
+                <a:solidFill>
+                  <a:srgbClr val="FFFFFF"/>
+                </a:solidFill>
                 <a:cs typeface="Arial" panose="020B0604020202020204" pitchFamily="34" charset="0"/>
               </a:rPr>
-              <a:t>Testing: Final evaluations were conducted on the test set to assess the model's performance.</a:t>
-            </a:r>
-          </a:p>
-          <a:p>
-            <a:endParaRPr lang="en-US" sz="2000" dirty="0">
+              <a:t>Improvements: Optimized hyperparameters were identified to enhance the model's performance. Which improved the precision to 0.88 on the CV set and 0.82 on the test set. </a:t>
+            </a:r>
+          </a:p>
+          <a:p>
+            <a:pPr>
+              <a:spcBef>
+                <a:spcPts val="0"/>
+              </a:spcBef>
+            </a:pPr>
+            <a:endParaRPr lang="en-US" sz="2000" i="0" u="none" strike="noStrike" kern="1200" noProof="0" dirty="0">
+              <a:solidFill>
+                <a:srgbClr val="FFFFFF"/>
+              </a:solidFill>
               <a:cs typeface="Arial" panose="020B0604020202020204" pitchFamily="34" charset="0"/>
             </a:endParaRPr>
           </a:p>
           <a:p>
-            <a:r>
-              <a:rPr lang="en-US" sz="2000" dirty="0">
+            <a:pPr>
+              <a:spcBef>
+                <a:spcPts val="0"/>
+              </a:spcBef>
+            </a:pPr>
+            <a:r>
+              <a:rPr lang="en-US" sz="2000" i="0" u="none" strike="noStrike" kern="1200" noProof="0" dirty="0">
+                <a:solidFill>
+                  <a:srgbClr val="FFFFFF"/>
+                </a:solidFill>
                 <a:cs typeface="Arial" panose="020B0604020202020204" pitchFamily="34" charset="0"/>
               </a:rPr>
-              <a:t>Performance Metrics: Visualizations of the test set results showcased the model's accuracy, precision, recall, and other relevant metrics.</a:t>
-            </a:r>
+              <a:t>Evaluation Tools: The accuracy score and classification report provided insights into the model's performance, helping to identify areas for improvement.</a:t>
+            </a:r>
+          </a:p>
+          <a:p>
+            <a:pPr>
+              <a:spcBef>
+                <a:spcPts val="0"/>
+              </a:spcBef>
+            </a:pPr>
             <a:endParaRPr lang="tr-TR" sz="2000" dirty="0">
               <a:cs typeface="Arial" panose="020B0604020202020204" pitchFamily="34" charset="0"/>
             </a:endParaRPr>
@@ -16001,7 +16074,7 @@
           <p:cNvPr id="5" name="TextBox 4">
             <a:extLst>
               <a:ext uri="{FF2B5EF4-FFF2-40B4-BE49-F238E27FC236}">
-                <a16:creationId xmlns:a16="http://schemas.microsoft.com/office/drawing/2014/main" id="{90F59DB4-2E19-6373-F8A1-D1E4B62F6BCF}"/>
+                <a16:creationId xmlns:a16="http://schemas.microsoft.com/office/drawing/2014/main" id="{218E6C4B-A3C8-95B2-C55E-315D15F0D182}"/>
               </a:ext>
             </a:extLst>
           </p:cNvPr>
@@ -16052,7 +16125,7 @@
     </p:spTree>
     <p:extLst>
       <p:ext uri="{BB962C8B-B14F-4D97-AF65-F5344CB8AC3E}">
-        <p14:creationId xmlns:p14="http://schemas.microsoft.com/office/powerpoint/2010/main" val="1652675159"/>
+        <p14:creationId xmlns:p14="http://schemas.microsoft.com/office/powerpoint/2010/main" val="1073472500"/>
       </p:ext>
     </p:extLst>
   </p:cSld>
@@ -16081,44 +16154,10 @@
       </p:grpSpPr>
       <p:sp>
         <p:nvSpPr>
-          <p:cNvPr id="2" name="Title 1">
-            <a:extLst>
-              <a:ext uri="{FF2B5EF4-FFF2-40B4-BE49-F238E27FC236}">
-                <a16:creationId xmlns:a16="http://schemas.microsoft.com/office/drawing/2014/main" id="{E382CF62-297C-8D0F-E3E5-1BA3EBDCD815}"/>
-              </a:ext>
-            </a:extLst>
-          </p:cNvPr>
-          <p:cNvSpPr>
-            <a:spLocks noGrp="1"/>
-          </p:cNvSpPr>
-          <p:nvPr>
-            <p:ph type="title"/>
-          </p:nvPr>
-        </p:nvSpPr>
-        <p:spPr/>
-        <p:txBody>
-          <a:bodyPr>
-            <a:normAutofit/>
-          </a:bodyPr>
-          <a:lstStyle/>
-          <a:p>
-            <a:r>
-              <a:rPr lang="en-US" dirty="0">
-                <a:ea typeface="+mj-lt"/>
-                <a:cs typeface="+mj-lt"/>
-              </a:rPr>
-              <a:t>Results</a:t>
-            </a:r>
-            <a:endParaRPr lang="en-US" dirty="0"/>
-          </a:p>
-        </p:txBody>
-      </p:sp>
-      <p:sp>
-        <p:nvSpPr>
-          <p:cNvPr id="4" name="TextBox 3">
-            <a:extLst>
-              <a:ext uri="{FF2B5EF4-FFF2-40B4-BE49-F238E27FC236}">
-                <a16:creationId xmlns:a16="http://schemas.microsoft.com/office/drawing/2014/main" id="{3831E698-AC64-A6F4-2958-27D7E92C645A}"/>
+          <p:cNvPr id="5" name="TextBox 4">
+            <a:extLst>
+              <a:ext uri="{FF2B5EF4-FFF2-40B4-BE49-F238E27FC236}">
+                <a16:creationId xmlns:a16="http://schemas.microsoft.com/office/drawing/2014/main" id="{218E6C4B-A3C8-95B2-C55E-315D15F0D182}"/>
               </a:ext>
             </a:extLst>
           </p:cNvPr>
@@ -16166,10 +16205,46 @@
           </a:p>
         </p:txBody>
       </p:sp>
+      <p:pic>
+        <p:nvPicPr>
+          <p:cNvPr id="10" name="Picture 9">
+            <a:extLst>
+              <a:ext uri="{FF2B5EF4-FFF2-40B4-BE49-F238E27FC236}">
+                <a16:creationId xmlns:a16="http://schemas.microsoft.com/office/drawing/2014/main" id="{E96815D1-6FDE-F0B3-DB2C-D9DF269922E4}"/>
+              </a:ext>
+            </a:extLst>
+          </p:cNvPr>
+          <p:cNvPicPr>
+            <a:picLocks noChangeAspect="1"/>
+          </p:cNvPicPr>
+          <p:nvPr/>
+        </p:nvPicPr>
+        <p:blipFill>
+          <a:blip r:embed="rId2">
+            <a:extLst>
+              <a:ext uri="{28A0092B-C50C-407E-A947-70E740481C1C}">
+                <a14:useLocalDpi xmlns:a14="http://schemas.microsoft.com/office/drawing/2010/main" val="0"/>
+              </a:ext>
+            </a:extLst>
+          </a:blip>
+          <a:stretch>
+            <a:fillRect/>
+          </a:stretch>
+        </p:blipFill>
+        <p:spPr>
+          <a:xfrm>
+            <a:off x="1647245" y="1141639"/>
+            <a:ext cx="8897510" cy="5258534"/>
+          </a:xfrm>
+          <a:prstGeom prst="rect">
+            <a:avLst/>
+          </a:prstGeom>
+        </p:spPr>
+      </p:pic>
     </p:spTree>
     <p:extLst>
       <p:ext uri="{BB962C8B-B14F-4D97-AF65-F5344CB8AC3E}">
-        <p14:creationId xmlns:p14="http://schemas.microsoft.com/office/powerpoint/2010/main" val="1101562535"/>
+        <p14:creationId xmlns:p14="http://schemas.microsoft.com/office/powerpoint/2010/main" val="2399694022"/>
       </p:ext>
     </p:extLst>
   </p:cSld>
@@ -16219,7 +16294,11 @@
           <a:p>
             <a:r>
               <a:rPr lang="en-US" b="1" dirty="0"/>
-              <a:t>Evaluation Results</a:t>
+              <a:t>Model Refinement</a:t>
+            </a:r>
+            <a:r>
+              <a:rPr lang="tr-TR" b="1" dirty="0"/>
+              <a:t> and Testing</a:t>
             </a:r>
             <a:endParaRPr lang="tr-TR" dirty="0"/>
           </a:p>
@@ -16243,72 +16322,55 @@
         </p:nvSpPr>
         <p:spPr/>
         <p:txBody>
-          <a:bodyPr>
+          <a:bodyPr vert="horz" lIns="91440" tIns="45720" rIns="91440" bIns="45720" rtlCol="0" anchor="t">
             <a:noAutofit/>
           </a:bodyPr>
           <a:lstStyle/>
           <a:p>
-            <a:pPr>
-              <a:spcBef>
-                <a:spcPts val="1200"/>
-              </a:spcBef>
-              <a:spcAft>
-                <a:spcPts val="600"/>
-              </a:spcAft>
-            </a:pPr>
             <a:r>
               <a:rPr lang="en-US" sz="2000" dirty="0">
                 <a:cs typeface="Arial" panose="020B0604020202020204" pitchFamily="34" charset="0"/>
               </a:rPr>
-              <a:t>High Accuracy and Precision: The model achieved high accuracy and precision in predicting heart attacks, indicating its reliability and robustness.</a:t>
-            </a:r>
-          </a:p>
-          <a:p>
-            <a:pPr>
-              <a:spcBef>
-                <a:spcPts val="1200"/>
-              </a:spcBef>
-              <a:spcAft>
-                <a:spcPts val="600"/>
-              </a:spcAft>
-            </a:pPr>
+              <a:t>Model Refinement: The model was refined through feature selection and hyperparameter tuning, improving performance.</a:t>
+            </a:r>
+          </a:p>
+          <a:p>
+            <a:endParaRPr lang="en-US" sz="2000" dirty="0">
+              <a:cs typeface="Arial" panose="020B0604020202020204" pitchFamily="34" charset="0"/>
+            </a:endParaRPr>
+          </a:p>
+          <a:p>
             <a:r>
               <a:rPr lang="en-US" sz="2000" dirty="0">
                 <a:cs typeface="Arial" panose="020B0604020202020204" pitchFamily="34" charset="0"/>
               </a:rPr>
-              <a:t>Effectiveness Across Demographics: The model's effectiveness was demonstrated across various demographic settings, showcasing its adaptability and relevance in diverse populations.</a:t>
-            </a:r>
-          </a:p>
-          <a:p>
-            <a:pPr>
-              <a:spcBef>
-                <a:spcPts val="1200"/>
-              </a:spcBef>
-              <a:spcAft>
-                <a:spcPts val="600"/>
-              </a:spcAft>
-            </a:pPr>
+              <a:t>Performance Comparison: To highlight improvements, the model's performance before and after refinement was compared.</a:t>
+            </a:r>
+          </a:p>
+          <a:p>
+            <a:endParaRPr lang="en-US" sz="2000" dirty="0">
+              <a:cs typeface="Arial" panose="020B0604020202020204" pitchFamily="34" charset="0"/>
+            </a:endParaRPr>
+          </a:p>
+          <a:p>
             <a:r>
               <a:rPr lang="en-US" sz="2000" dirty="0">
                 <a:cs typeface="Arial" panose="020B0604020202020204" pitchFamily="34" charset="0"/>
               </a:rPr>
-              <a:t>Key Feature Insights: The analysis highlighted vital features contributing to heart attack risks, offering healthcare professionals actionable insights to understand better and mitigate these risks.</a:t>
-            </a:r>
-          </a:p>
-          <a:p>
-            <a:pPr>
-              <a:spcBef>
-                <a:spcPts val="1200"/>
-              </a:spcBef>
-              <a:spcAft>
-                <a:spcPts val="600"/>
-              </a:spcAft>
-            </a:pPr>
+              <a:t>Testing: Final evaluations were conducted on the test set to assess the model's performance.</a:t>
+            </a:r>
+          </a:p>
+          <a:p>
+            <a:endParaRPr lang="en-US" sz="2000" dirty="0">
+              <a:cs typeface="Arial" panose="020B0604020202020204" pitchFamily="34" charset="0"/>
+            </a:endParaRPr>
+          </a:p>
+          <a:p>
             <a:r>
               <a:rPr lang="en-US" sz="2000" dirty="0">
                 <a:cs typeface="Arial" panose="020B0604020202020204" pitchFamily="34" charset="0"/>
               </a:rPr>
-              <a:t>Healthcare Implications: By identifying significant predictors of heart attacks, the model supports informed decision-making and targeted interventions, ultimately improving patient outcomes.</a:t>
+              <a:t>Performance Metrics: Visualizations of the test set results showcased the model's accuracy, precision, recall, and other relevant metrics.</a:t>
             </a:r>
             <a:endParaRPr lang="tr-TR" sz="2000" dirty="0">
               <a:cs typeface="Arial" panose="020B0604020202020204" pitchFamily="34" charset="0"/>
@@ -16321,7 +16383,7 @@
           <p:cNvPr id="5" name="TextBox 4">
             <a:extLst>
               <a:ext uri="{FF2B5EF4-FFF2-40B4-BE49-F238E27FC236}">
-                <a16:creationId xmlns:a16="http://schemas.microsoft.com/office/drawing/2014/main" id="{82033EC6-A98C-FBBC-86AF-DA8BE8455201}"/>
+                <a16:creationId xmlns:a16="http://schemas.microsoft.com/office/drawing/2014/main" id="{90F59DB4-2E19-6373-F8A1-D1E4B62F6BCF}"/>
               </a:ext>
             </a:extLst>
           </p:cNvPr>
@@ -16372,7 +16434,7 @@
     </p:spTree>
     <p:extLst>
       <p:ext uri="{BB962C8B-B14F-4D97-AF65-F5344CB8AC3E}">
-        <p14:creationId xmlns:p14="http://schemas.microsoft.com/office/powerpoint/2010/main" val="878654391"/>
+        <p14:creationId xmlns:p14="http://schemas.microsoft.com/office/powerpoint/2010/main" val="1652675159"/>
       </p:ext>
     </p:extLst>
   </p:cSld>
@@ -16404,7 +16466,7 @@
           <p:cNvPr id="2" name="Title 1">
             <a:extLst>
               <a:ext uri="{FF2B5EF4-FFF2-40B4-BE49-F238E27FC236}">
-                <a16:creationId xmlns:a16="http://schemas.microsoft.com/office/drawing/2014/main" id="{F6601C89-436E-AD3C-AF5A-DEC59B995445}"/>
+                <a16:creationId xmlns:a16="http://schemas.microsoft.com/office/drawing/2014/main" id="{E382CF62-297C-8D0F-E3E5-1BA3EBDCD815}"/>
               </a:ext>
             </a:extLst>
           </p:cNvPr>
@@ -16417,126 +16479,28 @@
         </p:nvSpPr>
         <p:spPr/>
         <p:txBody>
-          <a:bodyPr/>
-          <a:lstStyle/>
-          <a:p>
-            <a:r>
-              <a:rPr lang="en-US" b="1"/>
-              <a:t>Deployment</a:t>
-            </a:r>
-            <a:endParaRPr lang="tr-TR"/>
-          </a:p>
-        </p:txBody>
-      </p:sp>
-      <p:sp>
-        <p:nvSpPr>
-          <p:cNvPr id="3" name="Content Placeholder 2">
-            <a:extLst>
-              <a:ext uri="{FF2B5EF4-FFF2-40B4-BE49-F238E27FC236}">
-                <a16:creationId xmlns:a16="http://schemas.microsoft.com/office/drawing/2014/main" id="{9527CBB5-FCE1-A315-951E-ACBCC104C4CE}"/>
-              </a:ext>
-            </a:extLst>
-          </p:cNvPr>
-          <p:cNvSpPr>
-            <a:spLocks noGrp="1"/>
-          </p:cNvSpPr>
-          <p:nvPr>
-            <p:ph idx="1"/>
-          </p:nvPr>
-        </p:nvSpPr>
-        <p:spPr/>
-        <p:txBody>
           <a:bodyPr>
-            <a:noAutofit/>
+            <a:normAutofit/>
           </a:bodyPr>
           <a:lstStyle/>
           <a:p>
-            <a:pPr>
-              <a:spcBef>
-                <a:spcPts val="1200"/>
-              </a:spcBef>
-              <a:spcAft>
-                <a:spcPts val="600"/>
-              </a:spcAft>
-            </a:pPr>
-            <a:r>
-              <a:rPr lang="en-US" sz="2000" dirty="0">
-                <a:cs typeface="Arial" panose="020B0604020202020204" pitchFamily="34" charset="0"/>
+            <a:r>
+              <a:rPr lang="en-US" dirty="0">
+                <a:ea typeface="+mj-lt"/>
+                <a:cs typeface="+mj-lt"/>
               </a:rPr>
-              <a:t>Model Deployment: The model was saved using the </a:t>
-            </a:r>
-            <a:r>
-              <a:rPr lang="en-US" sz="2000" dirty="0" err="1">
-                <a:cs typeface="Arial" panose="020B0604020202020204" pitchFamily="34" charset="0"/>
-              </a:rPr>
-              <a:t>joblib</a:t>
-            </a:r>
-            <a:r>
-              <a:rPr lang="en-US" sz="2000" dirty="0">
-                <a:cs typeface="Arial" panose="020B0604020202020204" pitchFamily="34" charset="0"/>
-              </a:rPr>
-              <a:t> library and deployed with a simple Python script to take user input for predictions and to test the model after the deployment.</a:t>
-            </a:r>
-          </a:p>
-          <a:p>
-            <a:pPr>
-              <a:spcBef>
-                <a:spcPts val="1200"/>
-              </a:spcBef>
-              <a:spcAft>
-                <a:spcPts val="600"/>
-              </a:spcAft>
-            </a:pPr>
-            <a:r>
-              <a:rPr lang="en-US" sz="2000" dirty="0">
-                <a:cs typeface="Arial" panose="020B0604020202020204" pitchFamily="34" charset="0"/>
-              </a:rPr>
-              <a:t>User Data Management: User input data is stored in an SQLite database, enabling efficient storage and future retrieval for model training and improvements.</a:t>
-            </a:r>
-          </a:p>
-          <a:p>
-            <a:pPr>
-              <a:spcBef>
-                <a:spcPts val="1200"/>
-              </a:spcBef>
-              <a:spcAft>
-                <a:spcPts val="600"/>
-              </a:spcAft>
-            </a:pPr>
-            <a:r>
-              <a:rPr lang="en-US" sz="2000" dirty="0">
-                <a:cs typeface="Arial" panose="020B0604020202020204" pitchFamily="34" charset="0"/>
-              </a:rPr>
-              <a:t>Versatility: The saved model can be easily integrated with existing healthcare systems, making it accessible in various healthcare settings, including less developed regions.</a:t>
-            </a:r>
-          </a:p>
-          <a:p>
-            <a:pPr>
-              <a:spcBef>
-                <a:spcPts val="1200"/>
-              </a:spcBef>
-              <a:spcAft>
-                <a:spcPts val="600"/>
-              </a:spcAft>
-            </a:pPr>
-            <a:r>
-              <a:rPr lang="en-US" sz="2000" dirty="0">
-                <a:cs typeface="Arial" panose="020B0604020202020204" pitchFamily="34" charset="0"/>
-              </a:rPr>
-              <a:t>Ease of Use: Healthcare providers can utilize the model effectively with minimal training due to its straightforward deployment process.</a:t>
-            </a:r>
-            <a:endParaRPr lang="tr-TR" sz="2000" dirty="0">
-              <a:cs typeface="Arial" panose="020B0604020202020204" pitchFamily="34" charset="0"/>
-            </a:endParaRPr>
-          </a:p>
-        </p:txBody>
-      </p:sp>
-      <p:sp>
-        <p:nvSpPr>
-          <p:cNvPr id="5" name="TextBox 4">
-            <a:extLst>
-              <a:ext uri="{FF2B5EF4-FFF2-40B4-BE49-F238E27FC236}">
-                <a16:creationId xmlns:a16="http://schemas.microsoft.com/office/drawing/2014/main" id="{82033EC6-A98C-FBBC-86AF-DA8BE8455201}"/>
+              <a:t>Results</a:t>
+            </a:r>
+            <a:endParaRPr lang="en-US" dirty="0"/>
+          </a:p>
+        </p:txBody>
+      </p:sp>
+      <p:sp>
+        <p:nvSpPr>
+          <p:cNvPr id="4" name="TextBox 3">
+            <a:extLst>
+              <a:ext uri="{FF2B5EF4-FFF2-40B4-BE49-F238E27FC236}">
+                <a16:creationId xmlns:a16="http://schemas.microsoft.com/office/drawing/2014/main" id="{3831E698-AC64-A6F4-2958-27D7E92C645A}"/>
               </a:ext>
             </a:extLst>
           </p:cNvPr>
@@ -16587,7 +16551,7 @@
     </p:spTree>
     <p:extLst>
       <p:ext uri="{BB962C8B-B14F-4D97-AF65-F5344CB8AC3E}">
-        <p14:creationId xmlns:p14="http://schemas.microsoft.com/office/powerpoint/2010/main" val="4118007263"/>
+        <p14:creationId xmlns:p14="http://schemas.microsoft.com/office/powerpoint/2010/main" val="1101562535"/>
       </p:ext>
     </p:extLst>
   </p:cSld>
@@ -16636,8 +16600,8 @@
           <a:lstStyle/>
           <a:p>
             <a:r>
-              <a:rPr lang="tr-TR" b="1" dirty="0"/>
-              <a:t>Future Work</a:t>
+              <a:rPr lang="en-US" b="1" dirty="0"/>
+              <a:t>Evaluation Results</a:t>
             </a:r>
             <a:endParaRPr lang="tr-TR" dirty="0"/>
           </a:p>
@@ -16659,42 +16623,75 @@
             <p:ph idx="1"/>
           </p:nvPr>
         </p:nvSpPr>
-        <p:spPr>
-          <a:xfrm>
-            <a:off x="1039652" y="1868906"/>
-            <a:ext cx="10093712" cy="4169743"/>
-          </a:xfrm>
-        </p:spPr>
+        <p:spPr/>
         <p:txBody>
           <a:bodyPr>
             <a:noAutofit/>
           </a:bodyPr>
           <a:lstStyle/>
           <a:p>
+            <a:pPr>
+              <a:spcBef>
+                <a:spcPts val="1200"/>
+              </a:spcBef>
+              <a:spcAft>
+                <a:spcPts val="600"/>
+              </a:spcAft>
+            </a:pPr>
             <a:r>
               <a:rPr lang="en-US" sz="2000" dirty="0">
                 <a:cs typeface="Arial" panose="020B0604020202020204" pitchFamily="34" charset="0"/>
               </a:rPr>
-              <a:t>Expansion: The plan includes incorporating additional data sources to enhance the model's robustness and adapting it for other cardiovascular conditions. Efforts will be made to explore partnerships with healthcare organizations to broaden the model’s impact and reach. The model must be trained based on each country's specific needs. It is crucial to recognize that using clinical records from developed countries to develop datasets for developing countries is not a viable option, as the conditions are not identical. </a:t>
-            </a:r>
-          </a:p>
-          <a:p>
+              <a:t>High Accuracy and Precision: The model achieved high accuracy and precision in predicting heart attacks, indicating its reliability and robustness.</a:t>
+            </a:r>
+          </a:p>
+          <a:p>
+            <a:pPr>
+              <a:spcBef>
+                <a:spcPts val="1200"/>
+              </a:spcBef>
+              <a:spcAft>
+                <a:spcPts val="600"/>
+              </a:spcAft>
+            </a:pPr>
             <a:r>
               <a:rPr lang="en-US" sz="2000" dirty="0">
                 <a:cs typeface="Arial" panose="020B0604020202020204" pitchFamily="34" charset="0"/>
               </a:rPr>
-              <a:t>Research Opportunities: Future research will investigate new machine-learning techniques to improve prediction accuracy. Additionally, studying the long-term effects of using predictive models on healthcare outcomes and exploring the ethical implications of predictive modeling will be prioritized to develop guidelines for responsible use.</a:t>
-            </a:r>
-          </a:p>
-          <a:p>
+              <a:t>Effectiveness Across Demographics: The model's effectiveness was demonstrated across various demographic settings, showcasing its adaptability and relevance in diverse populations.</a:t>
+            </a:r>
+          </a:p>
+          <a:p>
+            <a:pPr>
+              <a:spcBef>
+                <a:spcPts val="1200"/>
+              </a:spcBef>
+              <a:spcAft>
+                <a:spcPts val="600"/>
+              </a:spcAft>
+            </a:pPr>
             <a:r>
               <a:rPr lang="en-US" sz="2000" dirty="0">
                 <a:cs typeface="Arial" panose="020B0604020202020204" pitchFamily="34" charset="0"/>
               </a:rPr>
-              <a:t>Integration with Clinical Data: A critical future goal is to connect the model with a real-time clinical database. This integration will facilitate more data collection, thereby expanding the dataset and improving the model's accuracy and effectiveness in helping patients in need.</a:t>
-            </a:r>
-          </a:p>
-          <a:p>
+              <a:t>Key Feature Insights: The analysis highlighted vital features contributing to heart attack risks, offering healthcare professionals actionable insights to understand better and mitigate these risks.</a:t>
+            </a:r>
+          </a:p>
+          <a:p>
+            <a:pPr>
+              <a:spcBef>
+                <a:spcPts val="1200"/>
+              </a:spcBef>
+              <a:spcAft>
+                <a:spcPts val="600"/>
+              </a:spcAft>
+            </a:pPr>
+            <a:r>
+              <a:rPr lang="en-US" sz="2000" dirty="0">
+                <a:cs typeface="Arial" panose="020B0604020202020204" pitchFamily="34" charset="0"/>
+              </a:rPr>
+              <a:t>Healthcare Implications: By identifying significant predictors of heart attacks, the model supports informed decision-making and targeted interventions, ultimately improving patient outcomes.</a:t>
+            </a:r>
             <a:endParaRPr lang="tr-TR" sz="2000" dirty="0">
               <a:cs typeface="Arial" panose="020B0604020202020204" pitchFamily="34" charset="0"/>
             </a:endParaRPr>
@@ -16706,7 +16703,7 @@
           <p:cNvPr id="5" name="TextBox 4">
             <a:extLst>
               <a:ext uri="{FF2B5EF4-FFF2-40B4-BE49-F238E27FC236}">
-                <a16:creationId xmlns:a16="http://schemas.microsoft.com/office/drawing/2014/main" id="{384D96C8-FF8C-FF1F-F7FC-8D636C9E744D}"/>
+                <a16:creationId xmlns:a16="http://schemas.microsoft.com/office/drawing/2014/main" id="{82033EC6-A98C-FBBC-86AF-DA8BE8455201}"/>
               </a:ext>
             </a:extLst>
           </p:cNvPr>
@@ -16757,7 +16754,7 @@
     </p:spTree>
     <p:extLst>
       <p:ext uri="{BB962C8B-B14F-4D97-AF65-F5344CB8AC3E}">
-        <p14:creationId xmlns:p14="http://schemas.microsoft.com/office/powerpoint/2010/main" val="3792952612"/>
+        <p14:creationId xmlns:p14="http://schemas.microsoft.com/office/powerpoint/2010/main" val="878654391"/>
       </p:ext>
     </p:extLst>
   </p:cSld>
@@ -17170,6 +17167,391 @@
           <a:lstStyle/>
           <a:p>
             <a:r>
+              <a:rPr lang="en-US" b="1"/>
+              <a:t>Deployment</a:t>
+            </a:r>
+            <a:endParaRPr lang="tr-TR"/>
+          </a:p>
+        </p:txBody>
+      </p:sp>
+      <p:sp>
+        <p:nvSpPr>
+          <p:cNvPr id="3" name="Content Placeholder 2">
+            <a:extLst>
+              <a:ext uri="{FF2B5EF4-FFF2-40B4-BE49-F238E27FC236}">
+                <a16:creationId xmlns:a16="http://schemas.microsoft.com/office/drawing/2014/main" id="{9527CBB5-FCE1-A315-951E-ACBCC104C4CE}"/>
+              </a:ext>
+            </a:extLst>
+          </p:cNvPr>
+          <p:cNvSpPr>
+            <a:spLocks noGrp="1"/>
+          </p:cNvSpPr>
+          <p:nvPr>
+            <p:ph idx="1"/>
+          </p:nvPr>
+        </p:nvSpPr>
+        <p:spPr/>
+        <p:txBody>
+          <a:bodyPr>
+            <a:noAutofit/>
+          </a:bodyPr>
+          <a:lstStyle/>
+          <a:p>
+            <a:pPr>
+              <a:spcBef>
+                <a:spcPts val="1200"/>
+              </a:spcBef>
+              <a:spcAft>
+                <a:spcPts val="600"/>
+              </a:spcAft>
+            </a:pPr>
+            <a:r>
+              <a:rPr lang="en-US" sz="2000" dirty="0">
+                <a:cs typeface="Arial" panose="020B0604020202020204" pitchFamily="34" charset="0"/>
+              </a:rPr>
+              <a:t>Model Deployment: The model was saved using the </a:t>
+            </a:r>
+            <a:r>
+              <a:rPr lang="en-US" sz="2000" dirty="0" err="1">
+                <a:cs typeface="Arial" panose="020B0604020202020204" pitchFamily="34" charset="0"/>
+              </a:rPr>
+              <a:t>joblib</a:t>
+            </a:r>
+            <a:r>
+              <a:rPr lang="en-US" sz="2000" dirty="0">
+                <a:cs typeface="Arial" panose="020B0604020202020204" pitchFamily="34" charset="0"/>
+              </a:rPr>
+              <a:t> library and deployed in a simple Python script that takes user input for predictions and tests the model after the deployment.</a:t>
+            </a:r>
+          </a:p>
+          <a:p>
+            <a:pPr>
+              <a:spcBef>
+                <a:spcPts val="1200"/>
+              </a:spcBef>
+              <a:spcAft>
+                <a:spcPts val="600"/>
+              </a:spcAft>
+            </a:pPr>
+            <a:r>
+              <a:rPr lang="en-US" sz="2000" dirty="0">
+                <a:cs typeface="Arial" panose="020B0604020202020204" pitchFamily="34" charset="0"/>
+              </a:rPr>
+              <a:t>User Data Management: User input data is stored in an SQLite database, enabling efficient storage and future retrieval for model training and improvements.</a:t>
+            </a:r>
+          </a:p>
+          <a:p>
+            <a:pPr>
+              <a:spcBef>
+                <a:spcPts val="1200"/>
+              </a:spcBef>
+              <a:spcAft>
+                <a:spcPts val="600"/>
+              </a:spcAft>
+            </a:pPr>
+            <a:r>
+              <a:rPr lang="en-US" sz="2000" dirty="0">
+                <a:cs typeface="Arial" panose="020B0604020202020204" pitchFamily="34" charset="0"/>
+              </a:rPr>
+              <a:t>Versatility: The saved model can be easily integrated with existing healthcare systems, making it accessible in various healthcare settings, including less developed regions.</a:t>
+            </a:r>
+          </a:p>
+          <a:p>
+            <a:pPr>
+              <a:spcBef>
+                <a:spcPts val="1200"/>
+              </a:spcBef>
+              <a:spcAft>
+                <a:spcPts val="600"/>
+              </a:spcAft>
+            </a:pPr>
+            <a:r>
+              <a:rPr lang="en-US" sz="2000" dirty="0">
+                <a:cs typeface="Arial" panose="020B0604020202020204" pitchFamily="34" charset="0"/>
+              </a:rPr>
+              <a:t>Ease of Use: Healthcare providers can utilize the model effectively with minimal training due to its straightforward deployment process.</a:t>
+            </a:r>
+            <a:endParaRPr lang="tr-TR" sz="2000" dirty="0">
+              <a:cs typeface="Arial" panose="020B0604020202020204" pitchFamily="34" charset="0"/>
+            </a:endParaRPr>
+          </a:p>
+        </p:txBody>
+      </p:sp>
+      <p:sp>
+        <p:nvSpPr>
+          <p:cNvPr id="5" name="TextBox 4">
+            <a:extLst>
+              <a:ext uri="{FF2B5EF4-FFF2-40B4-BE49-F238E27FC236}">
+                <a16:creationId xmlns:a16="http://schemas.microsoft.com/office/drawing/2014/main" id="{82033EC6-A98C-FBBC-86AF-DA8BE8455201}"/>
+              </a:ext>
+            </a:extLst>
+          </p:cNvPr>
+          <p:cNvSpPr txBox="1"/>
+          <p:nvPr/>
+        </p:nvSpPr>
+        <p:spPr>
+          <a:xfrm>
+            <a:off x="88776" y="177553"/>
+            <a:ext cx="5066189" cy="276999"/>
+          </a:xfrm>
+          <a:prstGeom prst="rect">
+            <a:avLst/>
+          </a:prstGeom>
+          <a:noFill/>
+        </p:spPr>
+        <p:txBody>
+          <a:bodyPr rot="0" spcFirstLastPara="0" vertOverflow="overflow" horzOverflow="overflow" vert="horz" wrap="square" lIns="91440" tIns="45720" rIns="91440" bIns="45720" numCol="1" spcCol="0" rtlCol="0" fromWordArt="0" anchor="t" anchorCtr="0" forceAA="0" compatLnSpc="1">
+            <a:prstTxWarp prst="textNoShape">
+              <a:avLst/>
+            </a:prstTxWarp>
+            <a:spAutoFit/>
+          </a:bodyPr>
+          <a:lstStyle/>
+          <a:p>
+            <a:r>
+              <a:rPr lang="en-US" sz="1200" dirty="0">
+                <a:cs typeface="Calibri"/>
+              </a:rPr>
+              <a:t>Frontier Tech Leaders </a:t>
+            </a:r>
+            <a:r>
+              <a:rPr lang="en-US" sz="1200" err="1">
+                <a:cs typeface="Calibri"/>
+              </a:rPr>
+              <a:t>Programme</a:t>
+            </a:r>
+            <a:r>
+              <a:rPr lang="en-US" sz="1200" dirty="0">
+                <a:cs typeface="Calibri"/>
+              </a:rPr>
+              <a:t> Global Cohort 1</a:t>
+            </a:r>
+            <a:endParaRPr lang="en-US" sz="1200" dirty="0"/>
+          </a:p>
+        </p:txBody>
+      </p:sp>
+    </p:spTree>
+    <p:extLst>
+      <p:ext uri="{BB962C8B-B14F-4D97-AF65-F5344CB8AC3E}">
+        <p14:creationId xmlns:p14="http://schemas.microsoft.com/office/powerpoint/2010/main" val="4118007263"/>
+      </p:ext>
+    </p:extLst>
+  </p:cSld>
+  <p:clrMapOvr>
+    <a:masterClrMapping/>
+  </p:clrMapOvr>
+</p:sld>
+</file>
+
+<file path=ppt/slides/slide21.xml><?xml version="1.0" encoding="utf-8"?>
+<p:sld xmlns:a="http://schemas.openxmlformats.org/drawingml/2006/main" xmlns:r="http://schemas.openxmlformats.org/officeDocument/2006/relationships" xmlns:p="http://schemas.openxmlformats.org/presentationml/2006/main">
+  <p:cSld>
+    <p:spTree>
+      <p:nvGrpSpPr>
+        <p:cNvPr id="1" name=""/>
+        <p:cNvGrpSpPr/>
+        <p:nvPr/>
+      </p:nvGrpSpPr>
+      <p:grpSpPr>
+        <a:xfrm>
+          <a:off x="0" y="0"/>
+          <a:ext cx="0" cy="0"/>
+          <a:chOff x="0" y="0"/>
+          <a:chExt cx="0" cy="0"/>
+        </a:xfrm>
+      </p:grpSpPr>
+      <p:sp>
+        <p:nvSpPr>
+          <p:cNvPr id="2" name="Title 1">
+            <a:extLst>
+              <a:ext uri="{FF2B5EF4-FFF2-40B4-BE49-F238E27FC236}">
+                <a16:creationId xmlns:a16="http://schemas.microsoft.com/office/drawing/2014/main" id="{F6601C89-436E-AD3C-AF5A-DEC59B995445}"/>
+              </a:ext>
+            </a:extLst>
+          </p:cNvPr>
+          <p:cNvSpPr>
+            <a:spLocks noGrp="1"/>
+          </p:cNvSpPr>
+          <p:nvPr>
+            <p:ph type="title"/>
+          </p:nvPr>
+        </p:nvSpPr>
+        <p:spPr/>
+        <p:txBody>
+          <a:bodyPr/>
+          <a:lstStyle/>
+          <a:p>
+            <a:r>
+              <a:rPr lang="tr-TR" b="1" dirty="0"/>
+              <a:t>Future Work</a:t>
+            </a:r>
+            <a:endParaRPr lang="tr-TR" dirty="0"/>
+          </a:p>
+        </p:txBody>
+      </p:sp>
+      <p:sp>
+        <p:nvSpPr>
+          <p:cNvPr id="3" name="Content Placeholder 2">
+            <a:extLst>
+              <a:ext uri="{FF2B5EF4-FFF2-40B4-BE49-F238E27FC236}">
+                <a16:creationId xmlns:a16="http://schemas.microsoft.com/office/drawing/2014/main" id="{9527CBB5-FCE1-A315-951E-ACBCC104C4CE}"/>
+              </a:ext>
+            </a:extLst>
+          </p:cNvPr>
+          <p:cNvSpPr>
+            <a:spLocks noGrp="1"/>
+          </p:cNvSpPr>
+          <p:nvPr>
+            <p:ph idx="1"/>
+          </p:nvPr>
+        </p:nvSpPr>
+        <p:spPr>
+          <a:xfrm>
+            <a:off x="1039652" y="1868906"/>
+            <a:ext cx="10093712" cy="4169743"/>
+          </a:xfrm>
+        </p:spPr>
+        <p:txBody>
+          <a:bodyPr>
+            <a:noAutofit/>
+          </a:bodyPr>
+          <a:lstStyle/>
+          <a:p>
+            <a:r>
+              <a:rPr lang="en-US" sz="2000" dirty="0">
+                <a:cs typeface="Arial" panose="020B0604020202020204" pitchFamily="34" charset="0"/>
+              </a:rPr>
+              <a:t>Expansion: The plan includes incorporating additional data sources to enhance the model's robustness and adapting it for other cardiovascular conditions. Efforts will be made to explore partnerships with healthcare organizations to broaden the model’s impact and reach. The model must be trained based on each country's specific needs. It is crucial to recognize that using clinical records from developed countries to develop datasets for developing countries is not viable, as the conditions are not identical. </a:t>
+            </a:r>
+          </a:p>
+          <a:p>
+            <a:r>
+              <a:rPr lang="en-US" sz="2000" dirty="0">
+                <a:cs typeface="Arial" panose="020B0604020202020204" pitchFamily="34" charset="0"/>
+              </a:rPr>
+              <a:t>Research Opportunities: Future research will investigate new machine-learning techniques to improve prediction accuracy. Additionally, studying the long-term effects of using predictive models on healthcare outcomes and exploring the ethical implications of predictive modeling will be prioritized to develop guidelines for responsible use.</a:t>
+            </a:r>
+          </a:p>
+          <a:p>
+            <a:r>
+              <a:rPr lang="en-US" sz="2000" dirty="0">
+                <a:cs typeface="Arial" panose="020B0604020202020204" pitchFamily="34" charset="0"/>
+              </a:rPr>
+              <a:t>Integration with Clinical Data: A critical future goal is to connect the model with a real-time clinical database. This integration will facilitate more data collection, thereby expanding the dataset and improving the model's accuracy and effectiveness in helping needy patients.</a:t>
+            </a:r>
+          </a:p>
+          <a:p>
+            <a:endParaRPr lang="tr-TR" sz="2000" dirty="0">
+              <a:cs typeface="Arial" panose="020B0604020202020204" pitchFamily="34" charset="0"/>
+            </a:endParaRPr>
+          </a:p>
+        </p:txBody>
+      </p:sp>
+      <p:sp>
+        <p:nvSpPr>
+          <p:cNvPr id="5" name="TextBox 4">
+            <a:extLst>
+              <a:ext uri="{FF2B5EF4-FFF2-40B4-BE49-F238E27FC236}">
+                <a16:creationId xmlns:a16="http://schemas.microsoft.com/office/drawing/2014/main" id="{384D96C8-FF8C-FF1F-F7FC-8D636C9E744D}"/>
+              </a:ext>
+            </a:extLst>
+          </p:cNvPr>
+          <p:cNvSpPr txBox="1"/>
+          <p:nvPr/>
+        </p:nvSpPr>
+        <p:spPr>
+          <a:xfrm>
+            <a:off x="88776" y="177553"/>
+            <a:ext cx="5066189" cy="276999"/>
+          </a:xfrm>
+          <a:prstGeom prst="rect">
+            <a:avLst/>
+          </a:prstGeom>
+          <a:noFill/>
+        </p:spPr>
+        <p:txBody>
+          <a:bodyPr rot="0" spcFirstLastPara="0" vertOverflow="overflow" horzOverflow="overflow" vert="horz" wrap="square" lIns="91440" tIns="45720" rIns="91440" bIns="45720" numCol="1" spcCol="0" rtlCol="0" fromWordArt="0" anchor="t" anchorCtr="0" forceAA="0" compatLnSpc="1">
+            <a:prstTxWarp prst="textNoShape">
+              <a:avLst/>
+            </a:prstTxWarp>
+            <a:spAutoFit/>
+          </a:bodyPr>
+          <a:lstStyle/>
+          <a:p>
+            <a:r>
+              <a:rPr lang="en-US" sz="1200" dirty="0">
+                <a:cs typeface="Calibri"/>
+              </a:rPr>
+              <a:t>Frontier Tech Leaders </a:t>
+            </a:r>
+            <a:r>
+              <a:rPr lang="en-US" sz="1200" err="1">
+                <a:cs typeface="Calibri"/>
+              </a:rPr>
+              <a:t>Programme</a:t>
+            </a:r>
+            <a:r>
+              <a:rPr lang="en-US" sz="1200" dirty="0">
+                <a:cs typeface="Calibri"/>
+              </a:rPr>
+              <a:t> Global Cohort 1</a:t>
+            </a:r>
+            <a:endParaRPr lang="en-US" sz="1200" dirty="0"/>
+          </a:p>
+        </p:txBody>
+      </p:sp>
+    </p:spTree>
+    <p:extLst>
+      <p:ext uri="{BB962C8B-B14F-4D97-AF65-F5344CB8AC3E}">
+        <p14:creationId xmlns:p14="http://schemas.microsoft.com/office/powerpoint/2010/main" val="3792952612"/>
+      </p:ext>
+    </p:extLst>
+  </p:cSld>
+  <p:clrMapOvr>
+    <a:masterClrMapping/>
+  </p:clrMapOvr>
+</p:sld>
+</file>
+
+<file path=ppt/slides/slide22.xml><?xml version="1.0" encoding="utf-8"?>
+<p:sld xmlns:a="http://schemas.openxmlformats.org/drawingml/2006/main" xmlns:r="http://schemas.openxmlformats.org/officeDocument/2006/relationships" xmlns:p="http://schemas.openxmlformats.org/presentationml/2006/main">
+  <p:cSld>
+    <p:spTree>
+      <p:nvGrpSpPr>
+        <p:cNvPr id="1" name=""/>
+        <p:cNvGrpSpPr/>
+        <p:nvPr/>
+      </p:nvGrpSpPr>
+      <p:grpSpPr>
+        <a:xfrm>
+          <a:off x="0" y="0"/>
+          <a:ext cx="0" cy="0"/>
+          <a:chOff x="0" y="0"/>
+          <a:chExt cx="0" cy="0"/>
+        </a:xfrm>
+      </p:grpSpPr>
+      <p:sp>
+        <p:nvSpPr>
+          <p:cNvPr id="2" name="Title 1">
+            <a:extLst>
+              <a:ext uri="{FF2B5EF4-FFF2-40B4-BE49-F238E27FC236}">
+                <a16:creationId xmlns:a16="http://schemas.microsoft.com/office/drawing/2014/main" id="{F6601C89-436E-AD3C-AF5A-DEC59B995445}"/>
+              </a:ext>
+            </a:extLst>
+          </p:cNvPr>
+          <p:cNvSpPr>
+            <a:spLocks noGrp="1"/>
+          </p:cNvSpPr>
+          <p:nvPr>
+            <p:ph type="title"/>
+          </p:nvPr>
+        </p:nvSpPr>
+        <p:spPr/>
+        <p:txBody>
+          <a:bodyPr/>
+          <a:lstStyle/>
+          <a:p>
+            <a:r>
               <a:rPr lang="tr-TR" dirty="0"/>
               <a:t>References</a:t>
             </a:r>
@@ -17349,7 +17731,7 @@
 </p:sld>
 </file>
 
-<file path=ppt/slides/slide21.xml><?xml version="1.0" encoding="utf-8"?>
+<file path=ppt/slides/slide23.xml><?xml version="1.0" encoding="utf-8"?>
 <p:sld xmlns:a="http://schemas.openxmlformats.org/drawingml/2006/main" xmlns:r="http://schemas.openxmlformats.org/officeDocument/2006/relationships" xmlns:p="http://schemas.openxmlformats.org/presentationml/2006/main">
   <p:cSld>
     <p:spTree>
@@ -19556,7 +19938,7 @@
               <a:rPr lang="en-US" sz="2400" dirty="0">
                 <a:cs typeface="Arial" panose="020B0604020202020204" pitchFamily="34" charset="0"/>
               </a:rPr>
-              <a:t>Insights: Older individuals have higher heart attack risks; chest pain type and maximum heart rate are significant indicators.</a:t>
+              <a:t>Insights: Older individuals have higher heart attack risks; chest pain type and number of major vessels are significant indicators.</a:t>
             </a:r>
           </a:p>
           <a:p>
@@ -21108,24 +21490,6 @@
 </file>
 
 <file path=customXml/item1.xml><?xml version="1.0" encoding="utf-8"?>
-<p:properties xmlns:p="http://schemas.microsoft.com/office/2006/metadata/properties" xmlns:xsi="http://www.w3.org/2001/XMLSchema-instance" xmlns:pc="http://schemas.microsoft.com/office/infopath/2007/PartnerControls">
-  <documentManagement>
-    <TaxCatchAll xmlns="8024aa29-09e0-41bf-a8ba-de7a3ccff2d2" xsi:nil="true"/>
-    <lcf76f155ced4ddcb4097134ff3c332f xmlns="30072bdd-44e3-492a-9bf3-41313a20fa59">
-      <Terms xmlns="http://schemas.microsoft.com/office/infopath/2007/PartnerControls"/>
-    </lcf76f155ced4ddcb4097134ff3c332f>
-    <SharedWithUsers xmlns="8024aa29-09e0-41bf-a8ba-de7a3ccff2d2">
-      <UserInfo>
-        <DisplayName>Ipek beril Benli</DisplayName>
-        <AccountId>43</AccountId>
-        <AccountType/>
-      </UserInfo>
-    </SharedWithUsers>
-  </documentManagement>
-</p:properties>
-</file>
-
-<file path=customXml/item2.xml><?xml version="1.0" encoding="utf-8"?>
 <ct:contentTypeSchema xmlns:ct="http://schemas.microsoft.com/office/2006/metadata/contentType" xmlns:ma="http://schemas.microsoft.com/office/2006/metadata/properties/metaAttributes" ct:_="" ma:_="" ma:contentTypeName="Document" ma:contentTypeID="0x010100F4E2296B40A12549AAF59F14837A4C74" ma:contentTypeVersion="13" ma:contentTypeDescription="Create a new document." ma:contentTypeScope="" ma:versionID="8dcfb88d3270fafa381daa4411591c9c">
   <xsd:schema xmlns:xsd="http://www.w3.org/2001/XMLSchema" xmlns:xs="http://www.w3.org/2001/XMLSchema" xmlns:p="http://schemas.microsoft.com/office/2006/metadata/properties" xmlns:ns2="30072bdd-44e3-492a-9bf3-41313a20fa59" xmlns:ns3="8024aa29-09e0-41bf-a8ba-de7a3ccff2d2" targetNamespace="http://schemas.microsoft.com/office/2006/metadata/properties" ma:root="true" ma:fieldsID="f2130b10d26f37cd1d597ea78e321af3" ns2:_="" ns3:_="">
     <xsd:import namespace="30072bdd-44e3-492a-9bf3-41313a20fa59"/>
@@ -21348,6 +21712,24 @@
 </ct:contentTypeSchema>
 </file>
 
+<file path=customXml/item2.xml><?xml version="1.0" encoding="utf-8"?>
+<p:properties xmlns:p="http://schemas.microsoft.com/office/2006/metadata/properties" xmlns:xsi="http://www.w3.org/2001/XMLSchema-instance" xmlns:pc="http://schemas.microsoft.com/office/infopath/2007/PartnerControls">
+  <documentManagement>
+    <TaxCatchAll xmlns="8024aa29-09e0-41bf-a8ba-de7a3ccff2d2" xsi:nil="true"/>
+    <lcf76f155ced4ddcb4097134ff3c332f xmlns="30072bdd-44e3-492a-9bf3-41313a20fa59">
+      <Terms xmlns="http://schemas.microsoft.com/office/infopath/2007/PartnerControls"/>
+    </lcf76f155ced4ddcb4097134ff3c332f>
+    <SharedWithUsers xmlns="8024aa29-09e0-41bf-a8ba-de7a3ccff2d2">
+      <UserInfo>
+        <DisplayName>Ipek beril Benli</DisplayName>
+        <AccountId>43</AccountId>
+        <AccountType/>
+      </UserInfo>
+    </SharedWithUsers>
+  </documentManagement>
+</p:properties>
+</file>
+
 <file path=customXml/item3.xml><?xml version="1.0" encoding="utf-8"?>
 <?mso-contentType ?>
 <FormTemplates xmlns="http://schemas.microsoft.com/sharepoint/v3/contenttype/forms">
@@ -21358,6 +21740,25 @@
 </file>
 
 <file path=customXml/itemProps1.xml><?xml version="1.0" encoding="utf-8"?>
+<ds:datastoreItem xmlns:ds="http://schemas.openxmlformats.org/officeDocument/2006/customXml" ds:itemID="{E62FF70B-FFC7-48CB-B09C-960C61FEE494}">
+  <ds:schemaRefs>
+    <ds:schemaRef ds:uri="http://schemas.microsoft.com/office/2006/metadata/contentType"/>
+    <ds:schemaRef ds:uri="http://schemas.microsoft.com/office/2006/metadata/properties/metaAttributes"/>
+    <ds:schemaRef ds:uri="http://www.w3.org/2001/XMLSchema"/>
+    <ds:schemaRef ds:uri="http://schemas.microsoft.com/office/2006/metadata/properties"/>
+    <ds:schemaRef ds:uri="30072bdd-44e3-492a-9bf3-41313a20fa59"/>
+    <ds:schemaRef ds:uri="8024aa29-09e0-41bf-a8ba-de7a3ccff2d2"/>
+    <ds:schemaRef ds:uri="http://schemas.microsoft.com/office/2006/documentManagement/types"/>
+    <ds:schemaRef ds:uri="http://schemas.microsoft.com/office/infopath/2007/PartnerControls"/>
+    <ds:schemaRef ds:uri="http://schemas.openxmlformats.org/package/2006/metadata/core-properties"/>
+    <ds:schemaRef ds:uri="http://purl.org/dc/elements/1.1/"/>
+    <ds:schemaRef ds:uri="http://purl.org/dc/terms/"/>
+    <ds:schemaRef ds:uri="http://schemas.microsoft.com/internal/obd"/>
+  </ds:schemaRefs>
+</ds:datastoreItem>
+</file>
+
+<file path=customXml/itemProps2.xml><?xml version="1.0" encoding="utf-8"?>
 <ds:datastoreItem xmlns:ds="http://schemas.openxmlformats.org/officeDocument/2006/customXml" ds:itemID="{0DEDE2C8-FC7C-4381-A834-6FD8DD37E8B0}">
   <ds:schemaRefs>
     <ds:schemaRef ds:uri="6259e846-8b77-4076-b7b3-191dee427045"/>
@@ -21376,25 +21777,6 @@
 </ds:datastoreItem>
 </file>
 
-<file path=customXml/itemProps2.xml><?xml version="1.0" encoding="utf-8"?>
-<ds:datastoreItem xmlns:ds="http://schemas.openxmlformats.org/officeDocument/2006/customXml" ds:itemID="{E62FF70B-FFC7-48CB-B09C-960C61FEE494}">
-  <ds:schemaRefs>
-    <ds:schemaRef ds:uri="http://schemas.microsoft.com/office/2006/metadata/contentType"/>
-    <ds:schemaRef ds:uri="http://schemas.microsoft.com/office/2006/metadata/properties/metaAttributes"/>
-    <ds:schemaRef ds:uri="http://www.w3.org/2001/XMLSchema"/>
-    <ds:schemaRef ds:uri="http://schemas.microsoft.com/office/2006/metadata/properties"/>
-    <ds:schemaRef ds:uri="30072bdd-44e3-492a-9bf3-41313a20fa59"/>
-    <ds:schemaRef ds:uri="8024aa29-09e0-41bf-a8ba-de7a3ccff2d2"/>
-    <ds:schemaRef ds:uri="http://schemas.microsoft.com/office/2006/documentManagement/types"/>
-    <ds:schemaRef ds:uri="http://schemas.microsoft.com/office/infopath/2007/PartnerControls"/>
-    <ds:schemaRef ds:uri="http://schemas.openxmlformats.org/package/2006/metadata/core-properties"/>
-    <ds:schemaRef ds:uri="http://purl.org/dc/elements/1.1/"/>
-    <ds:schemaRef ds:uri="http://purl.org/dc/terms/"/>
-    <ds:schemaRef ds:uri="http://schemas.microsoft.com/internal/obd"/>
-  </ds:schemaRefs>
-</ds:datastoreItem>
-</file>
-
 <file path=customXml/itemProps3.xml><?xml version="1.0" encoding="utf-8"?>
 <ds:datastoreItem xmlns:ds="http://schemas.openxmlformats.org/officeDocument/2006/customXml" ds:itemID="{1673DD53-6A06-4588-9E9A-777572FF2106}">
   <ds:schemaRefs>
